--- a/projectProposal/495_project_proposal_template.pptx
+++ b/projectProposal/495_project_proposal_template.pptx
@@ -4,30 +4,32 @@
   <p:sldMasterIdLst>
     <p:sldMasterId id="2147483648" r:id="rId2"/>
     <p:sldMasterId id="2147483661" r:id="rId3"/>
+    <p:sldMasterId id="2147483674" r:id="rId4"/>
+    <p:sldMasterId id="2147483687" r:id="rId5"/>
   </p:sldMasterIdLst>
   <p:notesMasterIdLst>
-    <p:notesMasterId r:id="rId4"/>
+    <p:notesMasterId r:id="rId6"/>
   </p:notesMasterIdLst>
   <p:sldIdLst>
-    <p:sldId id="256" r:id="rId5"/>
-    <p:sldId id="257" r:id="rId6"/>
-    <p:sldId id="258" r:id="rId7"/>
-    <p:sldId id="259" r:id="rId8"/>
-    <p:sldId id="260" r:id="rId9"/>
-    <p:sldId id="261" r:id="rId10"/>
-    <p:sldId id="262" r:id="rId11"/>
-    <p:sldId id="263" r:id="rId12"/>
-    <p:sldId id="264" r:id="rId13"/>
-    <p:sldId id="265" r:id="rId14"/>
-    <p:sldId id="266" r:id="rId15"/>
-    <p:sldId id="267" r:id="rId16"/>
-    <p:sldId id="268" r:id="rId17"/>
-    <p:sldId id="269" r:id="rId18"/>
-    <p:sldId id="270" r:id="rId19"/>
-    <p:sldId id="271" r:id="rId20"/>
-    <p:sldId id="272" r:id="rId21"/>
-    <p:sldId id="273" r:id="rId22"/>
-    <p:sldId id="274" r:id="rId23"/>
+    <p:sldId id="256" r:id="rId7"/>
+    <p:sldId id="257" r:id="rId8"/>
+    <p:sldId id="258" r:id="rId9"/>
+    <p:sldId id="259" r:id="rId10"/>
+    <p:sldId id="260" r:id="rId11"/>
+    <p:sldId id="261" r:id="rId12"/>
+    <p:sldId id="262" r:id="rId13"/>
+    <p:sldId id="263" r:id="rId14"/>
+    <p:sldId id="264" r:id="rId15"/>
+    <p:sldId id="265" r:id="rId16"/>
+    <p:sldId id="266" r:id="rId17"/>
+    <p:sldId id="267" r:id="rId18"/>
+    <p:sldId id="268" r:id="rId19"/>
+    <p:sldId id="269" r:id="rId20"/>
+    <p:sldId id="270" r:id="rId21"/>
+    <p:sldId id="271" r:id="rId22"/>
+    <p:sldId id="272" r:id="rId23"/>
+    <p:sldId id="273" r:id="rId24"/>
+    <p:sldId id="274" r:id="rId25"/>
   </p:sldIdLst>
   <p:sldSz cx="9144000" cy="6858000"/>
   <p:notesSz cx="7315200" cy="9601200"/>
@@ -53,7 +55,7 @@
       </p:grpSpPr>
       <p:sp>
         <p:nvSpPr>
-          <p:cNvPr id="99" name="PlaceHolder 1"/>
+          <p:cNvPr id="176" name="PlaceHolder 1"/>
           <p:cNvSpPr>
             <a:spLocks noGrp="1"/>
           </p:cNvSpPr>
@@ -63,8 +65,8 @@
         </p:nvSpPr>
         <p:spPr>
           <a:xfrm>
-            <a:off x="777240" y="4777560"/>
-            <a:ext cx="6217560" cy="4525920"/>
+            <a:off x="696600" y="4202280"/>
+            <a:ext cx="5922000" cy="4525920"/>
           </a:xfrm>
           <a:prstGeom prst="rect">
             <a:avLst/>
@@ -74,7 +76,7 @@
           <a:bodyPr lIns="0" rIns="0" tIns="0" bIns="0"/>
           <a:p>
             <a:r>
-              <a:rPr lang="en-US" sz="2000" spc="-1">
+              <a:rPr lang="en-US" sz="2640" spc="-1">
                 <a:latin typeface="Arial"/>
               </a:rPr>
               <a:t>Click to edit the notes format</a:t>
@@ -85,7 +87,7 @@
       </p:sp>
       <p:sp>
         <p:nvSpPr>
-          <p:cNvPr id="100" name="PlaceHolder 2"/>
+          <p:cNvPr id="177" name="PlaceHolder 2"/>
           <p:cNvSpPr>
             <a:spLocks noGrp="1"/>
           </p:cNvSpPr>
@@ -96,7 +98,7 @@
         <p:spPr>
           <a:xfrm>
             <a:off x="0" y="0"/>
-            <a:ext cx="3372840" cy="502560"/>
+            <a:ext cx="3174120" cy="479880"/>
           </a:xfrm>
           <a:prstGeom prst="rect">
             <a:avLst/>
@@ -117,7 +119,7 @@
       </p:sp>
       <p:sp>
         <p:nvSpPr>
-          <p:cNvPr id="101" name="PlaceHolder 3"/>
+          <p:cNvPr id="178" name="PlaceHolder 3"/>
           <p:cNvSpPr>
             <a:spLocks noGrp="1"/>
           </p:cNvSpPr>
@@ -127,8 +129,8 @@
         </p:nvSpPr>
         <p:spPr>
           <a:xfrm>
-            <a:off x="4399200" y="0"/>
-            <a:ext cx="3372840" cy="502560"/>
+            <a:off x="4140720" y="0"/>
+            <a:ext cx="3174120" cy="479880"/>
           </a:xfrm>
           <a:prstGeom prst="rect">
             <a:avLst/>
@@ -150,7 +152,7 @@
       </p:sp>
       <p:sp>
         <p:nvSpPr>
-          <p:cNvPr id="102" name="PlaceHolder 4"/>
+          <p:cNvPr id="179" name="PlaceHolder 4"/>
           <p:cNvSpPr>
             <a:spLocks noGrp="1"/>
           </p:cNvSpPr>
@@ -160,8 +162,8 @@
         </p:nvSpPr>
         <p:spPr>
           <a:xfrm>
-            <a:off x="0" y="9555480"/>
-            <a:ext cx="3372840" cy="502560"/>
+            <a:off x="0" y="9120960"/>
+            <a:ext cx="3174120" cy="479880"/>
           </a:xfrm>
           <a:prstGeom prst="rect">
             <a:avLst/>
@@ -182,7 +184,7 @@
       </p:sp>
       <p:sp>
         <p:nvSpPr>
-          <p:cNvPr id="103" name="PlaceHolder 5"/>
+          <p:cNvPr id="180" name="PlaceHolder 5"/>
           <p:cNvSpPr>
             <a:spLocks noGrp="1"/>
           </p:cNvSpPr>
@@ -192,8 +194,8 @@
         </p:nvSpPr>
         <p:spPr>
           <a:xfrm>
-            <a:off x="4399200" y="9555480"/>
-            <a:ext cx="3372840" cy="502560"/>
+            <a:off x="4140720" y="9120960"/>
+            <a:ext cx="3174120" cy="479880"/>
           </a:xfrm>
           <a:prstGeom prst="rect">
             <a:avLst/>
@@ -203,7 +205,7 @@
           <a:bodyPr lIns="0" rIns="0" tIns="0" bIns="0" anchor="b"/>
           <a:p>
             <a:pPr algn="r"/>
-            <a:fld id="{9159A760-4D41-4C19-844C-A2C09F989DD2}" type="slidenum">
+            <a:fld id="{0A1E288D-2402-4EDE-BDA0-8E99847E14A7}" type="slidenum">
               <a:rPr lang="en-US" sz="1400" spc="-1">
                 <a:latin typeface="Times New Roman"/>
               </a:rPr>
@@ -238,14 +240,14 @@
       </p:grpSpPr>
       <p:sp>
         <p:nvSpPr>
-          <p:cNvPr id="180" name="TextShape 1"/>
-          <p:cNvSpPr txBox="1"/>
+          <p:cNvPr id="257" name="CustomShape 1"/>
+          <p:cNvSpPr/>
           <p:nvPr/>
         </p:nvSpPr>
         <p:spPr>
           <a:xfrm>
             <a:off x="4145040" y="9121680"/>
-            <a:ext cx="3169800" cy="479160"/>
+            <a:ext cx="3169440" cy="478800"/>
           </a:xfrm>
           <a:prstGeom prst="rect">
             <a:avLst/>
@@ -255,6 +257,12 @@
             <a:noFill/>
           </a:ln>
         </p:spPr>
+        <p:style>
+          <a:lnRef idx="0"/>
+          <a:fillRef idx="0"/>
+          <a:effectRef idx="0"/>
+          <a:fontRef idx="minor"/>
+        </p:style>
         <p:txBody>
           <a:bodyPr lIns="96480" rIns="96480" tIns="48240" bIns="48240" anchor="b"/>
           <a:p>
@@ -263,7 +271,7 @@
                 <a:spcPct val="100000"/>
               </a:lnSpc>
             </a:pPr>
-            <a:fld id="{989C8FB8-B850-4485-BC99-1AFD2405DE18}" type="slidenum">
+            <a:fld id="{65F14F3F-2AFD-4875-B7D2-4D2721469053}" type="slidenum">
               <a:rPr lang="en-US" sz="1300" spc="-1" strike="noStrike">
                 <a:solidFill>
                   <a:srgbClr val="000000"/>
@@ -283,7 +291,7 @@
       </p:sp>
       <p:sp>
         <p:nvSpPr>
-          <p:cNvPr id="181" name="PlaceHolder 2"/>
+          <p:cNvPr id="258" name="PlaceHolder 2"/>
           <p:cNvSpPr>
             <a:spLocks noGrp="1"/>
           </p:cNvSpPr>
@@ -294,7 +302,7 @@
         <p:spPr>
           <a:xfrm>
             <a:off x="974880" y="4560840"/>
-            <a:ext cx="5365440" cy="4319280"/>
+            <a:ext cx="5365080" cy="4318920"/>
           </a:xfrm>
           <a:prstGeom prst="rect">
             <a:avLst/>
@@ -363,8 +371,8 @@
         </p:nvSpPr>
         <p:spPr>
           <a:xfrm>
-            <a:off x="457200" y="274680"/>
-            <a:ext cx="8229240" cy="1142640"/>
+            <a:off x="457200" y="261000"/>
+            <a:ext cx="8229600" cy="1132200"/>
           </a:xfrm>
           <a:prstGeom prst="rect">
             <a:avLst/>
@@ -373,6 +381,7 @@
         <p:txBody>
           <a:bodyPr lIns="0" rIns="0" tIns="0" bIns="0" anchor="ctr"/>
           <a:p>
+            <a:pPr algn="ctr"/>
             <a:endParaRPr/>
           </a:p>
         </p:txBody>
@@ -389,8 +398,8 @@
         </p:nvSpPr>
         <p:spPr>
           <a:xfrm>
-            <a:off x="457200" y="1600200"/>
-            <a:ext cx="8229240" cy="2289600"/>
+            <a:off x="457200" y="1654560"/>
+            <a:ext cx="8229600" cy="1896840"/>
           </a:xfrm>
           <a:prstGeom prst="rect">
             <a:avLst/>
@@ -415,8 +424,8 @@
         </p:nvSpPr>
         <p:spPr>
           <a:xfrm>
-            <a:off x="457200" y="4107600"/>
-            <a:ext cx="8229240" cy="2289600"/>
+            <a:off x="457200" y="3732120"/>
+            <a:ext cx="8229600" cy="1896840"/>
           </a:xfrm>
           <a:prstGeom prst="rect">
             <a:avLst/>
@@ -463,8 +472,8 @@
         </p:nvSpPr>
         <p:spPr>
           <a:xfrm>
-            <a:off x="457200" y="274680"/>
-            <a:ext cx="8229240" cy="1142640"/>
+            <a:off x="457200" y="261000"/>
+            <a:ext cx="8229600" cy="1132200"/>
           </a:xfrm>
           <a:prstGeom prst="rect">
             <a:avLst/>
@@ -473,6 +482,7 @@
         <p:txBody>
           <a:bodyPr lIns="0" rIns="0" tIns="0" bIns="0" anchor="ctr"/>
           <a:p>
+            <a:pPr algn="ctr"/>
             <a:endParaRPr/>
           </a:p>
         </p:txBody>
@@ -489,8 +499,8 @@
         </p:nvSpPr>
         <p:spPr>
           <a:xfrm>
-            <a:off x="457200" y="1600200"/>
-            <a:ext cx="4015800" cy="2289600"/>
+            <a:off x="457200" y="1654560"/>
+            <a:ext cx="4015800" cy="1896840"/>
           </a:xfrm>
           <a:prstGeom prst="rect">
             <a:avLst/>
@@ -515,8 +525,8 @@
         </p:nvSpPr>
         <p:spPr>
           <a:xfrm>
-            <a:off x="4674240" y="1600200"/>
-            <a:ext cx="4015800" cy="2289600"/>
+            <a:off x="4674240" y="1654560"/>
+            <a:ext cx="4015800" cy="1896840"/>
           </a:xfrm>
           <a:prstGeom prst="rect">
             <a:avLst/>
@@ -541,8 +551,8 @@
         </p:nvSpPr>
         <p:spPr>
           <a:xfrm>
-            <a:off x="4674240" y="4107600"/>
-            <a:ext cx="4015800" cy="2289600"/>
+            <a:off x="4674240" y="3732120"/>
+            <a:ext cx="4015800" cy="1896840"/>
           </a:xfrm>
           <a:prstGeom prst="rect">
             <a:avLst/>
@@ -567,8 +577,8 @@
         </p:nvSpPr>
         <p:spPr>
           <a:xfrm>
-            <a:off x="457200" y="4107600"/>
-            <a:ext cx="4015800" cy="2289600"/>
+            <a:off x="457200" y="3732120"/>
+            <a:ext cx="4015800" cy="1896840"/>
           </a:xfrm>
           <a:prstGeom prst="rect">
             <a:avLst/>
@@ -615,8 +625,8 @@
         </p:nvSpPr>
         <p:spPr>
           <a:xfrm>
-            <a:off x="457200" y="274680"/>
-            <a:ext cx="8229240" cy="1142640"/>
+            <a:off x="457200" y="261000"/>
+            <a:ext cx="8229600" cy="1132200"/>
           </a:xfrm>
           <a:prstGeom prst="rect">
             <a:avLst/>
@@ -625,6 +635,7 @@
         <p:txBody>
           <a:bodyPr lIns="0" rIns="0" tIns="0" bIns="0" anchor="ctr"/>
           <a:p>
+            <a:pPr algn="ctr"/>
             <a:endParaRPr/>
           </a:p>
         </p:txBody>
@@ -641,8 +652,8 @@
         </p:nvSpPr>
         <p:spPr>
           <a:xfrm>
-            <a:off x="457200" y="1600200"/>
-            <a:ext cx="8229240" cy="4800240"/>
+            <a:off x="457200" y="1654560"/>
+            <a:ext cx="8229600" cy="3977280"/>
           </a:xfrm>
           <a:prstGeom prst="rect">
             <a:avLst/>
@@ -667,8 +678,8 @@
         </p:nvSpPr>
         <p:spPr>
           <a:xfrm>
-            <a:off x="457200" y="1600200"/>
-            <a:ext cx="8229240" cy="4800240"/>
+            <a:off x="457200" y="1654560"/>
+            <a:ext cx="8229600" cy="3977280"/>
           </a:xfrm>
           <a:prstGeom prst="rect">
             <a:avLst/>
@@ -693,8 +704,8 @@
         </p:blipFill>
         <p:spPr>
           <a:xfrm>
-            <a:off x="1562400" y="1600200"/>
-            <a:ext cx="6018480" cy="4800240"/>
+            <a:off x="2079360" y="1654560"/>
+            <a:ext cx="4984920" cy="3977280"/>
           </a:xfrm>
           <a:prstGeom prst="rect">
             <a:avLst/>
@@ -716,8 +727,8 @@
         </p:blipFill>
         <p:spPr>
           <a:xfrm>
-            <a:off x="1562400" y="1600200"/>
-            <a:ext cx="6018480" cy="4800240"/>
+            <a:off x="2079360" y="1654560"/>
+            <a:ext cx="4984920" cy="3977280"/>
           </a:xfrm>
           <a:prstGeom prst="rect">
             <a:avLst/>
@@ -773,7 +784,7 @@
       </p:grpSpPr>
       <p:sp>
         <p:nvSpPr>
-          <p:cNvPr id="65" name="PlaceHolder 1"/>
+          <p:cNvPr id="63" name="PlaceHolder 1"/>
           <p:cNvSpPr>
             <a:spLocks noGrp="1"/>
           </p:cNvSpPr>
@@ -783,8 +794,8 @@
         </p:nvSpPr>
         <p:spPr>
           <a:xfrm>
-            <a:off x="457200" y="274680"/>
-            <a:ext cx="8229240" cy="1142640"/>
+            <a:off x="457200" y="261000"/>
+            <a:ext cx="8229600" cy="1132200"/>
           </a:xfrm>
           <a:prstGeom prst="rect">
             <a:avLst/>
@@ -793,13 +804,14 @@
         <p:txBody>
           <a:bodyPr lIns="0" rIns="0" tIns="0" bIns="0" anchor="ctr"/>
           <a:p>
-            <a:endParaRPr/>
-          </a:p>
-        </p:txBody>
-      </p:sp>
-      <p:sp>
-        <p:nvSpPr>
-          <p:cNvPr id="66" name="PlaceHolder 2"/>
+            <a:pPr algn="ctr"/>
+            <a:endParaRPr/>
+          </a:p>
+        </p:txBody>
+      </p:sp>
+      <p:sp>
+        <p:nvSpPr>
+          <p:cNvPr id="64" name="PlaceHolder 2"/>
           <p:cNvSpPr>
             <a:spLocks noGrp="1"/>
           </p:cNvSpPr>
@@ -809,8 +821,8 @@
         </p:nvSpPr>
         <p:spPr>
           <a:xfrm>
-            <a:off x="457200" y="1600200"/>
-            <a:ext cx="8229240" cy="4800240"/>
+            <a:off x="457200" y="1654560"/>
+            <a:ext cx="8229600" cy="3977280"/>
           </a:xfrm>
           <a:prstGeom prst="rect">
             <a:avLst/>
@@ -848,7 +860,7 @@
       </p:grpSpPr>
       <p:sp>
         <p:nvSpPr>
-          <p:cNvPr id="67" name="PlaceHolder 1"/>
+          <p:cNvPr id="65" name="PlaceHolder 1"/>
           <p:cNvSpPr>
             <a:spLocks noGrp="1"/>
           </p:cNvSpPr>
@@ -858,8 +870,8 @@
         </p:nvSpPr>
         <p:spPr>
           <a:xfrm>
-            <a:off x="457200" y="274680"/>
-            <a:ext cx="8229240" cy="1142640"/>
+            <a:off x="457200" y="261000"/>
+            <a:ext cx="8229600" cy="1132200"/>
           </a:xfrm>
           <a:prstGeom prst="rect">
             <a:avLst/>
@@ -868,13 +880,14 @@
         <p:txBody>
           <a:bodyPr lIns="0" rIns="0" tIns="0" bIns="0" anchor="ctr"/>
           <a:p>
-            <a:endParaRPr/>
-          </a:p>
-        </p:txBody>
-      </p:sp>
-      <p:sp>
-        <p:nvSpPr>
-          <p:cNvPr id="68" name="PlaceHolder 2"/>
+            <a:pPr algn="ctr"/>
+            <a:endParaRPr/>
+          </a:p>
+        </p:txBody>
+      </p:sp>
+      <p:sp>
+        <p:nvSpPr>
+          <p:cNvPr id="66" name="PlaceHolder 2"/>
           <p:cNvSpPr>
             <a:spLocks noGrp="1"/>
           </p:cNvSpPr>
@@ -884,8 +897,8 @@
         </p:nvSpPr>
         <p:spPr>
           <a:xfrm>
-            <a:off x="457200" y="1600200"/>
-            <a:ext cx="8229240" cy="4800240"/>
+            <a:off x="457200" y="1654560"/>
+            <a:ext cx="8229600" cy="3977280"/>
           </a:xfrm>
           <a:prstGeom prst="rect">
             <a:avLst/>
@@ -922,7 +935,7 @@
       </p:grpSpPr>
       <p:sp>
         <p:nvSpPr>
-          <p:cNvPr id="69" name="PlaceHolder 1"/>
+          <p:cNvPr id="67" name="PlaceHolder 1"/>
           <p:cNvSpPr>
             <a:spLocks noGrp="1"/>
           </p:cNvSpPr>
@@ -932,8 +945,8 @@
         </p:nvSpPr>
         <p:spPr>
           <a:xfrm>
-            <a:off x="457200" y="274680"/>
-            <a:ext cx="8229240" cy="1142640"/>
+            <a:off x="457200" y="261000"/>
+            <a:ext cx="8229600" cy="1132200"/>
           </a:xfrm>
           <a:prstGeom prst="rect">
             <a:avLst/>
@@ -942,13 +955,14 @@
         <p:txBody>
           <a:bodyPr lIns="0" rIns="0" tIns="0" bIns="0" anchor="ctr"/>
           <a:p>
-            <a:endParaRPr/>
-          </a:p>
-        </p:txBody>
-      </p:sp>
-      <p:sp>
-        <p:nvSpPr>
-          <p:cNvPr id="70" name="PlaceHolder 2"/>
+            <a:pPr algn="ctr"/>
+            <a:endParaRPr/>
+          </a:p>
+        </p:txBody>
+      </p:sp>
+      <p:sp>
+        <p:nvSpPr>
+          <p:cNvPr id="68" name="PlaceHolder 2"/>
           <p:cNvSpPr>
             <a:spLocks noGrp="1"/>
           </p:cNvSpPr>
@@ -958,8 +972,8 @@
         </p:nvSpPr>
         <p:spPr>
           <a:xfrm>
-            <a:off x="457200" y="1600200"/>
-            <a:ext cx="4015800" cy="4800240"/>
+            <a:off x="457200" y="1654560"/>
+            <a:ext cx="4015800" cy="3977280"/>
           </a:xfrm>
           <a:prstGeom prst="rect">
             <a:avLst/>
@@ -974,7 +988,7 @@
       </p:sp>
       <p:sp>
         <p:nvSpPr>
-          <p:cNvPr id="71" name="PlaceHolder 3"/>
+          <p:cNvPr id="69" name="PlaceHolder 3"/>
           <p:cNvSpPr>
             <a:spLocks noGrp="1"/>
           </p:cNvSpPr>
@@ -984,8 +998,8 @@
         </p:nvSpPr>
         <p:spPr>
           <a:xfrm>
-            <a:off x="4674240" y="1600200"/>
-            <a:ext cx="4015800" cy="4800240"/>
+            <a:off x="4674240" y="1654560"/>
+            <a:ext cx="4015800" cy="3977280"/>
           </a:xfrm>
           <a:prstGeom prst="rect">
             <a:avLst/>
@@ -1022,7 +1036,7 @@
       </p:grpSpPr>
       <p:sp>
         <p:nvSpPr>
-          <p:cNvPr id="72" name="PlaceHolder 1"/>
+          <p:cNvPr id="70" name="PlaceHolder 1"/>
           <p:cNvSpPr>
             <a:spLocks noGrp="1"/>
           </p:cNvSpPr>
@@ -1032,8 +1046,8 @@
         </p:nvSpPr>
         <p:spPr>
           <a:xfrm>
-            <a:off x="457200" y="274680"/>
-            <a:ext cx="8229240" cy="1142640"/>
+            <a:off x="457200" y="261000"/>
+            <a:ext cx="8229600" cy="1132200"/>
           </a:xfrm>
           <a:prstGeom prst="rect">
             <a:avLst/>
@@ -1042,6 +1056,7 @@
         <p:txBody>
           <a:bodyPr lIns="0" rIns="0" tIns="0" bIns="0" anchor="ctr"/>
           <a:p>
+            <a:pPr algn="ctr"/>
             <a:endParaRPr/>
           </a:p>
         </p:txBody>
@@ -1070,7 +1085,7 @@
       </p:grpSpPr>
       <p:sp>
         <p:nvSpPr>
-          <p:cNvPr id="73" name="PlaceHolder 1"/>
+          <p:cNvPr id="71" name="PlaceHolder 1"/>
           <p:cNvSpPr>
             <a:spLocks noGrp="1"/>
           </p:cNvSpPr>
@@ -1080,8 +1095,8 @@
         </p:nvSpPr>
         <p:spPr>
           <a:xfrm>
-            <a:off x="457200" y="274680"/>
-            <a:ext cx="8229240" cy="5297760"/>
+            <a:off x="457200" y="261000"/>
+            <a:ext cx="8229600" cy="5249520"/>
           </a:xfrm>
           <a:prstGeom prst="rect">
             <a:avLst/>
@@ -1119,7 +1134,7 @@
       </p:grpSpPr>
       <p:sp>
         <p:nvSpPr>
-          <p:cNvPr id="74" name="PlaceHolder 1"/>
+          <p:cNvPr id="72" name="PlaceHolder 1"/>
           <p:cNvSpPr>
             <a:spLocks noGrp="1"/>
           </p:cNvSpPr>
@@ -1129,8 +1144,8 @@
         </p:nvSpPr>
         <p:spPr>
           <a:xfrm>
-            <a:off x="457200" y="274680"/>
-            <a:ext cx="8229240" cy="1142640"/>
+            <a:off x="457200" y="261000"/>
+            <a:ext cx="8229600" cy="1132200"/>
           </a:xfrm>
           <a:prstGeom prst="rect">
             <a:avLst/>
@@ -1139,13 +1154,14 @@
         <p:txBody>
           <a:bodyPr lIns="0" rIns="0" tIns="0" bIns="0" anchor="ctr"/>
           <a:p>
-            <a:endParaRPr/>
-          </a:p>
-        </p:txBody>
-      </p:sp>
-      <p:sp>
-        <p:nvSpPr>
-          <p:cNvPr id="75" name="PlaceHolder 2"/>
+            <a:pPr algn="ctr"/>
+            <a:endParaRPr/>
+          </a:p>
+        </p:txBody>
+      </p:sp>
+      <p:sp>
+        <p:nvSpPr>
+          <p:cNvPr id="73" name="PlaceHolder 2"/>
           <p:cNvSpPr>
             <a:spLocks noGrp="1"/>
           </p:cNvSpPr>
@@ -1155,8 +1171,8 @@
         </p:nvSpPr>
         <p:spPr>
           <a:xfrm>
-            <a:off x="457200" y="1600200"/>
-            <a:ext cx="4015800" cy="2289600"/>
+            <a:off x="457200" y="1654560"/>
+            <a:ext cx="4015800" cy="1896840"/>
           </a:xfrm>
           <a:prstGeom prst="rect">
             <a:avLst/>
@@ -1171,7 +1187,7 @@
       </p:sp>
       <p:sp>
         <p:nvSpPr>
-          <p:cNvPr id="76" name="PlaceHolder 3"/>
+          <p:cNvPr id="74" name="PlaceHolder 3"/>
           <p:cNvSpPr>
             <a:spLocks noGrp="1"/>
           </p:cNvSpPr>
@@ -1181,8 +1197,8 @@
         </p:nvSpPr>
         <p:spPr>
           <a:xfrm>
-            <a:off x="457200" y="4107600"/>
-            <a:ext cx="4015800" cy="2289600"/>
+            <a:off x="457200" y="3732120"/>
+            <a:ext cx="4015800" cy="1896840"/>
           </a:xfrm>
           <a:prstGeom prst="rect">
             <a:avLst/>
@@ -1197,7 +1213,7 @@
       </p:sp>
       <p:sp>
         <p:nvSpPr>
-          <p:cNvPr id="77" name="PlaceHolder 4"/>
+          <p:cNvPr id="75" name="PlaceHolder 4"/>
           <p:cNvSpPr>
             <a:spLocks noGrp="1"/>
           </p:cNvSpPr>
@@ -1207,8 +1223,8 @@
         </p:nvSpPr>
         <p:spPr>
           <a:xfrm>
-            <a:off x="4674240" y="1600200"/>
-            <a:ext cx="4015800" cy="4800240"/>
+            <a:off x="4674240" y="1654560"/>
+            <a:ext cx="4015800" cy="3977280"/>
           </a:xfrm>
           <a:prstGeom prst="rect">
             <a:avLst/>
@@ -1255,8 +1271,8 @@
         </p:nvSpPr>
         <p:spPr>
           <a:xfrm>
-            <a:off x="457200" y="274680"/>
-            <a:ext cx="8229240" cy="1142640"/>
+            <a:off x="457200" y="261000"/>
+            <a:ext cx="8229600" cy="1132200"/>
           </a:xfrm>
           <a:prstGeom prst="rect">
             <a:avLst/>
@@ -1265,6 +1281,7 @@
         <p:txBody>
           <a:bodyPr lIns="0" rIns="0" tIns="0" bIns="0" anchor="ctr"/>
           <a:p>
+            <a:pPr algn="ctr"/>
             <a:endParaRPr/>
           </a:p>
         </p:txBody>
@@ -1281,8 +1298,8 @@
         </p:nvSpPr>
         <p:spPr>
           <a:xfrm>
-            <a:off x="457200" y="1600200"/>
-            <a:ext cx="8229240" cy="4800240"/>
+            <a:off x="457200" y="1654560"/>
+            <a:ext cx="8229600" cy="3977280"/>
           </a:xfrm>
           <a:prstGeom prst="rect">
             <a:avLst/>
@@ -1320,7 +1337,7 @@
       </p:grpSpPr>
       <p:sp>
         <p:nvSpPr>
-          <p:cNvPr id="78" name="PlaceHolder 1"/>
+          <p:cNvPr id="76" name="PlaceHolder 1"/>
           <p:cNvSpPr>
             <a:spLocks noGrp="1"/>
           </p:cNvSpPr>
@@ -1330,8 +1347,8 @@
         </p:nvSpPr>
         <p:spPr>
           <a:xfrm>
-            <a:off x="457200" y="274680"/>
-            <a:ext cx="8229240" cy="1142640"/>
+            <a:off x="457200" y="261000"/>
+            <a:ext cx="8229600" cy="1132200"/>
           </a:xfrm>
           <a:prstGeom prst="rect">
             <a:avLst/>
@@ -1340,13 +1357,14 @@
         <p:txBody>
           <a:bodyPr lIns="0" rIns="0" tIns="0" bIns="0" anchor="ctr"/>
           <a:p>
-            <a:endParaRPr/>
-          </a:p>
-        </p:txBody>
-      </p:sp>
-      <p:sp>
-        <p:nvSpPr>
-          <p:cNvPr id="79" name="PlaceHolder 2"/>
+            <a:pPr algn="ctr"/>
+            <a:endParaRPr/>
+          </a:p>
+        </p:txBody>
+      </p:sp>
+      <p:sp>
+        <p:nvSpPr>
+          <p:cNvPr id="77" name="PlaceHolder 2"/>
           <p:cNvSpPr>
             <a:spLocks noGrp="1"/>
           </p:cNvSpPr>
@@ -1356,8 +1374,8 @@
         </p:nvSpPr>
         <p:spPr>
           <a:xfrm>
-            <a:off x="457200" y="1600200"/>
-            <a:ext cx="4015800" cy="4800240"/>
+            <a:off x="457200" y="1654560"/>
+            <a:ext cx="4015800" cy="3977280"/>
           </a:xfrm>
           <a:prstGeom prst="rect">
             <a:avLst/>
@@ -1372,7 +1390,7 @@
       </p:sp>
       <p:sp>
         <p:nvSpPr>
-          <p:cNvPr id="80" name="PlaceHolder 3"/>
+          <p:cNvPr id="78" name="PlaceHolder 3"/>
           <p:cNvSpPr>
             <a:spLocks noGrp="1"/>
           </p:cNvSpPr>
@@ -1382,8 +1400,8 @@
         </p:nvSpPr>
         <p:spPr>
           <a:xfrm>
-            <a:off x="4674240" y="1600200"/>
-            <a:ext cx="4015800" cy="2289600"/>
+            <a:off x="4674240" y="1654560"/>
+            <a:ext cx="4015800" cy="1896840"/>
           </a:xfrm>
           <a:prstGeom prst="rect">
             <a:avLst/>
@@ -1398,7 +1416,7 @@
       </p:sp>
       <p:sp>
         <p:nvSpPr>
-          <p:cNvPr id="81" name="PlaceHolder 4"/>
+          <p:cNvPr id="79" name="PlaceHolder 4"/>
           <p:cNvSpPr>
             <a:spLocks noGrp="1"/>
           </p:cNvSpPr>
@@ -1408,8 +1426,8 @@
         </p:nvSpPr>
         <p:spPr>
           <a:xfrm>
-            <a:off x="4674240" y="4107600"/>
-            <a:ext cx="4015800" cy="2289600"/>
+            <a:off x="4674240" y="3732120"/>
+            <a:ext cx="4015800" cy="1896840"/>
           </a:xfrm>
           <a:prstGeom prst="rect">
             <a:avLst/>
@@ -1446,7 +1464,7 @@
       </p:grpSpPr>
       <p:sp>
         <p:nvSpPr>
-          <p:cNvPr id="82" name="PlaceHolder 1"/>
+          <p:cNvPr id="80" name="PlaceHolder 1"/>
           <p:cNvSpPr>
             <a:spLocks noGrp="1"/>
           </p:cNvSpPr>
@@ -1456,8 +1474,8 @@
         </p:nvSpPr>
         <p:spPr>
           <a:xfrm>
-            <a:off x="457200" y="274680"/>
-            <a:ext cx="8229240" cy="1142640"/>
+            <a:off x="457200" y="261000"/>
+            <a:ext cx="8229600" cy="1132200"/>
           </a:xfrm>
           <a:prstGeom prst="rect">
             <a:avLst/>
@@ -1466,13 +1484,14 @@
         <p:txBody>
           <a:bodyPr lIns="0" rIns="0" tIns="0" bIns="0" anchor="ctr"/>
           <a:p>
-            <a:endParaRPr/>
-          </a:p>
-        </p:txBody>
-      </p:sp>
-      <p:sp>
-        <p:nvSpPr>
-          <p:cNvPr id="83" name="PlaceHolder 2"/>
+            <a:pPr algn="ctr"/>
+            <a:endParaRPr/>
+          </a:p>
+        </p:txBody>
+      </p:sp>
+      <p:sp>
+        <p:nvSpPr>
+          <p:cNvPr id="81" name="PlaceHolder 2"/>
           <p:cNvSpPr>
             <a:spLocks noGrp="1"/>
           </p:cNvSpPr>
@@ -1482,8 +1501,8 @@
         </p:nvSpPr>
         <p:spPr>
           <a:xfrm>
-            <a:off x="457200" y="1600200"/>
-            <a:ext cx="4015800" cy="2289600"/>
+            <a:off x="457200" y="1654560"/>
+            <a:ext cx="4015800" cy="1896840"/>
           </a:xfrm>
           <a:prstGeom prst="rect">
             <a:avLst/>
@@ -1498,7 +1517,7 @@
       </p:sp>
       <p:sp>
         <p:nvSpPr>
-          <p:cNvPr id="84" name="PlaceHolder 3"/>
+          <p:cNvPr id="82" name="PlaceHolder 3"/>
           <p:cNvSpPr>
             <a:spLocks noGrp="1"/>
           </p:cNvSpPr>
@@ -1508,8 +1527,8 @@
         </p:nvSpPr>
         <p:spPr>
           <a:xfrm>
-            <a:off x="4674240" y="1600200"/>
-            <a:ext cx="4015800" cy="2289600"/>
+            <a:off x="4674240" y="1654560"/>
+            <a:ext cx="4015800" cy="1896840"/>
           </a:xfrm>
           <a:prstGeom prst="rect">
             <a:avLst/>
@@ -1524,7 +1543,7 @@
       </p:sp>
       <p:sp>
         <p:nvSpPr>
-          <p:cNvPr id="85" name="PlaceHolder 4"/>
+          <p:cNvPr id="83" name="PlaceHolder 4"/>
           <p:cNvSpPr>
             <a:spLocks noGrp="1"/>
           </p:cNvSpPr>
@@ -1534,8 +1553,8 @@
         </p:nvSpPr>
         <p:spPr>
           <a:xfrm>
-            <a:off x="457200" y="4107600"/>
-            <a:ext cx="8229240" cy="2289600"/>
+            <a:off x="457200" y="3732120"/>
+            <a:ext cx="8229600" cy="1896840"/>
           </a:xfrm>
           <a:prstGeom prst="rect">
             <a:avLst/>
@@ -1572,7 +1591,7 @@
       </p:grpSpPr>
       <p:sp>
         <p:nvSpPr>
-          <p:cNvPr id="86" name="PlaceHolder 1"/>
+          <p:cNvPr id="84" name="PlaceHolder 1"/>
           <p:cNvSpPr>
             <a:spLocks noGrp="1"/>
           </p:cNvSpPr>
@@ -1582,8 +1601,8 @@
         </p:nvSpPr>
         <p:spPr>
           <a:xfrm>
-            <a:off x="457200" y="274680"/>
-            <a:ext cx="8229240" cy="1142640"/>
+            <a:off x="457200" y="261000"/>
+            <a:ext cx="8229600" cy="1132200"/>
           </a:xfrm>
           <a:prstGeom prst="rect">
             <a:avLst/>
@@ -1592,13 +1611,14 @@
         <p:txBody>
           <a:bodyPr lIns="0" rIns="0" tIns="0" bIns="0" anchor="ctr"/>
           <a:p>
-            <a:endParaRPr/>
-          </a:p>
-        </p:txBody>
-      </p:sp>
-      <p:sp>
-        <p:nvSpPr>
-          <p:cNvPr id="87" name="PlaceHolder 2"/>
+            <a:pPr algn="ctr"/>
+            <a:endParaRPr/>
+          </a:p>
+        </p:txBody>
+      </p:sp>
+      <p:sp>
+        <p:nvSpPr>
+          <p:cNvPr id="85" name="PlaceHolder 2"/>
           <p:cNvSpPr>
             <a:spLocks noGrp="1"/>
           </p:cNvSpPr>
@@ -1608,8 +1628,8 @@
         </p:nvSpPr>
         <p:spPr>
           <a:xfrm>
-            <a:off x="457200" y="1600200"/>
-            <a:ext cx="8229240" cy="2289600"/>
+            <a:off x="457200" y="1654560"/>
+            <a:ext cx="8229600" cy="1896840"/>
           </a:xfrm>
           <a:prstGeom prst="rect">
             <a:avLst/>
@@ -1624,7 +1644,7 @@
       </p:sp>
       <p:sp>
         <p:nvSpPr>
-          <p:cNvPr id="88" name="PlaceHolder 3"/>
+          <p:cNvPr id="86" name="PlaceHolder 3"/>
           <p:cNvSpPr>
             <a:spLocks noGrp="1"/>
           </p:cNvSpPr>
@@ -1634,8 +1654,8 @@
         </p:nvSpPr>
         <p:spPr>
           <a:xfrm>
-            <a:off x="457200" y="4107600"/>
-            <a:ext cx="8229240" cy="2289600"/>
+            <a:off x="457200" y="3732120"/>
+            <a:ext cx="8229600" cy="1896840"/>
           </a:xfrm>
           <a:prstGeom prst="rect">
             <a:avLst/>
@@ -1672,7 +1692,7 @@
       </p:grpSpPr>
       <p:sp>
         <p:nvSpPr>
-          <p:cNvPr id="89" name="PlaceHolder 1"/>
+          <p:cNvPr id="87" name="PlaceHolder 1"/>
           <p:cNvSpPr>
             <a:spLocks noGrp="1"/>
           </p:cNvSpPr>
@@ -1682,8 +1702,8 @@
         </p:nvSpPr>
         <p:spPr>
           <a:xfrm>
-            <a:off x="457200" y="274680"/>
-            <a:ext cx="8229240" cy="1142640"/>
+            <a:off x="457200" y="261000"/>
+            <a:ext cx="8229600" cy="1132200"/>
           </a:xfrm>
           <a:prstGeom prst="rect">
             <a:avLst/>
@@ -1692,13 +1712,14 @@
         <p:txBody>
           <a:bodyPr lIns="0" rIns="0" tIns="0" bIns="0" anchor="ctr"/>
           <a:p>
-            <a:endParaRPr/>
-          </a:p>
-        </p:txBody>
-      </p:sp>
-      <p:sp>
-        <p:nvSpPr>
-          <p:cNvPr id="90" name="PlaceHolder 2"/>
+            <a:pPr algn="ctr"/>
+            <a:endParaRPr/>
+          </a:p>
+        </p:txBody>
+      </p:sp>
+      <p:sp>
+        <p:nvSpPr>
+          <p:cNvPr id="88" name="PlaceHolder 2"/>
           <p:cNvSpPr>
             <a:spLocks noGrp="1"/>
           </p:cNvSpPr>
@@ -1708,8 +1729,8 @@
         </p:nvSpPr>
         <p:spPr>
           <a:xfrm>
-            <a:off x="457200" y="1600200"/>
-            <a:ext cx="4015800" cy="2289600"/>
+            <a:off x="457200" y="1654560"/>
+            <a:ext cx="4015800" cy="1896840"/>
           </a:xfrm>
           <a:prstGeom prst="rect">
             <a:avLst/>
@@ -1724,7 +1745,7 @@
       </p:sp>
       <p:sp>
         <p:nvSpPr>
-          <p:cNvPr id="91" name="PlaceHolder 3"/>
+          <p:cNvPr id="89" name="PlaceHolder 3"/>
           <p:cNvSpPr>
             <a:spLocks noGrp="1"/>
           </p:cNvSpPr>
@@ -1734,8 +1755,8 @@
         </p:nvSpPr>
         <p:spPr>
           <a:xfrm>
-            <a:off x="4674240" y="1600200"/>
-            <a:ext cx="4015800" cy="2289600"/>
+            <a:off x="4674240" y="1654560"/>
+            <a:ext cx="4015800" cy="1896840"/>
           </a:xfrm>
           <a:prstGeom prst="rect">
             <a:avLst/>
@@ -1750,7 +1771,7 @@
       </p:sp>
       <p:sp>
         <p:nvSpPr>
-          <p:cNvPr id="92" name="PlaceHolder 4"/>
+          <p:cNvPr id="90" name="PlaceHolder 4"/>
           <p:cNvSpPr>
             <a:spLocks noGrp="1"/>
           </p:cNvSpPr>
@@ -1760,8 +1781,8 @@
         </p:nvSpPr>
         <p:spPr>
           <a:xfrm>
-            <a:off x="4674240" y="4107600"/>
-            <a:ext cx="4015800" cy="2289600"/>
+            <a:off x="4674240" y="3732120"/>
+            <a:ext cx="4015800" cy="1896840"/>
           </a:xfrm>
           <a:prstGeom prst="rect">
             <a:avLst/>
@@ -1776,7 +1797,7 @@
       </p:sp>
       <p:sp>
         <p:nvSpPr>
-          <p:cNvPr id="93" name="PlaceHolder 5"/>
+          <p:cNvPr id="91" name="PlaceHolder 5"/>
           <p:cNvSpPr>
             <a:spLocks noGrp="1"/>
           </p:cNvSpPr>
@@ -1786,8 +1807,8 @@
         </p:nvSpPr>
         <p:spPr>
           <a:xfrm>
-            <a:off x="457200" y="4107600"/>
-            <a:ext cx="4015800" cy="2289600"/>
+            <a:off x="457200" y="3732120"/>
+            <a:ext cx="4015800" cy="1896840"/>
           </a:xfrm>
           <a:prstGeom prst="rect">
             <a:avLst/>
@@ -1824,7 +1845,7 @@
       </p:grpSpPr>
       <p:sp>
         <p:nvSpPr>
-          <p:cNvPr id="94" name="PlaceHolder 1"/>
+          <p:cNvPr id="92" name="PlaceHolder 1"/>
           <p:cNvSpPr>
             <a:spLocks noGrp="1"/>
           </p:cNvSpPr>
@@ -1834,8 +1855,8 @@
         </p:nvSpPr>
         <p:spPr>
           <a:xfrm>
-            <a:off x="457200" y="274680"/>
-            <a:ext cx="8229240" cy="1142640"/>
+            <a:off x="457200" y="261000"/>
+            <a:ext cx="8229600" cy="1132200"/>
           </a:xfrm>
           <a:prstGeom prst="rect">
             <a:avLst/>
@@ -1844,13 +1865,14 @@
         <p:txBody>
           <a:bodyPr lIns="0" rIns="0" tIns="0" bIns="0" anchor="ctr"/>
           <a:p>
-            <a:endParaRPr/>
-          </a:p>
-        </p:txBody>
-      </p:sp>
-      <p:sp>
-        <p:nvSpPr>
-          <p:cNvPr id="95" name="PlaceHolder 2"/>
+            <a:pPr algn="ctr"/>
+            <a:endParaRPr/>
+          </a:p>
+        </p:txBody>
+      </p:sp>
+      <p:sp>
+        <p:nvSpPr>
+          <p:cNvPr id="93" name="PlaceHolder 2"/>
           <p:cNvSpPr>
             <a:spLocks noGrp="1"/>
           </p:cNvSpPr>
@@ -1860,8 +1882,8 @@
         </p:nvSpPr>
         <p:spPr>
           <a:xfrm>
-            <a:off x="457200" y="1600200"/>
-            <a:ext cx="8229240" cy="4800240"/>
+            <a:off x="457200" y="1654560"/>
+            <a:ext cx="8229600" cy="3977280"/>
           </a:xfrm>
           <a:prstGeom prst="rect">
             <a:avLst/>
@@ -1876,7 +1898,7 @@
       </p:sp>
       <p:sp>
         <p:nvSpPr>
-          <p:cNvPr id="96" name="PlaceHolder 3"/>
+          <p:cNvPr id="94" name="PlaceHolder 3"/>
           <p:cNvSpPr>
             <a:spLocks noGrp="1"/>
           </p:cNvSpPr>
@@ -1886,8 +1908,8 @@
         </p:nvSpPr>
         <p:spPr>
           <a:xfrm>
-            <a:off x="457200" y="1600200"/>
-            <a:ext cx="8229240" cy="4800240"/>
+            <a:off x="457200" y="1654560"/>
+            <a:ext cx="8229600" cy="3977280"/>
           </a:xfrm>
           <a:prstGeom prst="rect">
             <a:avLst/>
@@ -1902,7 +1924,7 @@
       </p:sp>
       <p:pic>
         <p:nvPicPr>
-          <p:cNvPr id="97" name="" descr=""/>
+          <p:cNvPr id="95" name="" descr=""/>
           <p:cNvPicPr/>
           <p:nvPr/>
         </p:nvPicPr>
@@ -1912,8 +1934,8 @@
         </p:blipFill>
         <p:spPr>
           <a:xfrm>
-            <a:off x="1562400" y="1600200"/>
-            <a:ext cx="6018480" cy="4800240"/>
+            <a:off x="2079360" y="1654560"/>
+            <a:ext cx="4984920" cy="3977280"/>
           </a:xfrm>
           <a:prstGeom prst="rect">
             <a:avLst/>
@@ -1925,7 +1947,7 @@
       </p:pic>
       <p:pic>
         <p:nvPicPr>
-          <p:cNvPr id="98" name="" descr=""/>
+          <p:cNvPr id="96" name="" descr=""/>
           <p:cNvPicPr/>
           <p:nvPr/>
         </p:nvPicPr>
@@ -1935,8 +1957,8 @@
         </p:blipFill>
         <p:spPr>
           <a:xfrm>
-            <a:off x="1562400" y="1600200"/>
-            <a:ext cx="6018480" cy="4800240"/>
+            <a:off x="2079360" y="1654560"/>
+            <a:ext cx="4984920" cy="3977280"/>
           </a:xfrm>
           <a:prstGeom prst="rect">
             <a:avLst/>
@@ -1946,6 +1968,329 @@
           </a:ln>
         </p:spPr>
       </p:pic>
+    </p:spTree>
+  </p:cSld>
+</p:sldLayout>
+</file>
+
+<file path=ppt/slideLayouts/slideLayout25.xml><?xml version="1.0" encoding="utf-8"?>
+<p:sldLayout xmlns:a="http://schemas.openxmlformats.org/drawingml/2006/main" xmlns:p="http://schemas.openxmlformats.org/presentationml/2006/main" xmlns:r="http://schemas.openxmlformats.org/officeDocument/2006/relationships" type="blank" preserve="1">
+  <p:cSld name="Blank Slide">
+    <p:spTree>
+      <p:nvGrpSpPr>
+        <p:cNvPr id="1" name=""/>
+        <p:cNvGrpSpPr/>
+        <p:nvPr/>
+      </p:nvGrpSpPr>
+      <p:grpSpPr>
+        <a:xfrm>
+          <a:off x="0" y="0"/>
+          <a:ext cx="0" cy="0"/>
+          <a:chOff x="0" y="0"/>
+          <a:chExt cx="0" cy="0"/>
+        </a:xfrm>
+      </p:grpSpPr>
+    </p:spTree>
+  </p:cSld>
+</p:sldLayout>
+</file>
+
+<file path=ppt/slideLayouts/slideLayout26.xml><?xml version="1.0" encoding="utf-8"?>
+<p:sldLayout xmlns:a="http://schemas.openxmlformats.org/drawingml/2006/main" xmlns:p="http://schemas.openxmlformats.org/presentationml/2006/main" xmlns:r="http://schemas.openxmlformats.org/officeDocument/2006/relationships" type="tx" preserve="1">
+  <p:cSld name="Title Slide">
+    <p:spTree>
+      <p:nvGrpSpPr>
+        <p:cNvPr id="1" name=""/>
+        <p:cNvGrpSpPr/>
+        <p:nvPr/>
+      </p:nvGrpSpPr>
+      <p:grpSpPr>
+        <a:xfrm>
+          <a:off x="0" y="0"/>
+          <a:ext cx="0" cy="0"/>
+          <a:chOff x="0" y="0"/>
+          <a:chExt cx="0" cy="0"/>
+        </a:xfrm>
+      </p:grpSpPr>
+      <p:sp>
+        <p:nvSpPr>
+          <p:cNvPr id="102" name="PlaceHolder 1"/>
+          <p:cNvSpPr>
+            <a:spLocks noGrp="1"/>
+          </p:cNvSpPr>
+          <p:nvPr>
+            <p:ph type="title"/>
+          </p:nvPr>
+        </p:nvSpPr>
+        <p:spPr>
+          <a:xfrm>
+            <a:off x="457200" y="261000"/>
+            <a:ext cx="8229600" cy="1132200"/>
+          </a:xfrm>
+          <a:prstGeom prst="rect">
+            <a:avLst/>
+          </a:prstGeom>
+        </p:spPr>
+        <p:txBody>
+          <a:bodyPr lIns="0" rIns="0" tIns="0" bIns="0" anchor="ctr"/>
+          <a:p>
+            <a:pPr algn="ctr"/>
+            <a:endParaRPr/>
+          </a:p>
+        </p:txBody>
+      </p:sp>
+      <p:sp>
+        <p:nvSpPr>
+          <p:cNvPr id="103" name="PlaceHolder 2"/>
+          <p:cNvSpPr>
+            <a:spLocks noGrp="1"/>
+          </p:cNvSpPr>
+          <p:nvPr>
+            <p:ph type="subTitle"/>
+          </p:nvPr>
+        </p:nvSpPr>
+        <p:spPr>
+          <a:xfrm>
+            <a:off x="457200" y="1654560"/>
+            <a:ext cx="8229600" cy="3977280"/>
+          </a:xfrm>
+          <a:prstGeom prst="rect">
+            <a:avLst/>
+          </a:prstGeom>
+        </p:spPr>
+        <p:txBody>
+          <a:bodyPr lIns="0" rIns="0" tIns="0" bIns="0" anchor="ctr"/>
+          <a:p>
+            <a:pPr algn="ctr"/>
+            <a:endParaRPr/>
+          </a:p>
+        </p:txBody>
+      </p:sp>
+    </p:spTree>
+  </p:cSld>
+</p:sldLayout>
+</file>
+
+<file path=ppt/slideLayouts/slideLayout27.xml><?xml version="1.0" encoding="utf-8"?>
+<p:sldLayout xmlns:a="http://schemas.openxmlformats.org/drawingml/2006/main" xmlns:p="http://schemas.openxmlformats.org/presentationml/2006/main" xmlns:r="http://schemas.openxmlformats.org/officeDocument/2006/relationships" type="obj" preserve="1">
+  <p:cSld name="Title, Content">
+    <p:spTree>
+      <p:nvGrpSpPr>
+        <p:cNvPr id="1" name=""/>
+        <p:cNvGrpSpPr/>
+        <p:nvPr/>
+      </p:nvGrpSpPr>
+      <p:grpSpPr>
+        <a:xfrm>
+          <a:off x="0" y="0"/>
+          <a:ext cx="0" cy="0"/>
+          <a:chOff x="0" y="0"/>
+          <a:chExt cx="0" cy="0"/>
+        </a:xfrm>
+      </p:grpSpPr>
+      <p:sp>
+        <p:nvSpPr>
+          <p:cNvPr id="104" name="PlaceHolder 1"/>
+          <p:cNvSpPr>
+            <a:spLocks noGrp="1"/>
+          </p:cNvSpPr>
+          <p:nvPr>
+            <p:ph type="title"/>
+          </p:nvPr>
+        </p:nvSpPr>
+        <p:spPr>
+          <a:xfrm>
+            <a:off x="457200" y="261000"/>
+            <a:ext cx="8229600" cy="1132200"/>
+          </a:xfrm>
+          <a:prstGeom prst="rect">
+            <a:avLst/>
+          </a:prstGeom>
+        </p:spPr>
+        <p:txBody>
+          <a:bodyPr lIns="0" rIns="0" tIns="0" bIns="0" anchor="ctr"/>
+          <a:p>
+            <a:pPr algn="ctr"/>
+            <a:endParaRPr/>
+          </a:p>
+        </p:txBody>
+      </p:sp>
+      <p:sp>
+        <p:nvSpPr>
+          <p:cNvPr id="105" name="PlaceHolder 2"/>
+          <p:cNvSpPr>
+            <a:spLocks noGrp="1"/>
+          </p:cNvSpPr>
+          <p:nvPr>
+            <p:ph type="body"/>
+          </p:nvPr>
+        </p:nvSpPr>
+        <p:spPr>
+          <a:xfrm>
+            <a:off x="457200" y="1654560"/>
+            <a:ext cx="8229600" cy="3977280"/>
+          </a:xfrm>
+          <a:prstGeom prst="rect">
+            <a:avLst/>
+          </a:prstGeom>
+        </p:spPr>
+        <p:txBody>
+          <a:bodyPr lIns="0" rIns="0" tIns="0" bIns="0"/>
+          <a:p>
+            <a:endParaRPr/>
+          </a:p>
+        </p:txBody>
+      </p:sp>
+    </p:spTree>
+  </p:cSld>
+</p:sldLayout>
+</file>
+
+<file path=ppt/slideLayouts/slideLayout28.xml><?xml version="1.0" encoding="utf-8"?>
+<p:sldLayout xmlns:a="http://schemas.openxmlformats.org/drawingml/2006/main" xmlns:p="http://schemas.openxmlformats.org/presentationml/2006/main" xmlns:r="http://schemas.openxmlformats.org/officeDocument/2006/relationships" type="twoObj" preserve="1">
+  <p:cSld name="Title, 2 Content">
+    <p:spTree>
+      <p:nvGrpSpPr>
+        <p:cNvPr id="1" name=""/>
+        <p:cNvGrpSpPr/>
+        <p:nvPr/>
+      </p:nvGrpSpPr>
+      <p:grpSpPr>
+        <a:xfrm>
+          <a:off x="0" y="0"/>
+          <a:ext cx="0" cy="0"/>
+          <a:chOff x="0" y="0"/>
+          <a:chExt cx="0" cy="0"/>
+        </a:xfrm>
+      </p:grpSpPr>
+      <p:sp>
+        <p:nvSpPr>
+          <p:cNvPr id="106" name="PlaceHolder 1"/>
+          <p:cNvSpPr>
+            <a:spLocks noGrp="1"/>
+          </p:cNvSpPr>
+          <p:nvPr>
+            <p:ph type="title"/>
+          </p:nvPr>
+        </p:nvSpPr>
+        <p:spPr>
+          <a:xfrm>
+            <a:off x="457200" y="261000"/>
+            <a:ext cx="8229600" cy="1132200"/>
+          </a:xfrm>
+          <a:prstGeom prst="rect">
+            <a:avLst/>
+          </a:prstGeom>
+        </p:spPr>
+        <p:txBody>
+          <a:bodyPr lIns="0" rIns="0" tIns="0" bIns="0" anchor="ctr"/>
+          <a:p>
+            <a:pPr algn="ctr"/>
+            <a:endParaRPr/>
+          </a:p>
+        </p:txBody>
+      </p:sp>
+      <p:sp>
+        <p:nvSpPr>
+          <p:cNvPr id="107" name="PlaceHolder 2"/>
+          <p:cNvSpPr>
+            <a:spLocks noGrp="1"/>
+          </p:cNvSpPr>
+          <p:nvPr>
+            <p:ph type="body"/>
+          </p:nvPr>
+        </p:nvSpPr>
+        <p:spPr>
+          <a:xfrm>
+            <a:off x="457200" y="1654560"/>
+            <a:ext cx="4015800" cy="3977280"/>
+          </a:xfrm>
+          <a:prstGeom prst="rect">
+            <a:avLst/>
+          </a:prstGeom>
+        </p:spPr>
+        <p:txBody>
+          <a:bodyPr lIns="0" rIns="0" tIns="0" bIns="0"/>
+          <a:p>
+            <a:endParaRPr/>
+          </a:p>
+        </p:txBody>
+      </p:sp>
+      <p:sp>
+        <p:nvSpPr>
+          <p:cNvPr id="108" name="PlaceHolder 3"/>
+          <p:cNvSpPr>
+            <a:spLocks noGrp="1"/>
+          </p:cNvSpPr>
+          <p:nvPr>
+            <p:ph type="body"/>
+          </p:nvPr>
+        </p:nvSpPr>
+        <p:spPr>
+          <a:xfrm>
+            <a:off x="4674240" y="1654560"/>
+            <a:ext cx="4015800" cy="3977280"/>
+          </a:xfrm>
+          <a:prstGeom prst="rect">
+            <a:avLst/>
+          </a:prstGeom>
+        </p:spPr>
+        <p:txBody>
+          <a:bodyPr lIns="0" rIns="0" tIns="0" bIns="0"/>
+          <a:p>
+            <a:endParaRPr/>
+          </a:p>
+        </p:txBody>
+      </p:sp>
+    </p:spTree>
+  </p:cSld>
+</p:sldLayout>
+</file>
+
+<file path=ppt/slideLayouts/slideLayout29.xml><?xml version="1.0" encoding="utf-8"?>
+<p:sldLayout xmlns:a="http://schemas.openxmlformats.org/drawingml/2006/main" xmlns:p="http://schemas.openxmlformats.org/presentationml/2006/main" xmlns:r="http://schemas.openxmlformats.org/officeDocument/2006/relationships" type="titleOnly" preserve="1">
+  <p:cSld name="Title Only">
+    <p:spTree>
+      <p:nvGrpSpPr>
+        <p:cNvPr id="1" name=""/>
+        <p:cNvGrpSpPr/>
+        <p:nvPr/>
+      </p:nvGrpSpPr>
+      <p:grpSpPr>
+        <a:xfrm>
+          <a:off x="0" y="0"/>
+          <a:ext cx="0" cy="0"/>
+          <a:chOff x="0" y="0"/>
+          <a:chExt cx="0" cy="0"/>
+        </a:xfrm>
+      </p:grpSpPr>
+      <p:sp>
+        <p:nvSpPr>
+          <p:cNvPr id="109" name="PlaceHolder 1"/>
+          <p:cNvSpPr>
+            <a:spLocks noGrp="1"/>
+          </p:cNvSpPr>
+          <p:nvPr>
+            <p:ph type="title"/>
+          </p:nvPr>
+        </p:nvSpPr>
+        <p:spPr>
+          <a:xfrm>
+            <a:off x="457200" y="261000"/>
+            <a:ext cx="8229600" cy="1132200"/>
+          </a:xfrm>
+          <a:prstGeom prst="rect">
+            <a:avLst/>
+          </a:prstGeom>
+        </p:spPr>
+        <p:txBody>
+          <a:bodyPr lIns="0" rIns="0" tIns="0" bIns="0" anchor="ctr"/>
+          <a:p>
+            <a:pPr algn="ctr"/>
+            <a:endParaRPr/>
+          </a:p>
+        </p:txBody>
+      </p:sp>
     </p:spTree>
   </p:cSld>
 </p:sldLayout>
@@ -1980,8 +2325,8 @@
         </p:nvSpPr>
         <p:spPr>
           <a:xfrm>
-            <a:off x="457200" y="274680"/>
-            <a:ext cx="8229240" cy="1142640"/>
+            <a:off x="457200" y="261000"/>
+            <a:ext cx="8229600" cy="1132200"/>
           </a:xfrm>
           <a:prstGeom prst="rect">
             <a:avLst/>
@@ -1990,6 +2335,7 @@
         <p:txBody>
           <a:bodyPr lIns="0" rIns="0" tIns="0" bIns="0" anchor="ctr"/>
           <a:p>
+            <a:pPr algn="ctr"/>
             <a:endParaRPr/>
           </a:p>
         </p:txBody>
@@ -2006,8 +2352,1012 @@
         </p:nvSpPr>
         <p:spPr>
           <a:xfrm>
-            <a:off x="457200" y="1600200"/>
-            <a:ext cx="8229240" cy="4800240"/>
+            <a:off x="457200" y="1654560"/>
+            <a:ext cx="8229600" cy="3977280"/>
+          </a:xfrm>
+          <a:prstGeom prst="rect">
+            <a:avLst/>
+          </a:prstGeom>
+        </p:spPr>
+        <p:txBody>
+          <a:bodyPr lIns="0" rIns="0" tIns="0" bIns="0"/>
+          <a:p>
+            <a:endParaRPr/>
+          </a:p>
+        </p:txBody>
+      </p:sp>
+    </p:spTree>
+  </p:cSld>
+</p:sldLayout>
+</file>
+
+<file path=ppt/slideLayouts/slideLayout30.xml><?xml version="1.0" encoding="utf-8"?>
+<p:sldLayout xmlns:a="http://schemas.openxmlformats.org/drawingml/2006/main" xmlns:p="http://schemas.openxmlformats.org/presentationml/2006/main" xmlns:r="http://schemas.openxmlformats.org/officeDocument/2006/relationships" type="objOnly" preserve="1">
+  <p:cSld name="Centered Text">
+    <p:spTree>
+      <p:nvGrpSpPr>
+        <p:cNvPr id="1" name=""/>
+        <p:cNvGrpSpPr/>
+        <p:nvPr/>
+      </p:nvGrpSpPr>
+      <p:grpSpPr>
+        <a:xfrm>
+          <a:off x="0" y="0"/>
+          <a:ext cx="0" cy="0"/>
+          <a:chOff x="0" y="0"/>
+          <a:chExt cx="0" cy="0"/>
+        </a:xfrm>
+      </p:grpSpPr>
+      <p:sp>
+        <p:nvSpPr>
+          <p:cNvPr id="110" name="PlaceHolder 1"/>
+          <p:cNvSpPr>
+            <a:spLocks noGrp="1"/>
+          </p:cNvSpPr>
+          <p:nvPr>
+            <p:ph type="subTitle"/>
+          </p:nvPr>
+        </p:nvSpPr>
+        <p:spPr>
+          <a:xfrm>
+            <a:off x="457200" y="261000"/>
+            <a:ext cx="8229600" cy="5249520"/>
+          </a:xfrm>
+          <a:prstGeom prst="rect">
+            <a:avLst/>
+          </a:prstGeom>
+        </p:spPr>
+        <p:txBody>
+          <a:bodyPr lIns="0" rIns="0" tIns="0" bIns="0" anchor="ctr"/>
+          <a:p>
+            <a:pPr algn="ctr"/>
+            <a:endParaRPr/>
+          </a:p>
+        </p:txBody>
+      </p:sp>
+    </p:spTree>
+  </p:cSld>
+</p:sldLayout>
+</file>
+
+<file path=ppt/slideLayouts/slideLayout31.xml><?xml version="1.0" encoding="utf-8"?>
+<p:sldLayout xmlns:a="http://schemas.openxmlformats.org/drawingml/2006/main" xmlns:p="http://schemas.openxmlformats.org/presentationml/2006/main" xmlns:r="http://schemas.openxmlformats.org/officeDocument/2006/relationships" type="twoObjAndObj" preserve="1">
+  <p:cSld name="Title, 2 Content and Content">
+    <p:spTree>
+      <p:nvGrpSpPr>
+        <p:cNvPr id="1" name=""/>
+        <p:cNvGrpSpPr/>
+        <p:nvPr/>
+      </p:nvGrpSpPr>
+      <p:grpSpPr>
+        <a:xfrm>
+          <a:off x="0" y="0"/>
+          <a:ext cx="0" cy="0"/>
+          <a:chOff x="0" y="0"/>
+          <a:chExt cx="0" cy="0"/>
+        </a:xfrm>
+      </p:grpSpPr>
+      <p:sp>
+        <p:nvSpPr>
+          <p:cNvPr id="111" name="PlaceHolder 1"/>
+          <p:cNvSpPr>
+            <a:spLocks noGrp="1"/>
+          </p:cNvSpPr>
+          <p:nvPr>
+            <p:ph type="title"/>
+          </p:nvPr>
+        </p:nvSpPr>
+        <p:spPr>
+          <a:xfrm>
+            <a:off x="457200" y="261000"/>
+            <a:ext cx="8229600" cy="1132200"/>
+          </a:xfrm>
+          <a:prstGeom prst="rect">
+            <a:avLst/>
+          </a:prstGeom>
+        </p:spPr>
+        <p:txBody>
+          <a:bodyPr lIns="0" rIns="0" tIns="0" bIns="0" anchor="ctr"/>
+          <a:p>
+            <a:pPr algn="ctr"/>
+            <a:endParaRPr/>
+          </a:p>
+        </p:txBody>
+      </p:sp>
+      <p:sp>
+        <p:nvSpPr>
+          <p:cNvPr id="112" name="PlaceHolder 2"/>
+          <p:cNvSpPr>
+            <a:spLocks noGrp="1"/>
+          </p:cNvSpPr>
+          <p:nvPr>
+            <p:ph type="body"/>
+          </p:nvPr>
+        </p:nvSpPr>
+        <p:spPr>
+          <a:xfrm>
+            <a:off x="457200" y="1654560"/>
+            <a:ext cx="4015800" cy="1896840"/>
+          </a:xfrm>
+          <a:prstGeom prst="rect">
+            <a:avLst/>
+          </a:prstGeom>
+        </p:spPr>
+        <p:txBody>
+          <a:bodyPr lIns="0" rIns="0" tIns="0" bIns="0"/>
+          <a:p>
+            <a:endParaRPr/>
+          </a:p>
+        </p:txBody>
+      </p:sp>
+      <p:sp>
+        <p:nvSpPr>
+          <p:cNvPr id="113" name="PlaceHolder 3"/>
+          <p:cNvSpPr>
+            <a:spLocks noGrp="1"/>
+          </p:cNvSpPr>
+          <p:nvPr>
+            <p:ph type="body"/>
+          </p:nvPr>
+        </p:nvSpPr>
+        <p:spPr>
+          <a:xfrm>
+            <a:off x="457200" y="3732120"/>
+            <a:ext cx="4015800" cy="1896840"/>
+          </a:xfrm>
+          <a:prstGeom prst="rect">
+            <a:avLst/>
+          </a:prstGeom>
+        </p:spPr>
+        <p:txBody>
+          <a:bodyPr lIns="0" rIns="0" tIns="0" bIns="0"/>
+          <a:p>
+            <a:endParaRPr/>
+          </a:p>
+        </p:txBody>
+      </p:sp>
+      <p:sp>
+        <p:nvSpPr>
+          <p:cNvPr id="114" name="PlaceHolder 4"/>
+          <p:cNvSpPr>
+            <a:spLocks noGrp="1"/>
+          </p:cNvSpPr>
+          <p:nvPr>
+            <p:ph type="body"/>
+          </p:nvPr>
+        </p:nvSpPr>
+        <p:spPr>
+          <a:xfrm>
+            <a:off x="4674240" y="1654560"/>
+            <a:ext cx="4015800" cy="3977280"/>
+          </a:xfrm>
+          <a:prstGeom prst="rect">
+            <a:avLst/>
+          </a:prstGeom>
+        </p:spPr>
+        <p:txBody>
+          <a:bodyPr lIns="0" rIns="0" tIns="0" bIns="0"/>
+          <a:p>
+            <a:endParaRPr/>
+          </a:p>
+        </p:txBody>
+      </p:sp>
+    </p:spTree>
+  </p:cSld>
+</p:sldLayout>
+</file>
+
+<file path=ppt/slideLayouts/slideLayout32.xml><?xml version="1.0" encoding="utf-8"?>
+<p:sldLayout xmlns:a="http://schemas.openxmlformats.org/drawingml/2006/main" xmlns:p="http://schemas.openxmlformats.org/presentationml/2006/main" xmlns:r="http://schemas.openxmlformats.org/officeDocument/2006/relationships" type="objAndTwoObj" preserve="1">
+  <p:cSld name="Title Content and 2 Content">
+    <p:spTree>
+      <p:nvGrpSpPr>
+        <p:cNvPr id="1" name=""/>
+        <p:cNvGrpSpPr/>
+        <p:nvPr/>
+      </p:nvGrpSpPr>
+      <p:grpSpPr>
+        <a:xfrm>
+          <a:off x="0" y="0"/>
+          <a:ext cx="0" cy="0"/>
+          <a:chOff x="0" y="0"/>
+          <a:chExt cx="0" cy="0"/>
+        </a:xfrm>
+      </p:grpSpPr>
+      <p:sp>
+        <p:nvSpPr>
+          <p:cNvPr id="115" name="PlaceHolder 1"/>
+          <p:cNvSpPr>
+            <a:spLocks noGrp="1"/>
+          </p:cNvSpPr>
+          <p:nvPr>
+            <p:ph type="title"/>
+          </p:nvPr>
+        </p:nvSpPr>
+        <p:spPr>
+          <a:xfrm>
+            <a:off x="457200" y="261000"/>
+            <a:ext cx="8229600" cy="1132200"/>
+          </a:xfrm>
+          <a:prstGeom prst="rect">
+            <a:avLst/>
+          </a:prstGeom>
+        </p:spPr>
+        <p:txBody>
+          <a:bodyPr lIns="0" rIns="0" tIns="0" bIns="0" anchor="ctr"/>
+          <a:p>
+            <a:pPr algn="ctr"/>
+            <a:endParaRPr/>
+          </a:p>
+        </p:txBody>
+      </p:sp>
+      <p:sp>
+        <p:nvSpPr>
+          <p:cNvPr id="116" name="PlaceHolder 2"/>
+          <p:cNvSpPr>
+            <a:spLocks noGrp="1"/>
+          </p:cNvSpPr>
+          <p:nvPr>
+            <p:ph type="body"/>
+          </p:nvPr>
+        </p:nvSpPr>
+        <p:spPr>
+          <a:xfrm>
+            <a:off x="457200" y="1654560"/>
+            <a:ext cx="4015800" cy="3977280"/>
+          </a:xfrm>
+          <a:prstGeom prst="rect">
+            <a:avLst/>
+          </a:prstGeom>
+        </p:spPr>
+        <p:txBody>
+          <a:bodyPr lIns="0" rIns="0" tIns="0" bIns="0"/>
+          <a:p>
+            <a:endParaRPr/>
+          </a:p>
+        </p:txBody>
+      </p:sp>
+      <p:sp>
+        <p:nvSpPr>
+          <p:cNvPr id="117" name="PlaceHolder 3"/>
+          <p:cNvSpPr>
+            <a:spLocks noGrp="1"/>
+          </p:cNvSpPr>
+          <p:nvPr>
+            <p:ph type="body"/>
+          </p:nvPr>
+        </p:nvSpPr>
+        <p:spPr>
+          <a:xfrm>
+            <a:off x="4674240" y="1654560"/>
+            <a:ext cx="4015800" cy="1896840"/>
+          </a:xfrm>
+          <a:prstGeom prst="rect">
+            <a:avLst/>
+          </a:prstGeom>
+        </p:spPr>
+        <p:txBody>
+          <a:bodyPr lIns="0" rIns="0" tIns="0" bIns="0"/>
+          <a:p>
+            <a:endParaRPr/>
+          </a:p>
+        </p:txBody>
+      </p:sp>
+      <p:sp>
+        <p:nvSpPr>
+          <p:cNvPr id="118" name="PlaceHolder 4"/>
+          <p:cNvSpPr>
+            <a:spLocks noGrp="1"/>
+          </p:cNvSpPr>
+          <p:nvPr>
+            <p:ph type="body"/>
+          </p:nvPr>
+        </p:nvSpPr>
+        <p:spPr>
+          <a:xfrm>
+            <a:off x="4674240" y="3732120"/>
+            <a:ext cx="4015800" cy="1896840"/>
+          </a:xfrm>
+          <a:prstGeom prst="rect">
+            <a:avLst/>
+          </a:prstGeom>
+        </p:spPr>
+        <p:txBody>
+          <a:bodyPr lIns="0" rIns="0" tIns="0" bIns="0"/>
+          <a:p>
+            <a:endParaRPr/>
+          </a:p>
+        </p:txBody>
+      </p:sp>
+    </p:spTree>
+  </p:cSld>
+</p:sldLayout>
+</file>
+
+<file path=ppt/slideLayouts/slideLayout33.xml><?xml version="1.0" encoding="utf-8"?>
+<p:sldLayout xmlns:a="http://schemas.openxmlformats.org/drawingml/2006/main" xmlns:p="http://schemas.openxmlformats.org/presentationml/2006/main" xmlns:r="http://schemas.openxmlformats.org/officeDocument/2006/relationships" type="twoObjOverTx" preserve="1">
+  <p:cSld name="Title, 2 Content over Content">
+    <p:spTree>
+      <p:nvGrpSpPr>
+        <p:cNvPr id="1" name=""/>
+        <p:cNvGrpSpPr/>
+        <p:nvPr/>
+      </p:nvGrpSpPr>
+      <p:grpSpPr>
+        <a:xfrm>
+          <a:off x="0" y="0"/>
+          <a:ext cx="0" cy="0"/>
+          <a:chOff x="0" y="0"/>
+          <a:chExt cx="0" cy="0"/>
+        </a:xfrm>
+      </p:grpSpPr>
+      <p:sp>
+        <p:nvSpPr>
+          <p:cNvPr id="119" name="PlaceHolder 1"/>
+          <p:cNvSpPr>
+            <a:spLocks noGrp="1"/>
+          </p:cNvSpPr>
+          <p:nvPr>
+            <p:ph type="title"/>
+          </p:nvPr>
+        </p:nvSpPr>
+        <p:spPr>
+          <a:xfrm>
+            <a:off x="457200" y="261000"/>
+            <a:ext cx="8229600" cy="1132200"/>
+          </a:xfrm>
+          <a:prstGeom prst="rect">
+            <a:avLst/>
+          </a:prstGeom>
+        </p:spPr>
+        <p:txBody>
+          <a:bodyPr lIns="0" rIns="0" tIns="0" bIns="0" anchor="ctr"/>
+          <a:p>
+            <a:pPr algn="ctr"/>
+            <a:endParaRPr/>
+          </a:p>
+        </p:txBody>
+      </p:sp>
+      <p:sp>
+        <p:nvSpPr>
+          <p:cNvPr id="120" name="PlaceHolder 2"/>
+          <p:cNvSpPr>
+            <a:spLocks noGrp="1"/>
+          </p:cNvSpPr>
+          <p:nvPr>
+            <p:ph type="body"/>
+          </p:nvPr>
+        </p:nvSpPr>
+        <p:spPr>
+          <a:xfrm>
+            <a:off x="457200" y="1654560"/>
+            <a:ext cx="4015800" cy="1896840"/>
+          </a:xfrm>
+          <a:prstGeom prst="rect">
+            <a:avLst/>
+          </a:prstGeom>
+        </p:spPr>
+        <p:txBody>
+          <a:bodyPr lIns="0" rIns="0" tIns="0" bIns="0"/>
+          <a:p>
+            <a:endParaRPr/>
+          </a:p>
+        </p:txBody>
+      </p:sp>
+      <p:sp>
+        <p:nvSpPr>
+          <p:cNvPr id="121" name="PlaceHolder 3"/>
+          <p:cNvSpPr>
+            <a:spLocks noGrp="1"/>
+          </p:cNvSpPr>
+          <p:nvPr>
+            <p:ph type="body"/>
+          </p:nvPr>
+        </p:nvSpPr>
+        <p:spPr>
+          <a:xfrm>
+            <a:off x="4674240" y="1654560"/>
+            <a:ext cx="4015800" cy="1896840"/>
+          </a:xfrm>
+          <a:prstGeom prst="rect">
+            <a:avLst/>
+          </a:prstGeom>
+        </p:spPr>
+        <p:txBody>
+          <a:bodyPr lIns="0" rIns="0" tIns="0" bIns="0"/>
+          <a:p>
+            <a:endParaRPr/>
+          </a:p>
+        </p:txBody>
+      </p:sp>
+      <p:sp>
+        <p:nvSpPr>
+          <p:cNvPr id="122" name="PlaceHolder 4"/>
+          <p:cNvSpPr>
+            <a:spLocks noGrp="1"/>
+          </p:cNvSpPr>
+          <p:nvPr>
+            <p:ph type="body"/>
+          </p:nvPr>
+        </p:nvSpPr>
+        <p:spPr>
+          <a:xfrm>
+            <a:off x="457200" y="3732120"/>
+            <a:ext cx="8229600" cy="1896840"/>
+          </a:xfrm>
+          <a:prstGeom prst="rect">
+            <a:avLst/>
+          </a:prstGeom>
+        </p:spPr>
+        <p:txBody>
+          <a:bodyPr lIns="0" rIns="0" tIns="0" bIns="0"/>
+          <a:p>
+            <a:endParaRPr/>
+          </a:p>
+        </p:txBody>
+      </p:sp>
+    </p:spTree>
+  </p:cSld>
+</p:sldLayout>
+</file>
+
+<file path=ppt/slideLayouts/slideLayout34.xml><?xml version="1.0" encoding="utf-8"?>
+<p:sldLayout xmlns:a="http://schemas.openxmlformats.org/drawingml/2006/main" xmlns:p="http://schemas.openxmlformats.org/presentationml/2006/main" xmlns:r="http://schemas.openxmlformats.org/officeDocument/2006/relationships" type="objOverTx" preserve="1">
+  <p:cSld name="Title, Content over Content">
+    <p:spTree>
+      <p:nvGrpSpPr>
+        <p:cNvPr id="1" name=""/>
+        <p:cNvGrpSpPr/>
+        <p:nvPr/>
+      </p:nvGrpSpPr>
+      <p:grpSpPr>
+        <a:xfrm>
+          <a:off x="0" y="0"/>
+          <a:ext cx="0" cy="0"/>
+          <a:chOff x="0" y="0"/>
+          <a:chExt cx="0" cy="0"/>
+        </a:xfrm>
+      </p:grpSpPr>
+      <p:sp>
+        <p:nvSpPr>
+          <p:cNvPr id="123" name="PlaceHolder 1"/>
+          <p:cNvSpPr>
+            <a:spLocks noGrp="1"/>
+          </p:cNvSpPr>
+          <p:nvPr>
+            <p:ph type="title"/>
+          </p:nvPr>
+        </p:nvSpPr>
+        <p:spPr>
+          <a:xfrm>
+            <a:off x="457200" y="261000"/>
+            <a:ext cx="8229600" cy="1132200"/>
+          </a:xfrm>
+          <a:prstGeom prst="rect">
+            <a:avLst/>
+          </a:prstGeom>
+        </p:spPr>
+        <p:txBody>
+          <a:bodyPr lIns="0" rIns="0" tIns="0" bIns="0" anchor="ctr"/>
+          <a:p>
+            <a:pPr algn="ctr"/>
+            <a:endParaRPr/>
+          </a:p>
+        </p:txBody>
+      </p:sp>
+      <p:sp>
+        <p:nvSpPr>
+          <p:cNvPr id="124" name="PlaceHolder 2"/>
+          <p:cNvSpPr>
+            <a:spLocks noGrp="1"/>
+          </p:cNvSpPr>
+          <p:nvPr>
+            <p:ph type="body"/>
+          </p:nvPr>
+        </p:nvSpPr>
+        <p:spPr>
+          <a:xfrm>
+            <a:off x="457200" y="1654560"/>
+            <a:ext cx="8229600" cy="1896840"/>
+          </a:xfrm>
+          <a:prstGeom prst="rect">
+            <a:avLst/>
+          </a:prstGeom>
+        </p:spPr>
+        <p:txBody>
+          <a:bodyPr lIns="0" rIns="0" tIns="0" bIns="0"/>
+          <a:p>
+            <a:endParaRPr/>
+          </a:p>
+        </p:txBody>
+      </p:sp>
+      <p:sp>
+        <p:nvSpPr>
+          <p:cNvPr id="125" name="PlaceHolder 3"/>
+          <p:cNvSpPr>
+            <a:spLocks noGrp="1"/>
+          </p:cNvSpPr>
+          <p:nvPr>
+            <p:ph type="body"/>
+          </p:nvPr>
+        </p:nvSpPr>
+        <p:spPr>
+          <a:xfrm>
+            <a:off x="457200" y="3732120"/>
+            <a:ext cx="8229600" cy="1896840"/>
+          </a:xfrm>
+          <a:prstGeom prst="rect">
+            <a:avLst/>
+          </a:prstGeom>
+        </p:spPr>
+        <p:txBody>
+          <a:bodyPr lIns="0" rIns="0" tIns="0" bIns="0"/>
+          <a:p>
+            <a:endParaRPr/>
+          </a:p>
+        </p:txBody>
+      </p:sp>
+    </p:spTree>
+  </p:cSld>
+</p:sldLayout>
+</file>
+
+<file path=ppt/slideLayouts/slideLayout35.xml><?xml version="1.0" encoding="utf-8"?>
+<p:sldLayout xmlns:a="http://schemas.openxmlformats.org/drawingml/2006/main" xmlns:p="http://schemas.openxmlformats.org/presentationml/2006/main" xmlns:r="http://schemas.openxmlformats.org/officeDocument/2006/relationships" type="fourObj" preserve="1">
+  <p:cSld name="Title, 4 Content">
+    <p:spTree>
+      <p:nvGrpSpPr>
+        <p:cNvPr id="1" name=""/>
+        <p:cNvGrpSpPr/>
+        <p:nvPr/>
+      </p:nvGrpSpPr>
+      <p:grpSpPr>
+        <a:xfrm>
+          <a:off x="0" y="0"/>
+          <a:ext cx="0" cy="0"/>
+          <a:chOff x="0" y="0"/>
+          <a:chExt cx="0" cy="0"/>
+        </a:xfrm>
+      </p:grpSpPr>
+      <p:sp>
+        <p:nvSpPr>
+          <p:cNvPr id="126" name="PlaceHolder 1"/>
+          <p:cNvSpPr>
+            <a:spLocks noGrp="1"/>
+          </p:cNvSpPr>
+          <p:nvPr>
+            <p:ph type="title"/>
+          </p:nvPr>
+        </p:nvSpPr>
+        <p:spPr>
+          <a:xfrm>
+            <a:off x="457200" y="261000"/>
+            <a:ext cx="8229600" cy="1132200"/>
+          </a:xfrm>
+          <a:prstGeom prst="rect">
+            <a:avLst/>
+          </a:prstGeom>
+        </p:spPr>
+        <p:txBody>
+          <a:bodyPr lIns="0" rIns="0" tIns="0" bIns="0" anchor="ctr"/>
+          <a:p>
+            <a:pPr algn="ctr"/>
+            <a:endParaRPr/>
+          </a:p>
+        </p:txBody>
+      </p:sp>
+      <p:sp>
+        <p:nvSpPr>
+          <p:cNvPr id="127" name="PlaceHolder 2"/>
+          <p:cNvSpPr>
+            <a:spLocks noGrp="1"/>
+          </p:cNvSpPr>
+          <p:nvPr>
+            <p:ph type="body"/>
+          </p:nvPr>
+        </p:nvSpPr>
+        <p:spPr>
+          <a:xfrm>
+            <a:off x="457200" y="1654560"/>
+            <a:ext cx="4015800" cy="1896840"/>
+          </a:xfrm>
+          <a:prstGeom prst="rect">
+            <a:avLst/>
+          </a:prstGeom>
+        </p:spPr>
+        <p:txBody>
+          <a:bodyPr lIns="0" rIns="0" tIns="0" bIns="0"/>
+          <a:p>
+            <a:endParaRPr/>
+          </a:p>
+        </p:txBody>
+      </p:sp>
+      <p:sp>
+        <p:nvSpPr>
+          <p:cNvPr id="128" name="PlaceHolder 3"/>
+          <p:cNvSpPr>
+            <a:spLocks noGrp="1"/>
+          </p:cNvSpPr>
+          <p:nvPr>
+            <p:ph type="body"/>
+          </p:nvPr>
+        </p:nvSpPr>
+        <p:spPr>
+          <a:xfrm>
+            <a:off x="4674240" y="1654560"/>
+            <a:ext cx="4015800" cy="1896840"/>
+          </a:xfrm>
+          <a:prstGeom prst="rect">
+            <a:avLst/>
+          </a:prstGeom>
+        </p:spPr>
+        <p:txBody>
+          <a:bodyPr lIns="0" rIns="0" tIns="0" bIns="0"/>
+          <a:p>
+            <a:endParaRPr/>
+          </a:p>
+        </p:txBody>
+      </p:sp>
+      <p:sp>
+        <p:nvSpPr>
+          <p:cNvPr id="129" name="PlaceHolder 4"/>
+          <p:cNvSpPr>
+            <a:spLocks noGrp="1"/>
+          </p:cNvSpPr>
+          <p:nvPr>
+            <p:ph type="body"/>
+          </p:nvPr>
+        </p:nvSpPr>
+        <p:spPr>
+          <a:xfrm>
+            <a:off x="4674240" y="3732120"/>
+            <a:ext cx="4015800" cy="1896840"/>
+          </a:xfrm>
+          <a:prstGeom prst="rect">
+            <a:avLst/>
+          </a:prstGeom>
+        </p:spPr>
+        <p:txBody>
+          <a:bodyPr lIns="0" rIns="0" tIns="0" bIns="0"/>
+          <a:p>
+            <a:endParaRPr/>
+          </a:p>
+        </p:txBody>
+      </p:sp>
+      <p:sp>
+        <p:nvSpPr>
+          <p:cNvPr id="130" name="PlaceHolder 5"/>
+          <p:cNvSpPr>
+            <a:spLocks noGrp="1"/>
+          </p:cNvSpPr>
+          <p:nvPr>
+            <p:ph type="body"/>
+          </p:nvPr>
+        </p:nvSpPr>
+        <p:spPr>
+          <a:xfrm>
+            <a:off x="457200" y="3732120"/>
+            <a:ext cx="4015800" cy="1896840"/>
+          </a:xfrm>
+          <a:prstGeom prst="rect">
+            <a:avLst/>
+          </a:prstGeom>
+        </p:spPr>
+        <p:txBody>
+          <a:bodyPr lIns="0" rIns="0" tIns="0" bIns="0"/>
+          <a:p>
+            <a:endParaRPr/>
+          </a:p>
+        </p:txBody>
+      </p:sp>
+    </p:spTree>
+  </p:cSld>
+</p:sldLayout>
+</file>
+
+<file path=ppt/slideLayouts/slideLayout36.xml><?xml version="1.0" encoding="utf-8"?>
+<p:sldLayout xmlns:a="http://schemas.openxmlformats.org/drawingml/2006/main" xmlns:p="http://schemas.openxmlformats.org/presentationml/2006/main" xmlns:r="http://schemas.openxmlformats.org/officeDocument/2006/relationships" type="blank" preserve="1">
+  <p:cSld name="Title, 6 Content">
+    <p:spTree>
+      <p:nvGrpSpPr>
+        <p:cNvPr id="1" name=""/>
+        <p:cNvGrpSpPr/>
+        <p:nvPr/>
+      </p:nvGrpSpPr>
+      <p:grpSpPr>
+        <a:xfrm>
+          <a:off x="0" y="0"/>
+          <a:ext cx="0" cy="0"/>
+          <a:chOff x="0" y="0"/>
+          <a:chExt cx="0" cy="0"/>
+        </a:xfrm>
+      </p:grpSpPr>
+      <p:sp>
+        <p:nvSpPr>
+          <p:cNvPr id="131" name="PlaceHolder 1"/>
+          <p:cNvSpPr>
+            <a:spLocks noGrp="1"/>
+          </p:cNvSpPr>
+          <p:nvPr>
+            <p:ph type="title"/>
+          </p:nvPr>
+        </p:nvSpPr>
+        <p:spPr>
+          <a:xfrm>
+            <a:off x="457200" y="261000"/>
+            <a:ext cx="8229600" cy="1132200"/>
+          </a:xfrm>
+          <a:prstGeom prst="rect">
+            <a:avLst/>
+          </a:prstGeom>
+        </p:spPr>
+        <p:txBody>
+          <a:bodyPr lIns="0" rIns="0" tIns="0" bIns="0" anchor="ctr"/>
+          <a:p>
+            <a:pPr algn="ctr"/>
+            <a:endParaRPr/>
+          </a:p>
+        </p:txBody>
+      </p:sp>
+      <p:sp>
+        <p:nvSpPr>
+          <p:cNvPr id="132" name="PlaceHolder 2"/>
+          <p:cNvSpPr>
+            <a:spLocks noGrp="1"/>
+          </p:cNvSpPr>
+          <p:nvPr>
+            <p:ph type="body"/>
+          </p:nvPr>
+        </p:nvSpPr>
+        <p:spPr>
+          <a:xfrm>
+            <a:off x="457200" y="1654560"/>
+            <a:ext cx="8229600" cy="3977280"/>
+          </a:xfrm>
+          <a:prstGeom prst="rect">
+            <a:avLst/>
+          </a:prstGeom>
+        </p:spPr>
+        <p:txBody>
+          <a:bodyPr lIns="0" rIns="0" tIns="0" bIns="0"/>
+          <a:p>
+            <a:endParaRPr/>
+          </a:p>
+        </p:txBody>
+      </p:sp>
+      <p:sp>
+        <p:nvSpPr>
+          <p:cNvPr id="133" name="PlaceHolder 3"/>
+          <p:cNvSpPr>
+            <a:spLocks noGrp="1"/>
+          </p:cNvSpPr>
+          <p:nvPr>
+            <p:ph type="body"/>
+          </p:nvPr>
+        </p:nvSpPr>
+        <p:spPr>
+          <a:xfrm>
+            <a:off x="457200" y="1654560"/>
+            <a:ext cx="8229600" cy="3977280"/>
+          </a:xfrm>
+          <a:prstGeom prst="rect">
+            <a:avLst/>
+          </a:prstGeom>
+        </p:spPr>
+        <p:txBody>
+          <a:bodyPr lIns="0" rIns="0" tIns="0" bIns="0"/>
+          <a:p>
+            <a:endParaRPr/>
+          </a:p>
+        </p:txBody>
+      </p:sp>
+      <p:pic>
+        <p:nvPicPr>
+          <p:cNvPr id="134" name="" descr=""/>
+          <p:cNvPicPr/>
+          <p:nvPr/>
+        </p:nvPicPr>
+        <p:blipFill>
+          <a:blip r:embed="rId2"/>
+          <a:stretch/>
+        </p:blipFill>
+        <p:spPr>
+          <a:xfrm>
+            <a:off x="2079360" y="1654560"/>
+            <a:ext cx="4984920" cy="3977280"/>
+          </a:xfrm>
+          <a:prstGeom prst="rect">
+            <a:avLst/>
+          </a:prstGeom>
+          <a:ln>
+            <a:noFill/>
+          </a:ln>
+        </p:spPr>
+      </p:pic>
+      <p:pic>
+        <p:nvPicPr>
+          <p:cNvPr id="135" name="" descr=""/>
+          <p:cNvPicPr/>
+          <p:nvPr/>
+        </p:nvPicPr>
+        <p:blipFill>
+          <a:blip r:embed="rId3"/>
+          <a:stretch/>
+        </p:blipFill>
+        <p:spPr>
+          <a:xfrm>
+            <a:off x="2079360" y="1654560"/>
+            <a:ext cx="4984920" cy="3977280"/>
+          </a:xfrm>
+          <a:prstGeom prst="rect">
+            <a:avLst/>
+          </a:prstGeom>
+          <a:ln>
+            <a:noFill/>
+          </a:ln>
+        </p:spPr>
+      </p:pic>
+    </p:spTree>
+  </p:cSld>
+</p:sldLayout>
+</file>
+
+<file path=ppt/slideLayouts/slideLayout37.xml><?xml version="1.0" encoding="utf-8"?>
+<p:sldLayout xmlns:a="http://schemas.openxmlformats.org/drawingml/2006/main" xmlns:p="http://schemas.openxmlformats.org/presentationml/2006/main" xmlns:r="http://schemas.openxmlformats.org/officeDocument/2006/relationships" type="blank" preserve="1">
+  <p:cSld name="Blank Slide">
+    <p:spTree>
+      <p:nvGrpSpPr>
+        <p:cNvPr id="1" name=""/>
+        <p:cNvGrpSpPr/>
+        <p:nvPr/>
+      </p:nvGrpSpPr>
+      <p:grpSpPr>
+        <a:xfrm>
+          <a:off x="0" y="0"/>
+          <a:ext cx="0" cy="0"/>
+          <a:chOff x="0" y="0"/>
+          <a:chExt cx="0" cy="0"/>
+        </a:xfrm>
+      </p:grpSpPr>
+    </p:spTree>
+  </p:cSld>
+</p:sldLayout>
+</file>
+
+<file path=ppt/slideLayouts/slideLayout38.xml><?xml version="1.0" encoding="utf-8"?>
+<p:sldLayout xmlns:a="http://schemas.openxmlformats.org/drawingml/2006/main" xmlns:p="http://schemas.openxmlformats.org/presentationml/2006/main" xmlns:r="http://schemas.openxmlformats.org/officeDocument/2006/relationships" type="tx" preserve="1">
+  <p:cSld name="Title Slide">
+    <p:spTree>
+      <p:nvGrpSpPr>
+        <p:cNvPr id="1" name=""/>
+        <p:cNvGrpSpPr/>
+        <p:nvPr/>
+      </p:nvGrpSpPr>
+      <p:grpSpPr>
+        <a:xfrm>
+          <a:off x="0" y="0"/>
+          <a:ext cx="0" cy="0"/>
+          <a:chOff x="0" y="0"/>
+          <a:chExt cx="0" cy="0"/>
+        </a:xfrm>
+      </p:grpSpPr>
+      <p:sp>
+        <p:nvSpPr>
+          <p:cNvPr id="142" name="PlaceHolder 1"/>
+          <p:cNvSpPr>
+            <a:spLocks noGrp="1"/>
+          </p:cNvSpPr>
+          <p:nvPr>
+            <p:ph type="title"/>
+          </p:nvPr>
+        </p:nvSpPr>
+        <p:spPr>
+          <a:xfrm>
+            <a:off x="457200" y="261000"/>
+            <a:ext cx="8229600" cy="1132200"/>
+          </a:xfrm>
+          <a:prstGeom prst="rect">
+            <a:avLst/>
+          </a:prstGeom>
+        </p:spPr>
+        <p:txBody>
+          <a:bodyPr lIns="0" rIns="0" tIns="0" bIns="0" anchor="ctr"/>
+          <a:p>
+            <a:pPr algn="ctr"/>
+            <a:endParaRPr/>
+          </a:p>
+        </p:txBody>
+      </p:sp>
+      <p:sp>
+        <p:nvSpPr>
+          <p:cNvPr id="143" name="PlaceHolder 2"/>
+          <p:cNvSpPr>
+            <a:spLocks noGrp="1"/>
+          </p:cNvSpPr>
+          <p:nvPr>
+            <p:ph type="subTitle"/>
+          </p:nvPr>
+        </p:nvSpPr>
+        <p:spPr>
+          <a:xfrm>
+            <a:off x="457200" y="1654560"/>
+            <a:ext cx="8229600" cy="3977280"/>
+          </a:xfrm>
+          <a:prstGeom prst="rect">
+            <a:avLst/>
+          </a:prstGeom>
+        </p:spPr>
+        <p:txBody>
+          <a:bodyPr lIns="0" rIns="0" tIns="0" bIns="0" anchor="ctr"/>
+          <a:p>
+            <a:pPr algn="ctr"/>
+            <a:endParaRPr/>
+          </a:p>
+        </p:txBody>
+      </p:sp>
+    </p:spTree>
+  </p:cSld>
+</p:sldLayout>
+</file>
+
+<file path=ppt/slideLayouts/slideLayout39.xml><?xml version="1.0" encoding="utf-8"?>
+<p:sldLayout xmlns:a="http://schemas.openxmlformats.org/drawingml/2006/main" xmlns:p="http://schemas.openxmlformats.org/presentationml/2006/main" xmlns:r="http://schemas.openxmlformats.org/officeDocument/2006/relationships" type="obj" preserve="1">
+  <p:cSld name="Title, Content">
+    <p:spTree>
+      <p:nvGrpSpPr>
+        <p:cNvPr id="1" name=""/>
+        <p:cNvGrpSpPr/>
+        <p:nvPr/>
+      </p:nvGrpSpPr>
+      <p:grpSpPr>
+        <a:xfrm>
+          <a:off x="0" y="0"/>
+          <a:ext cx="0" cy="0"/>
+          <a:chOff x="0" y="0"/>
+          <a:chExt cx="0" cy="0"/>
+        </a:xfrm>
+      </p:grpSpPr>
+      <p:sp>
+        <p:nvSpPr>
+          <p:cNvPr id="144" name="PlaceHolder 1"/>
+          <p:cNvSpPr>
+            <a:spLocks noGrp="1"/>
+          </p:cNvSpPr>
+          <p:nvPr>
+            <p:ph type="title"/>
+          </p:nvPr>
+        </p:nvSpPr>
+        <p:spPr>
+          <a:xfrm>
+            <a:off x="457200" y="261000"/>
+            <a:ext cx="8229600" cy="1132200"/>
+          </a:xfrm>
+          <a:prstGeom prst="rect">
+            <a:avLst/>
+          </a:prstGeom>
+        </p:spPr>
+        <p:txBody>
+          <a:bodyPr lIns="0" rIns="0" tIns="0" bIns="0" anchor="ctr"/>
+          <a:p>
+            <a:pPr algn="ctr"/>
+            <a:endParaRPr/>
+          </a:p>
+        </p:txBody>
+      </p:sp>
+      <p:sp>
+        <p:nvSpPr>
+          <p:cNvPr id="145" name="PlaceHolder 2"/>
+          <p:cNvSpPr>
+            <a:spLocks noGrp="1"/>
+          </p:cNvSpPr>
+          <p:nvPr>
+            <p:ph type="body"/>
+          </p:nvPr>
+        </p:nvSpPr>
+        <p:spPr>
+          <a:xfrm>
+            <a:off x="457200" y="1654560"/>
+            <a:ext cx="8229600" cy="3977280"/>
           </a:xfrm>
           <a:prstGeom prst="rect">
             <a:avLst/>
@@ -2054,8 +3404,8 @@
         </p:nvSpPr>
         <p:spPr>
           <a:xfrm>
-            <a:off x="457200" y="274680"/>
-            <a:ext cx="8229240" cy="1142640"/>
+            <a:off x="457200" y="261000"/>
+            <a:ext cx="8229600" cy="1132200"/>
           </a:xfrm>
           <a:prstGeom prst="rect">
             <a:avLst/>
@@ -2064,6 +3414,7 @@
         <p:txBody>
           <a:bodyPr lIns="0" rIns="0" tIns="0" bIns="0" anchor="ctr"/>
           <a:p>
+            <a:pPr algn="ctr"/>
             <a:endParaRPr/>
           </a:p>
         </p:txBody>
@@ -2080,8 +3431,8 @@
         </p:nvSpPr>
         <p:spPr>
           <a:xfrm>
-            <a:off x="457200" y="1600200"/>
-            <a:ext cx="4015800" cy="4800240"/>
+            <a:off x="457200" y="1654560"/>
+            <a:ext cx="4015800" cy="3977280"/>
           </a:xfrm>
           <a:prstGeom prst="rect">
             <a:avLst/>
@@ -2106,8 +3457,8 @@
         </p:nvSpPr>
         <p:spPr>
           <a:xfrm>
-            <a:off x="4674240" y="1600200"/>
-            <a:ext cx="4015800" cy="4800240"/>
+            <a:off x="4674240" y="1654560"/>
+            <a:ext cx="4015800" cy="3977280"/>
           </a:xfrm>
           <a:prstGeom prst="rect">
             <a:avLst/>
@@ -2120,6 +3471,987 @@
           </a:p>
         </p:txBody>
       </p:sp>
+    </p:spTree>
+  </p:cSld>
+</p:sldLayout>
+</file>
+
+<file path=ppt/slideLayouts/slideLayout40.xml><?xml version="1.0" encoding="utf-8"?>
+<p:sldLayout xmlns:a="http://schemas.openxmlformats.org/drawingml/2006/main" xmlns:p="http://schemas.openxmlformats.org/presentationml/2006/main" xmlns:r="http://schemas.openxmlformats.org/officeDocument/2006/relationships" type="twoObj" preserve="1">
+  <p:cSld name="Title, 2 Content">
+    <p:spTree>
+      <p:nvGrpSpPr>
+        <p:cNvPr id="1" name=""/>
+        <p:cNvGrpSpPr/>
+        <p:nvPr/>
+      </p:nvGrpSpPr>
+      <p:grpSpPr>
+        <a:xfrm>
+          <a:off x="0" y="0"/>
+          <a:ext cx="0" cy="0"/>
+          <a:chOff x="0" y="0"/>
+          <a:chExt cx="0" cy="0"/>
+        </a:xfrm>
+      </p:grpSpPr>
+      <p:sp>
+        <p:nvSpPr>
+          <p:cNvPr id="146" name="PlaceHolder 1"/>
+          <p:cNvSpPr>
+            <a:spLocks noGrp="1"/>
+          </p:cNvSpPr>
+          <p:nvPr>
+            <p:ph type="title"/>
+          </p:nvPr>
+        </p:nvSpPr>
+        <p:spPr>
+          <a:xfrm>
+            <a:off x="457200" y="261000"/>
+            <a:ext cx="8229600" cy="1132200"/>
+          </a:xfrm>
+          <a:prstGeom prst="rect">
+            <a:avLst/>
+          </a:prstGeom>
+        </p:spPr>
+        <p:txBody>
+          <a:bodyPr lIns="0" rIns="0" tIns="0" bIns="0" anchor="ctr"/>
+          <a:p>
+            <a:pPr algn="ctr"/>
+            <a:endParaRPr/>
+          </a:p>
+        </p:txBody>
+      </p:sp>
+      <p:sp>
+        <p:nvSpPr>
+          <p:cNvPr id="147" name="PlaceHolder 2"/>
+          <p:cNvSpPr>
+            <a:spLocks noGrp="1"/>
+          </p:cNvSpPr>
+          <p:nvPr>
+            <p:ph type="body"/>
+          </p:nvPr>
+        </p:nvSpPr>
+        <p:spPr>
+          <a:xfrm>
+            <a:off x="457200" y="1654560"/>
+            <a:ext cx="4015800" cy="3977280"/>
+          </a:xfrm>
+          <a:prstGeom prst="rect">
+            <a:avLst/>
+          </a:prstGeom>
+        </p:spPr>
+        <p:txBody>
+          <a:bodyPr lIns="0" rIns="0" tIns="0" bIns="0"/>
+          <a:p>
+            <a:endParaRPr/>
+          </a:p>
+        </p:txBody>
+      </p:sp>
+      <p:sp>
+        <p:nvSpPr>
+          <p:cNvPr id="148" name="PlaceHolder 3"/>
+          <p:cNvSpPr>
+            <a:spLocks noGrp="1"/>
+          </p:cNvSpPr>
+          <p:nvPr>
+            <p:ph type="body"/>
+          </p:nvPr>
+        </p:nvSpPr>
+        <p:spPr>
+          <a:xfrm>
+            <a:off x="4674240" y="1654560"/>
+            <a:ext cx="4015800" cy="3977280"/>
+          </a:xfrm>
+          <a:prstGeom prst="rect">
+            <a:avLst/>
+          </a:prstGeom>
+        </p:spPr>
+        <p:txBody>
+          <a:bodyPr lIns="0" rIns="0" tIns="0" bIns="0"/>
+          <a:p>
+            <a:endParaRPr/>
+          </a:p>
+        </p:txBody>
+      </p:sp>
+    </p:spTree>
+  </p:cSld>
+</p:sldLayout>
+</file>
+
+<file path=ppt/slideLayouts/slideLayout41.xml><?xml version="1.0" encoding="utf-8"?>
+<p:sldLayout xmlns:a="http://schemas.openxmlformats.org/drawingml/2006/main" xmlns:p="http://schemas.openxmlformats.org/presentationml/2006/main" xmlns:r="http://schemas.openxmlformats.org/officeDocument/2006/relationships" type="titleOnly" preserve="1">
+  <p:cSld name="Title Only">
+    <p:spTree>
+      <p:nvGrpSpPr>
+        <p:cNvPr id="1" name=""/>
+        <p:cNvGrpSpPr/>
+        <p:nvPr/>
+      </p:nvGrpSpPr>
+      <p:grpSpPr>
+        <a:xfrm>
+          <a:off x="0" y="0"/>
+          <a:ext cx="0" cy="0"/>
+          <a:chOff x="0" y="0"/>
+          <a:chExt cx="0" cy="0"/>
+        </a:xfrm>
+      </p:grpSpPr>
+      <p:sp>
+        <p:nvSpPr>
+          <p:cNvPr id="149" name="PlaceHolder 1"/>
+          <p:cNvSpPr>
+            <a:spLocks noGrp="1"/>
+          </p:cNvSpPr>
+          <p:nvPr>
+            <p:ph type="title"/>
+          </p:nvPr>
+        </p:nvSpPr>
+        <p:spPr>
+          <a:xfrm>
+            <a:off x="457200" y="261000"/>
+            <a:ext cx="8229600" cy="1132200"/>
+          </a:xfrm>
+          <a:prstGeom prst="rect">
+            <a:avLst/>
+          </a:prstGeom>
+        </p:spPr>
+        <p:txBody>
+          <a:bodyPr lIns="0" rIns="0" tIns="0" bIns="0" anchor="ctr"/>
+          <a:p>
+            <a:pPr algn="ctr"/>
+            <a:endParaRPr/>
+          </a:p>
+        </p:txBody>
+      </p:sp>
+    </p:spTree>
+  </p:cSld>
+</p:sldLayout>
+</file>
+
+<file path=ppt/slideLayouts/slideLayout42.xml><?xml version="1.0" encoding="utf-8"?>
+<p:sldLayout xmlns:a="http://schemas.openxmlformats.org/drawingml/2006/main" xmlns:p="http://schemas.openxmlformats.org/presentationml/2006/main" xmlns:r="http://schemas.openxmlformats.org/officeDocument/2006/relationships" type="objOnly" preserve="1">
+  <p:cSld name="Centered Text">
+    <p:spTree>
+      <p:nvGrpSpPr>
+        <p:cNvPr id="1" name=""/>
+        <p:cNvGrpSpPr/>
+        <p:nvPr/>
+      </p:nvGrpSpPr>
+      <p:grpSpPr>
+        <a:xfrm>
+          <a:off x="0" y="0"/>
+          <a:ext cx="0" cy="0"/>
+          <a:chOff x="0" y="0"/>
+          <a:chExt cx="0" cy="0"/>
+        </a:xfrm>
+      </p:grpSpPr>
+      <p:sp>
+        <p:nvSpPr>
+          <p:cNvPr id="150" name="PlaceHolder 1"/>
+          <p:cNvSpPr>
+            <a:spLocks noGrp="1"/>
+          </p:cNvSpPr>
+          <p:nvPr>
+            <p:ph type="subTitle"/>
+          </p:nvPr>
+        </p:nvSpPr>
+        <p:spPr>
+          <a:xfrm>
+            <a:off x="457200" y="261000"/>
+            <a:ext cx="8229600" cy="5249520"/>
+          </a:xfrm>
+          <a:prstGeom prst="rect">
+            <a:avLst/>
+          </a:prstGeom>
+        </p:spPr>
+        <p:txBody>
+          <a:bodyPr lIns="0" rIns="0" tIns="0" bIns="0" anchor="ctr"/>
+          <a:p>
+            <a:pPr algn="ctr"/>
+            <a:endParaRPr/>
+          </a:p>
+        </p:txBody>
+      </p:sp>
+    </p:spTree>
+  </p:cSld>
+</p:sldLayout>
+</file>
+
+<file path=ppt/slideLayouts/slideLayout43.xml><?xml version="1.0" encoding="utf-8"?>
+<p:sldLayout xmlns:a="http://schemas.openxmlformats.org/drawingml/2006/main" xmlns:p="http://schemas.openxmlformats.org/presentationml/2006/main" xmlns:r="http://schemas.openxmlformats.org/officeDocument/2006/relationships" type="twoObjAndObj" preserve="1">
+  <p:cSld name="Title, 2 Content and Content">
+    <p:spTree>
+      <p:nvGrpSpPr>
+        <p:cNvPr id="1" name=""/>
+        <p:cNvGrpSpPr/>
+        <p:nvPr/>
+      </p:nvGrpSpPr>
+      <p:grpSpPr>
+        <a:xfrm>
+          <a:off x="0" y="0"/>
+          <a:ext cx="0" cy="0"/>
+          <a:chOff x="0" y="0"/>
+          <a:chExt cx="0" cy="0"/>
+        </a:xfrm>
+      </p:grpSpPr>
+      <p:sp>
+        <p:nvSpPr>
+          <p:cNvPr id="151" name="PlaceHolder 1"/>
+          <p:cNvSpPr>
+            <a:spLocks noGrp="1"/>
+          </p:cNvSpPr>
+          <p:nvPr>
+            <p:ph type="title"/>
+          </p:nvPr>
+        </p:nvSpPr>
+        <p:spPr>
+          <a:xfrm>
+            <a:off x="457200" y="261000"/>
+            <a:ext cx="8229600" cy="1132200"/>
+          </a:xfrm>
+          <a:prstGeom prst="rect">
+            <a:avLst/>
+          </a:prstGeom>
+        </p:spPr>
+        <p:txBody>
+          <a:bodyPr lIns="0" rIns="0" tIns="0" bIns="0" anchor="ctr"/>
+          <a:p>
+            <a:pPr algn="ctr"/>
+            <a:endParaRPr/>
+          </a:p>
+        </p:txBody>
+      </p:sp>
+      <p:sp>
+        <p:nvSpPr>
+          <p:cNvPr id="152" name="PlaceHolder 2"/>
+          <p:cNvSpPr>
+            <a:spLocks noGrp="1"/>
+          </p:cNvSpPr>
+          <p:nvPr>
+            <p:ph type="body"/>
+          </p:nvPr>
+        </p:nvSpPr>
+        <p:spPr>
+          <a:xfrm>
+            <a:off x="457200" y="1654560"/>
+            <a:ext cx="4015800" cy="1896840"/>
+          </a:xfrm>
+          <a:prstGeom prst="rect">
+            <a:avLst/>
+          </a:prstGeom>
+        </p:spPr>
+        <p:txBody>
+          <a:bodyPr lIns="0" rIns="0" tIns="0" bIns="0"/>
+          <a:p>
+            <a:endParaRPr/>
+          </a:p>
+        </p:txBody>
+      </p:sp>
+      <p:sp>
+        <p:nvSpPr>
+          <p:cNvPr id="153" name="PlaceHolder 3"/>
+          <p:cNvSpPr>
+            <a:spLocks noGrp="1"/>
+          </p:cNvSpPr>
+          <p:nvPr>
+            <p:ph type="body"/>
+          </p:nvPr>
+        </p:nvSpPr>
+        <p:spPr>
+          <a:xfrm>
+            <a:off x="457200" y="3732120"/>
+            <a:ext cx="4015800" cy="1896840"/>
+          </a:xfrm>
+          <a:prstGeom prst="rect">
+            <a:avLst/>
+          </a:prstGeom>
+        </p:spPr>
+        <p:txBody>
+          <a:bodyPr lIns="0" rIns="0" tIns="0" bIns="0"/>
+          <a:p>
+            <a:endParaRPr/>
+          </a:p>
+        </p:txBody>
+      </p:sp>
+      <p:sp>
+        <p:nvSpPr>
+          <p:cNvPr id="154" name="PlaceHolder 4"/>
+          <p:cNvSpPr>
+            <a:spLocks noGrp="1"/>
+          </p:cNvSpPr>
+          <p:nvPr>
+            <p:ph type="body"/>
+          </p:nvPr>
+        </p:nvSpPr>
+        <p:spPr>
+          <a:xfrm>
+            <a:off x="4674240" y="1654560"/>
+            <a:ext cx="4015800" cy="3977280"/>
+          </a:xfrm>
+          <a:prstGeom prst="rect">
+            <a:avLst/>
+          </a:prstGeom>
+        </p:spPr>
+        <p:txBody>
+          <a:bodyPr lIns="0" rIns="0" tIns="0" bIns="0"/>
+          <a:p>
+            <a:endParaRPr/>
+          </a:p>
+        </p:txBody>
+      </p:sp>
+    </p:spTree>
+  </p:cSld>
+</p:sldLayout>
+</file>
+
+<file path=ppt/slideLayouts/slideLayout44.xml><?xml version="1.0" encoding="utf-8"?>
+<p:sldLayout xmlns:a="http://schemas.openxmlformats.org/drawingml/2006/main" xmlns:p="http://schemas.openxmlformats.org/presentationml/2006/main" xmlns:r="http://schemas.openxmlformats.org/officeDocument/2006/relationships" type="objAndTwoObj" preserve="1">
+  <p:cSld name="Title Content and 2 Content">
+    <p:spTree>
+      <p:nvGrpSpPr>
+        <p:cNvPr id="1" name=""/>
+        <p:cNvGrpSpPr/>
+        <p:nvPr/>
+      </p:nvGrpSpPr>
+      <p:grpSpPr>
+        <a:xfrm>
+          <a:off x="0" y="0"/>
+          <a:ext cx="0" cy="0"/>
+          <a:chOff x="0" y="0"/>
+          <a:chExt cx="0" cy="0"/>
+        </a:xfrm>
+      </p:grpSpPr>
+      <p:sp>
+        <p:nvSpPr>
+          <p:cNvPr id="155" name="PlaceHolder 1"/>
+          <p:cNvSpPr>
+            <a:spLocks noGrp="1"/>
+          </p:cNvSpPr>
+          <p:nvPr>
+            <p:ph type="title"/>
+          </p:nvPr>
+        </p:nvSpPr>
+        <p:spPr>
+          <a:xfrm>
+            <a:off x="457200" y="261000"/>
+            <a:ext cx="8229600" cy="1132200"/>
+          </a:xfrm>
+          <a:prstGeom prst="rect">
+            <a:avLst/>
+          </a:prstGeom>
+        </p:spPr>
+        <p:txBody>
+          <a:bodyPr lIns="0" rIns="0" tIns="0" bIns="0" anchor="ctr"/>
+          <a:p>
+            <a:pPr algn="ctr"/>
+            <a:endParaRPr/>
+          </a:p>
+        </p:txBody>
+      </p:sp>
+      <p:sp>
+        <p:nvSpPr>
+          <p:cNvPr id="156" name="PlaceHolder 2"/>
+          <p:cNvSpPr>
+            <a:spLocks noGrp="1"/>
+          </p:cNvSpPr>
+          <p:nvPr>
+            <p:ph type="body"/>
+          </p:nvPr>
+        </p:nvSpPr>
+        <p:spPr>
+          <a:xfrm>
+            <a:off x="457200" y="1654560"/>
+            <a:ext cx="4015800" cy="3977280"/>
+          </a:xfrm>
+          <a:prstGeom prst="rect">
+            <a:avLst/>
+          </a:prstGeom>
+        </p:spPr>
+        <p:txBody>
+          <a:bodyPr lIns="0" rIns="0" tIns="0" bIns="0"/>
+          <a:p>
+            <a:endParaRPr/>
+          </a:p>
+        </p:txBody>
+      </p:sp>
+      <p:sp>
+        <p:nvSpPr>
+          <p:cNvPr id="157" name="PlaceHolder 3"/>
+          <p:cNvSpPr>
+            <a:spLocks noGrp="1"/>
+          </p:cNvSpPr>
+          <p:nvPr>
+            <p:ph type="body"/>
+          </p:nvPr>
+        </p:nvSpPr>
+        <p:spPr>
+          <a:xfrm>
+            <a:off x="4674240" y="1654560"/>
+            <a:ext cx="4015800" cy="1896840"/>
+          </a:xfrm>
+          <a:prstGeom prst="rect">
+            <a:avLst/>
+          </a:prstGeom>
+        </p:spPr>
+        <p:txBody>
+          <a:bodyPr lIns="0" rIns="0" tIns="0" bIns="0"/>
+          <a:p>
+            <a:endParaRPr/>
+          </a:p>
+        </p:txBody>
+      </p:sp>
+      <p:sp>
+        <p:nvSpPr>
+          <p:cNvPr id="158" name="PlaceHolder 4"/>
+          <p:cNvSpPr>
+            <a:spLocks noGrp="1"/>
+          </p:cNvSpPr>
+          <p:nvPr>
+            <p:ph type="body"/>
+          </p:nvPr>
+        </p:nvSpPr>
+        <p:spPr>
+          <a:xfrm>
+            <a:off x="4674240" y="3732120"/>
+            <a:ext cx="4015800" cy="1896840"/>
+          </a:xfrm>
+          <a:prstGeom prst="rect">
+            <a:avLst/>
+          </a:prstGeom>
+        </p:spPr>
+        <p:txBody>
+          <a:bodyPr lIns="0" rIns="0" tIns="0" bIns="0"/>
+          <a:p>
+            <a:endParaRPr/>
+          </a:p>
+        </p:txBody>
+      </p:sp>
+    </p:spTree>
+  </p:cSld>
+</p:sldLayout>
+</file>
+
+<file path=ppt/slideLayouts/slideLayout45.xml><?xml version="1.0" encoding="utf-8"?>
+<p:sldLayout xmlns:a="http://schemas.openxmlformats.org/drawingml/2006/main" xmlns:p="http://schemas.openxmlformats.org/presentationml/2006/main" xmlns:r="http://schemas.openxmlformats.org/officeDocument/2006/relationships" type="twoObjOverTx" preserve="1">
+  <p:cSld name="Title, 2 Content over Content">
+    <p:spTree>
+      <p:nvGrpSpPr>
+        <p:cNvPr id="1" name=""/>
+        <p:cNvGrpSpPr/>
+        <p:nvPr/>
+      </p:nvGrpSpPr>
+      <p:grpSpPr>
+        <a:xfrm>
+          <a:off x="0" y="0"/>
+          <a:ext cx="0" cy="0"/>
+          <a:chOff x="0" y="0"/>
+          <a:chExt cx="0" cy="0"/>
+        </a:xfrm>
+      </p:grpSpPr>
+      <p:sp>
+        <p:nvSpPr>
+          <p:cNvPr id="159" name="PlaceHolder 1"/>
+          <p:cNvSpPr>
+            <a:spLocks noGrp="1"/>
+          </p:cNvSpPr>
+          <p:nvPr>
+            <p:ph type="title"/>
+          </p:nvPr>
+        </p:nvSpPr>
+        <p:spPr>
+          <a:xfrm>
+            <a:off x="457200" y="261000"/>
+            <a:ext cx="8229600" cy="1132200"/>
+          </a:xfrm>
+          <a:prstGeom prst="rect">
+            <a:avLst/>
+          </a:prstGeom>
+        </p:spPr>
+        <p:txBody>
+          <a:bodyPr lIns="0" rIns="0" tIns="0" bIns="0" anchor="ctr"/>
+          <a:p>
+            <a:pPr algn="ctr"/>
+            <a:endParaRPr/>
+          </a:p>
+        </p:txBody>
+      </p:sp>
+      <p:sp>
+        <p:nvSpPr>
+          <p:cNvPr id="160" name="PlaceHolder 2"/>
+          <p:cNvSpPr>
+            <a:spLocks noGrp="1"/>
+          </p:cNvSpPr>
+          <p:nvPr>
+            <p:ph type="body"/>
+          </p:nvPr>
+        </p:nvSpPr>
+        <p:spPr>
+          <a:xfrm>
+            <a:off x="457200" y="1654560"/>
+            <a:ext cx="4015800" cy="1896840"/>
+          </a:xfrm>
+          <a:prstGeom prst="rect">
+            <a:avLst/>
+          </a:prstGeom>
+        </p:spPr>
+        <p:txBody>
+          <a:bodyPr lIns="0" rIns="0" tIns="0" bIns="0"/>
+          <a:p>
+            <a:endParaRPr/>
+          </a:p>
+        </p:txBody>
+      </p:sp>
+      <p:sp>
+        <p:nvSpPr>
+          <p:cNvPr id="161" name="PlaceHolder 3"/>
+          <p:cNvSpPr>
+            <a:spLocks noGrp="1"/>
+          </p:cNvSpPr>
+          <p:nvPr>
+            <p:ph type="body"/>
+          </p:nvPr>
+        </p:nvSpPr>
+        <p:spPr>
+          <a:xfrm>
+            <a:off x="4674240" y="1654560"/>
+            <a:ext cx="4015800" cy="1896840"/>
+          </a:xfrm>
+          <a:prstGeom prst="rect">
+            <a:avLst/>
+          </a:prstGeom>
+        </p:spPr>
+        <p:txBody>
+          <a:bodyPr lIns="0" rIns="0" tIns="0" bIns="0"/>
+          <a:p>
+            <a:endParaRPr/>
+          </a:p>
+        </p:txBody>
+      </p:sp>
+      <p:sp>
+        <p:nvSpPr>
+          <p:cNvPr id="162" name="PlaceHolder 4"/>
+          <p:cNvSpPr>
+            <a:spLocks noGrp="1"/>
+          </p:cNvSpPr>
+          <p:nvPr>
+            <p:ph type="body"/>
+          </p:nvPr>
+        </p:nvSpPr>
+        <p:spPr>
+          <a:xfrm>
+            <a:off x="457200" y="3732120"/>
+            <a:ext cx="8229600" cy="1896840"/>
+          </a:xfrm>
+          <a:prstGeom prst="rect">
+            <a:avLst/>
+          </a:prstGeom>
+        </p:spPr>
+        <p:txBody>
+          <a:bodyPr lIns="0" rIns="0" tIns="0" bIns="0"/>
+          <a:p>
+            <a:endParaRPr/>
+          </a:p>
+        </p:txBody>
+      </p:sp>
+    </p:spTree>
+  </p:cSld>
+</p:sldLayout>
+</file>
+
+<file path=ppt/slideLayouts/slideLayout46.xml><?xml version="1.0" encoding="utf-8"?>
+<p:sldLayout xmlns:a="http://schemas.openxmlformats.org/drawingml/2006/main" xmlns:p="http://schemas.openxmlformats.org/presentationml/2006/main" xmlns:r="http://schemas.openxmlformats.org/officeDocument/2006/relationships" type="objOverTx" preserve="1">
+  <p:cSld name="Title, Content over Content">
+    <p:spTree>
+      <p:nvGrpSpPr>
+        <p:cNvPr id="1" name=""/>
+        <p:cNvGrpSpPr/>
+        <p:nvPr/>
+      </p:nvGrpSpPr>
+      <p:grpSpPr>
+        <a:xfrm>
+          <a:off x="0" y="0"/>
+          <a:ext cx="0" cy="0"/>
+          <a:chOff x="0" y="0"/>
+          <a:chExt cx="0" cy="0"/>
+        </a:xfrm>
+      </p:grpSpPr>
+      <p:sp>
+        <p:nvSpPr>
+          <p:cNvPr id="163" name="PlaceHolder 1"/>
+          <p:cNvSpPr>
+            <a:spLocks noGrp="1"/>
+          </p:cNvSpPr>
+          <p:nvPr>
+            <p:ph type="title"/>
+          </p:nvPr>
+        </p:nvSpPr>
+        <p:spPr>
+          <a:xfrm>
+            <a:off x="457200" y="261000"/>
+            <a:ext cx="8229600" cy="1132200"/>
+          </a:xfrm>
+          <a:prstGeom prst="rect">
+            <a:avLst/>
+          </a:prstGeom>
+        </p:spPr>
+        <p:txBody>
+          <a:bodyPr lIns="0" rIns="0" tIns="0" bIns="0" anchor="ctr"/>
+          <a:p>
+            <a:pPr algn="ctr"/>
+            <a:endParaRPr/>
+          </a:p>
+        </p:txBody>
+      </p:sp>
+      <p:sp>
+        <p:nvSpPr>
+          <p:cNvPr id="164" name="PlaceHolder 2"/>
+          <p:cNvSpPr>
+            <a:spLocks noGrp="1"/>
+          </p:cNvSpPr>
+          <p:nvPr>
+            <p:ph type="body"/>
+          </p:nvPr>
+        </p:nvSpPr>
+        <p:spPr>
+          <a:xfrm>
+            <a:off x="457200" y="1654560"/>
+            <a:ext cx="8229600" cy="1896840"/>
+          </a:xfrm>
+          <a:prstGeom prst="rect">
+            <a:avLst/>
+          </a:prstGeom>
+        </p:spPr>
+        <p:txBody>
+          <a:bodyPr lIns="0" rIns="0" tIns="0" bIns="0"/>
+          <a:p>
+            <a:endParaRPr/>
+          </a:p>
+        </p:txBody>
+      </p:sp>
+      <p:sp>
+        <p:nvSpPr>
+          <p:cNvPr id="165" name="PlaceHolder 3"/>
+          <p:cNvSpPr>
+            <a:spLocks noGrp="1"/>
+          </p:cNvSpPr>
+          <p:nvPr>
+            <p:ph type="body"/>
+          </p:nvPr>
+        </p:nvSpPr>
+        <p:spPr>
+          <a:xfrm>
+            <a:off x="457200" y="3732120"/>
+            <a:ext cx="8229600" cy="1896840"/>
+          </a:xfrm>
+          <a:prstGeom prst="rect">
+            <a:avLst/>
+          </a:prstGeom>
+        </p:spPr>
+        <p:txBody>
+          <a:bodyPr lIns="0" rIns="0" tIns="0" bIns="0"/>
+          <a:p>
+            <a:endParaRPr/>
+          </a:p>
+        </p:txBody>
+      </p:sp>
+    </p:spTree>
+  </p:cSld>
+</p:sldLayout>
+</file>
+
+<file path=ppt/slideLayouts/slideLayout47.xml><?xml version="1.0" encoding="utf-8"?>
+<p:sldLayout xmlns:a="http://schemas.openxmlformats.org/drawingml/2006/main" xmlns:p="http://schemas.openxmlformats.org/presentationml/2006/main" xmlns:r="http://schemas.openxmlformats.org/officeDocument/2006/relationships" type="fourObj" preserve="1">
+  <p:cSld name="Title, 4 Content">
+    <p:spTree>
+      <p:nvGrpSpPr>
+        <p:cNvPr id="1" name=""/>
+        <p:cNvGrpSpPr/>
+        <p:nvPr/>
+      </p:nvGrpSpPr>
+      <p:grpSpPr>
+        <a:xfrm>
+          <a:off x="0" y="0"/>
+          <a:ext cx="0" cy="0"/>
+          <a:chOff x="0" y="0"/>
+          <a:chExt cx="0" cy="0"/>
+        </a:xfrm>
+      </p:grpSpPr>
+      <p:sp>
+        <p:nvSpPr>
+          <p:cNvPr id="166" name="PlaceHolder 1"/>
+          <p:cNvSpPr>
+            <a:spLocks noGrp="1"/>
+          </p:cNvSpPr>
+          <p:nvPr>
+            <p:ph type="title"/>
+          </p:nvPr>
+        </p:nvSpPr>
+        <p:spPr>
+          <a:xfrm>
+            <a:off x="457200" y="261000"/>
+            <a:ext cx="8229600" cy="1132200"/>
+          </a:xfrm>
+          <a:prstGeom prst="rect">
+            <a:avLst/>
+          </a:prstGeom>
+        </p:spPr>
+        <p:txBody>
+          <a:bodyPr lIns="0" rIns="0" tIns="0" bIns="0" anchor="ctr"/>
+          <a:p>
+            <a:pPr algn="ctr"/>
+            <a:endParaRPr/>
+          </a:p>
+        </p:txBody>
+      </p:sp>
+      <p:sp>
+        <p:nvSpPr>
+          <p:cNvPr id="167" name="PlaceHolder 2"/>
+          <p:cNvSpPr>
+            <a:spLocks noGrp="1"/>
+          </p:cNvSpPr>
+          <p:nvPr>
+            <p:ph type="body"/>
+          </p:nvPr>
+        </p:nvSpPr>
+        <p:spPr>
+          <a:xfrm>
+            <a:off x="457200" y="1654560"/>
+            <a:ext cx="4015800" cy="1896840"/>
+          </a:xfrm>
+          <a:prstGeom prst="rect">
+            <a:avLst/>
+          </a:prstGeom>
+        </p:spPr>
+        <p:txBody>
+          <a:bodyPr lIns="0" rIns="0" tIns="0" bIns="0"/>
+          <a:p>
+            <a:endParaRPr/>
+          </a:p>
+        </p:txBody>
+      </p:sp>
+      <p:sp>
+        <p:nvSpPr>
+          <p:cNvPr id="168" name="PlaceHolder 3"/>
+          <p:cNvSpPr>
+            <a:spLocks noGrp="1"/>
+          </p:cNvSpPr>
+          <p:nvPr>
+            <p:ph type="body"/>
+          </p:nvPr>
+        </p:nvSpPr>
+        <p:spPr>
+          <a:xfrm>
+            <a:off x="4674240" y="1654560"/>
+            <a:ext cx="4015800" cy="1896840"/>
+          </a:xfrm>
+          <a:prstGeom prst="rect">
+            <a:avLst/>
+          </a:prstGeom>
+        </p:spPr>
+        <p:txBody>
+          <a:bodyPr lIns="0" rIns="0" tIns="0" bIns="0"/>
+          <a:p>
+            <a:endParaRPr/>
+          </a:p>
+        </p:txBody>
+      </p:sp>
+      <p:sp>
+        <p:nvSpPr>
+          <p:cNvPr id="169" name="PlaceHolder 4"/>
+          <p:cNvSpPr>
+            <a:spLocks noGrp="1"/>
+          </p:cNvSpPr>
+          <p:nvPr>
+            <p:ph type="body"/>
+          </p:nvPr>
+        </p:nvSpPr>
+        <p:spPr>
+          <a:xfrm>
+            <a:off x="4674240" y="3732120"/>
+            <a:ext cx="4015800" cy="1896840"/>
+          </a:xfrm>
+          <a:prstGeom prst="rect">
+            <a:avLst/>
+          </a:prstGeom>
+        </p:spPr>
+        <p:txBody>
+          <a:bodyPr lIns="0" rIns="0" tIns="0" bIns="0"/>
+          <a:p>
+            <a:endParaRPr/>
+          </a:p>
+        </p:txBody>
+      </p:sp>
+      <p:sp>
+        <p:nvSpPr>
+          <p:cNvPr id="170" name="PlaceHolder 5"/>
+          <p:cNvSpPr>
+            <a:spLocks noGrp="1"/>
+          </p:cNvSpPr>
+          <p:nvPr>
+            <p:ph type="body"/>
+          </p:nvPr>
+        </p:nvSpPr>
+        <p:spPr>
+          <a:xfrm>
+            <a:off x="457200" y="3732120"/>
+            <a:ext cx="4015800" cy="1896840"/>
+          </a:xfrm>
+          <a:prstGeom prst="rect">
+            <a:avLst/>
+          </a:prstGeom>
+        </p:spPr>
+        <p:txBody>
+          <a:bodyPr lIns="0" rIns="0" tIns="0" bIns="0"/>
+          <a:p>
+            <a:endParaRPr/>
+          </a:p>
+        </p:txBody>
+      </p:sp>
+    </p:spTree>
+  </p:cSld>
+</p:sldLayout>
+</file>
+
+<file path=ppt/slideLayouts/slideLayout48.xml><?xml version="1.0" encoding="utf-8"?>
+<p:sldLayout xmlns:a="http://schemas.openxmlformats.org/drawingml/2006/main" xmlns:p="http://schemas.openxmlformats.org/presentationml/2006/main" xmlns:r="http://schemas.openxmlformats.org/officeDocument/2006/relationships" type="blank" preserve="1">
+  <p:cSld name="Title, 6 Content">
+    <p:spTree>
+      <p:nvGrpSpPr>
+        <p:cNvPr id="1" name=""/>
+        <p:cNvGrpSpPr/>
+        <p:nvPr/>
+      </p:nvGrpSpPr>
+      <p:grpSpPr>
+        <a:xfrm>
+          <a:off x="0" y="0"/>
+          <a:ext cx="0" cy="0"/>
+          <a:chOff x="0" y="0"/>
+          <a:chExt cx="0" cy="0"/>
+        </a:xfrm>
+      </p:grpSpPr>
+      <p:sp>
+        <p:nvSpPr>
+          <p:cNvPr id="171" name="PlaceHolder 1"/>
+          <p:cNvSpPr>
+            <a:spLocks noGrp="1"/>
+          </p:cNvSpPr>
+          <p:nvPr>
+            <p:ph type="title"/>
+          </p:nvPr>
+        </p:nvSpPr>
+        <p:spPr>
+          <a:xfrm>
+            <a:off x="457200" y="261000"/>
+            <a:ext cx="8229600" cy="1132200"/>
+          </a:xfrm>
+          <a:prstGeom prst="rect">
+            <a:avLst/>
+          </a:prstGeom>
+        </p:spPr>
+        <p:txBody>
+          <a:bodyPr lIns="0" rIns="0" tIns="0" bIns="0" anchor="ctr"/>
+          <a:p>
+            <a:pPr algn="ctr"/>
+            <a:endParaRPr/>
+          </a:p>
+        </p:txBody>
+      </p:sp>
+      <p:sp>
+        <p:nvSpPr>
+          <p:cNvPr id="172" name="PlaceHolder 2"/>
+          <p:cNvSpPr>
+            <a:spLocks noGrp="1"/>
+          </p:cNvSpPr>
+          <p:nvPr>
+            <p:ph type="body"/>
+          </p:nvPr>
+        </p:nvSpPr>
+        <p:spPr>
+          <a:xfrm>
+            <a:off x="457200" y="1654560"/>
+            <a:ext cx="8229600" cy="3977280"/>
+          </a:xfrm>
+          <a:prstGeom prst="rect">
+            <a:avLst/>
+          </a:prstGeom>
+        </p:spPr>
+        <p:txBody>
+          <a:bodyPr lIns="0" rIns="0" tIns="0" bIns="0"/>
+          <a:p>
+            <a:endParaRPr/>
+          </a:p>
+        </p:txBody>
+      </p:sp>
+      <p:sp>
+        <p:nvSpPr>
+          <p:cNvPr id="173" name="PlaceHolder 3"/>
+          <p:cNvSpPr>
+            <a:spLocks noGrp="1"/>
+          </p:cNvSpPr>
+          <p:nvPr>
+            <p:ph type="body"/>
+          </p:nvPr>
+        </p:nvSpPr>
+        <p:spPr>
+          <a:xfrm>
+            <a:off x="457200" y="1654560"/>
+            <a:ext cx="8229600" cy="3977280"/>
+          </a:xfrm>
+          <a:prstGeom prst="rect">
+            <a:avLst/>
+          </a:prstGeom>
+        </p:spPr>
+        <p:txBody>
+          <a:bodyPr lIns="0" rIns="0" tIns="0" bIns="0"/>
+          <a:p>
+            <a:endParaRPr/>
+          </a:p>
+        </p:txBody>
+      </p:sp>
+      <p:pic>
+        <p:nvPicPr>
+          <p:cNvPr id="174" name="" descr=""/>
+          <p:cNvPicPr/>
+          <p:nvPr/>
+        </p:nvPicPr>
+        <p:blipFill>
+          <a:blip r:embed="rId2"/>
+          <a:stretch/>
+        </p:blipFill>
+        <p:spPr>
+          <a:xfrm>
+            <a:off x="2079360" y="1654560"/>
+            <a:ext cx="4984920" cy="3977280"/>
+          </a:xfrm>
+          <a:prstGeom prst="rect">
+            <a:avLst/>
+          </a:prstGeom>
+          <a:ln>
+            <a:noFill/>
+          </a:ln>
+        </p:spPr>
+      </p:pic>
+      <p:pic>
+        <p:nvPicPr>
+          <p:cNvPr id="175" name="" descr=""/>
+          <p:cNvPicPr/>
+          <p:nvPr/>
+        </p:nvPicPr>
+        <p:blipFill>
+          <a:blip r:embed="rId3"/>
+          <a:stretch/>
+        </p:blipFill>
+        <p:spPr>
+          <a:xfrm>
+            <a:off x="2079360" y="1654560"/>
+            <a:ext cx="4984920" cy="3977280"/>
+          </a:xfrm>
+          <a:prstGeom prst="rect">
+            <a:avLst/>
+          </a:prstGeom>
+          <a:ln>
+            <a:noFill/>
+          </a:ln>
+        </p:spPr>
+      </p:pic>
     </p:spTree>
   </p:cSld>
 </p:sldLayout>
@@ -2154,8 +4486,8 @@
         </p:nvSpPr>
         <p:spPr>
           <a:xfrm>
-            <a:off x="457200" y="274680"/>
-            <a:ext cx="8229240" cy="1142640"/>
+            <a:off x="457200" y="261000"/>
+            <a:ext cx="8229600" cy="1132200"/>
           </a:xfrm>
           <a:prstGeom prst="rect">
             <a:avLst/>
@@ -2164,6 +4496,7 @@
         <p:txBody>
           <a:bodyPr lIns="0" rIns="0" tIns="0" bIns="0" anchor="ctr"/>
           <a:p>
+            <a:pPr algn="ctr"/>
             <a:endParaRPr/>
           </a:p>
         </p:txBody>
@@ -2202,8 +4535,8 @@
         </p:nvSpPr>
         <p:spPr>
           <a:xfrm>
-            <a:off x="457200" y="274680"/>
-            <a:ext cx="8229240" cy="5297760"/>
+            <a:off x="457200" y="261000"/>
+            <a:ext cx="8229600" cy="5249520"/>
           </a:xfrm>
           <a:prstGeom prst="rect">
             <a:avLst/>
@@ -2251,8 +4584,8 @@
         </p:nvSpPr>
         <p:spPr>
           <a:xfrm>
-            <a:off x="457200" y="274680"/>
-            <a:ext cx="8229240" cy="1142640"/>
+            <a:off x="457200" y="261000"/>
+            <a:ext cx="8229600" cy="1132200"/>
           </a:xfrm>
           <a:prstGeom prst="rect">
             <a:avLst/>
@@ -2261,6 +4594,7 @@
         <p:txBody>
           <a:bodyPr lIns="0" rIns="0" tIns="0" bIns="0" anchor="ctr"/>
           <a:p>
+            <a:pPr algn="ctr"/>
             <a:endParaRPr/>
           </a:p>
         </p:txBody>
@@ -2277,8 +4611,8 @@
         </p:nvSpPr>
         <p:spPr>
           <a:xfrm>
-            <a:off x="457200" y="1600200"/>
-            <a:ext cx="4015800" cy="2289600"/>
+            <a:off x="457200" y="1654560"/>
+            <a:ext cx="4015800" cy="1896840"/>
           </a:xfrm>
           <a:prstGeom prst="rect">
             <a:avLst/>
@@ -2303,8 +4637,8 @@
         </p:nvSpPr>
         <p:spPr>
           <a:xfrm>
-            <a:off x="457200" y="4107600"/>
-            <a:ext cx="4015800" cy="2289600"/>
+            <a:off x="457200" y="3732120"/>
+            <a:ext cx="4015800" cy="1896840"/>
           </a:xfrm>
           <a:prstGeom prst="rect">
             <a:avLst/>
@@ -2329,8 +4663,8 @@
         </p:nvSpPr>
         <p:spPr>
           <a:xfrm>
-            <a:off x="4674240" y="1600200"/>
-            <a:ext cx="4015800" cy="4800240"/>
+            <a:off x="4674240" y="1654560"/>
+            <a:ext cx="4015800" cy="3977280"/>
           </a:xfrm>
           <a:prstGeom prst="rect">
             <a:avLst/>
@@ -2377,8 +4711,8 @@
         </p:nvSpPr>
         <p:spPr>
           <a:xfrm>
-            <a:off x="457200" y="274680"/>
-            <a:ext cx="8229240" cy="1142640"/>
+            <a:off x="457200" y="261000"/>
+            <a:ext cx="8229600" cy="1132200"/>
           </a:xfrm>
           <a:prstGeom prst="rect">
             <a:avLst/>
@@ -2387,6 +4721,7 @@
         <p:txBody>
           <a:bodyPr lIns="0" rIns="0" tIns="0" bIns="0" anchor="ctr"/>
           <a:p>
+            <a:pPr algn="ctr"/>
             <a:endParaRPr/>
           </a:p>
         </p:txBody>
@@ -2403,8 +4738,8 @@
         </p:nvSpPr>
         <p:spPr>
           <a:xfrm>
-            <a:off x="457200" y="1600200"/>
-            <a:ext cx="4015800" cy="4800240"/>
+            <a:off x="457200" y="1654560"/>
+            <a:ext cx="4015800" cy="3977280"/>
           </a:xfrm>
           <a:prstGeom prst="rect">
             <a:avLst/>
@@ -2429,8 +4764,8 @@
         </p:nvSpPr>
         <p:spPr>
           <a:xfrm>
-            <a:off x="4674240" y="1600200"/>
-            <a:ext cx="4015800" cy="2289600"/>
+            <a:off x="4674240" y="1654560"/>
+            <a:ext cx="4015800" cy="1896840"/>
           </a:xfrm>
           <a:prstGeom prst="rect">
             <a:avLst/>
@@ -2455,8 +4790,8 @@
         </p:nvSpPr>
         <p:spPr>
           <a:xfrm>
-            <a:off x="4674240" y="4107600"/>
-            <a:ext cx="4015800" cy="2289600"/>
+            <a:off x="4674240" y="3732120"/>
+            <a:ext cx="4015800" cy="1896840"/>
           </a:xfrm>
           <a:prstGeom prst="rect">
             <a:avLst/>
@@ -2503,8 +4838,8 @@
         </p:nvSpPr>
         <p:spPr>
           <a:xfrm>
-            <a:off x="457200" y="274680"/>
-            <a:ext cx="8229240" cy="1142640"/>
+            <a:off x="457200" y="261000"/>
+            <a:ext cx="8229600" cy="1132200"/>
           </a:xfrm>
           <a:prstGeom prst="rect">
             <a:avLst/>
@@ -2513,6 +4848,7 @@
         <p:txBody>
           <a:bodyPr lIns="0" rIns="0" tIns="0" bIns="0" anchor="ctr"/>
           <a:p>
+            <a:pPr algn="ctr"/>
             <a:endParaRPr/>
           </a:p>
         </p:txBody>
@@ -2529,8 +4865,8 @@
         </p:nvSpPr>
         <p:spPr>
           <a:xfrm>
-            <a:off x="457200" y="1600200"/>
-            <a:ext cx="4015800" cy="2289600"/>
+            <a:off x="457200" y="1654560"/>
+            <a:ext cx="4015800" cy="1896840"/>
           </a:xfrm>
           <a:prstGeom prst="rect">
             <a:avLst/>
@@ -2555,8 +4891,8 @@
         </p:nvSpPr>
         <p:spPr>
           <a:xfrm>
-            <a:off x="4674240" y="1600200"/>
-            <a:ext cx="4015800" cy="2289600"/>
+            <a:off x="4674240" y="1654560"/>
+            <a:ext cx="4015800" cy="1896840"/>
           </a:xfrm>
           <a:prstGeom prst="rect">
             <a:avLst/>
@@ -2581,8 +4917,8 @@
         </p:nvSpPr>
         <p:spPr>
           <a:xfrm>
-            <a:off x="457200" y="4107600"/>
-            <a:ext cx="8229240" cy="2289600"/>
+            <a:off x="457200" y="3732120"/>
+            <a:ext cx="8229600" cy="1896840"/>
           </a:xfrm>
           <a:prstGeom prst="rect">
             <a:avLst/>
@@ -2633,7 +4969,7 @@
         <p:spPr>
           <a:xfrm>
             <a:off x="2743200" y="4197240"/>
-            <a:ext cx="4574880" cy="2652480"/>
+            <a:ext cx="4574520" cy="2652120"/>
           </a:xfrm>
           <a:custGeom>
             <a:avLst/>
@@ -2975,7 +5311,7 @@
         <p:spPr>
           <a:xfrm>
             <a:off x="6620040" y="4240080"/>
-            <a:ext cx="1998360" cy="1287000"/>
+            <a:ext cx="1998000" cy="1286640"/>
           </a:xfrm>
           <a:custGeom>
             <a:avLst/>
@@ -3206,7 +5542,7 @@
         <p:spPr>
           <a:xfrm>
             <a:off x="4603680" y="5311800"/>
-            <a:ext cx="4522320" cy="1537920"/>
+            <a:ext cx="4521960" cy="1537560"/>
           </a:xfrm>
           <a:custGeom>
             <a:avLst/>
@@ -3377,7 +5713,7 @@
         <p:spPr>
           <a:xfrm>
             <a:off x="4362480" y="3540240"/>
-            <a:ext cx="4773240" cy="3309480"/>
+            <a:ext cx="4772880" cy="3309120"/>
           </a:xfrm>
           <a:custGeom>
             <a:avLst/>
@@ -3758,7 +6094,7 @@
         <p:spPr>
           <a:xfrm>
             <a:off x="7145280" y="3678120"/>
-            <a:ext cx="1980720" cy="855360"/>
+            <a:ext cx="1980360" cy="855000"/>
           </a:xfrm>
           <a:custGeom>
             <a:avLst/>
@@ -3938,7 +6274,7 @@
         <p:spPr>
           <a:xfrm>
             <a:off x="5273640" y="2128680"/>
-            <a:ext cx="2896920" cy="2439720"/>
+            <a:ext cx="2896560" cy="2439360"/>
           </a:xfrm>
           <a:custGeom>
             <a:avLst/>
@@ -4271,7 +6607,7 @@
         <p:spPr>
           <a:xfrm>
             <a:off x="0" y="0"/>
-            <a:ext cx="9140400" cy="2819160"/>
+            <a:ext cx="9140040" cy="2818800"/>
           </a:xfrm>
           <a:custGeom>
             <a:avLst/>
@@ -4337,7 +6673,7 @@
         <p:spPr>
           <a:xfrm>
             <a:off x="127080" y="6135840"/>
-            <a:ext cx="1352160" cy="676080"/>
+            <a:ext cx="1351800" cy="675720"/>
           </a:xfrm>
           <a:prstGeom prst="rect">
             <a:avLst/>
@@ -4356,7 +6692,7 @@
         <p:spPr>
           <a:xfrm>
             <a:off x="2743200" y="4197240"/>
-            <a:ext cx="4574880" cy="2652480"/>
+            <a:ext cx="4574520" cy="2652120"/>
           </a:xfrm>
           <a:custGeom>
             <a:avLst/>
@@ -4698,7 +7034,7 @@
         <p:spPr>
           <a:xfrm>
             <a:off x="6620040" y="4240080"/>
-            <a:ext cx="1998360" cy="1287000"/>
+            <a:ext cx="1998000" cy="1286640"/>
           </a:xfrm>
           <a:custGeom>
             <a:avLst/>
@@ -4929,7 +7265,7 @@
         <p:spPr>
           <a:xfrm>
             <a:off x="4603680" y="5311800"/>
-            <a:ext cx="4522320" cy="1537920"/>
+            <a:ext cx="4521960" cy="1537560"/>
           </a:xfrm>
           <a:custGeom>
             <a:avLst/>
@@ -5100,7 +7436,7 @@
         <p:spPr>
           <a:xfrm>
             <a:off x="4362480" y="3540240"/>
-            <a:ext cx="4773240" cy="3309480"/>
+            <a:ext cx="4772880" cy="3309120"/>
           </a:xfrm>
           <a:custGeom>
             <a:avLst/>
@@ -5481,7 +7817,7 @@
         <p:spPr>
           <a:xfrm>
             <a:off x="7145280" y="3678120"/>
-            <a:ext cx="1980720" cy="855360"/>
+            <a:ext cx="1980360" cy="855000"/>
           </a:xfrm>
           <a:custGeom>
             <a:avLst/>
@@ -5661,7 +7997,7 @@
         <p:spPr>
           <a:xfrm>
             <a:off x="5273640" y="2128680"/>
-            <a:ext cx="2896920" cy="2439720"/>
+            <a:ext cx="2896560" cy="2439360"/>
           </a:xfrm>
           <a:custGeom>
             <a:avLst/>
@@ -5994,7 +8330,7 @@
         <p:spPr>
           <a:xfrm>
             <a:off x="0" y="0"/>
-            <a:ext cx="9140400" cy="2819160"/>
+            <a:ext cx="9140040" cy="2818800"/>
           </a:xfrm>
           <a:custGeom>
             <a:avLst/>
@@ -6047,99 +8383,9 @@
           <a:fontRef idx="minor"/>
         </p:style>
       </p:sp>
-      <p:sp>
-        <p:nvSpPr>
-          <p:cNvPr id="15" name="PlaceHolder 15"/>
-          <p:cNvSpPr>
-            <a:spLocks noGrp="1"/>
-          </p:cNvSpPr>
-          <p:nvPr>
-            <p:ph type="title"/>
-          </p:nvPr>
-        </p:nvSpPr>
-        <p:spPr>
-          <a:xfrm>
-            <a:off x="685800" y="1736640"/>
-            <a:ext cx="7772040" cy="1920600"/>
-          </a:xfrm>
-          <a:prstGeom prst="rect">
-            <a:avLst/>
-          </a:prstGeom>
-        </p:spPr>
-        <p:txBody>
-          <a:bodyPr anchor="ctr"/>
-          <a:p>
-            <a:pPr algn="ctr">
-              <a:lnSpc>
-                <a:spcPct val="100000"/>
-              </a:lnSpc>
-            </a:pPr>
-            <a:r>
-              <a:rPr b="1" lang="en-US" sz="6000" spc="-1" strike="noStrike">
-                <a:solidFill>
-                  <a:srgbClr val="e5e5ff"/>
-                </a:solidFill>
-                <a:uFill>
-                  <a:solidFill>
-                    <a:srgbClr val="ffffff"/>
-                  </a:solidFill>
-                </a:uFill>
-                <a:latin typeface="Garamond"/>
-              </a:rPr>
-              <a:t>Click to edit Master title style</a:t>
-            </a:r>
-            <a:endParaRPr/>
-          </a:p>
-        </p:txBody>
-      </p:sp>
-      <p:sp>
-        <p:nvSpPr>
-          <p:cNvPr id="16" name="PlaceHolder 16"/>
-          <p:cNvSpPr>
-            <a:spLocks noGrp="1"/>
-          </p:cNvSpPr>
-          <p:nvPr>
-            <p:ph type="subTitle"/>
-          </p:nvPr>
-        </p:nvSpPr>
-        <p:spPr>
-          <a:xfrm>
-            <a:off x="1371600" y="3886200"/>
-            <a:ext cx="6400440" cy="1752120"/>
-          </a:xfrm>
-          <a:prstGeom prst="rect">
-            <a:avLst/>
-          </a:prstGeom>
-        </p:spPr>
-        <p:txBody>
-          <a:bodyPr/>
-          <a:p>
-            <a:pPr algn="ctr">
-              <a:lnSpc>
-                <a:spcPct val="100000"/>
-              </a:lnSpc>
-            </a:pPr>
-            <a:r>
-              <a:rPr lang="en-US" sz="3200" spc="-1" strike="noStrike">
-                <a:solidFill>
-                  <a:srgbClr val="ffffff"/>
-                </a:solidFill>
-                <a:uFill>
-                  <a:solidFill>
-                    <a:srgbClr val="ffffff"/>
-                  </a:solidFill>
-                </a:uFill>
-                <a:latin typeface="Garamond"/>
-              </a:rPr>
-              <a:t>Click to edit Master subtitle style</a:t>
-            </a:r>
-            <a:endParaRPr/>
-          </a:p>
-        </p:txBody>
-      </p:sp>
       <p:pic>
         <p:nvPicPr>
-          <p:cNvPr id="17" name="Picture 17" descr=""/>
+          <p:cNvPr id="15" name="Picture 17" descr=""/>
           <p:cNvPicPr/>
           <p:nvPr/>
         </p:nvPicPr>
@@ -6150,7 +8396,7 @@
         <p:spPr>
           <a:xfrm>
             <a:off x="152280" y="6080760"/>
-            <a:ext cx="1352160" cy="676080"/>
+            <a:ext cx="1351800" cy="675720"/>
           </a:xfrm>
           <a:prstGeom prst="rect">
             <a:avLst/>
@@ -6160,6 +8406,60 @@
           </a:ln>
         </p:spPr>
       </p:pic>
+      <p:sp>
+        <p:nvSpPr>
+          <p:cNvPr id="16" name="PlaceHolder 15"/>
+          <p:cNvSpPr>
+            <a:spLocks noGrp="1"/>
+          </p:cNvSpPr>
+          <p:nvPr>
+            <p:ph type="title"/>
+          </p:nvPr>
+        </p:nvSpPr>
+        <p:spPr>
+          <a:xfrm>
+            <a:off x="457200" y="274680"/>
+            <a:ext cx="8228880" cy="1142280"/>
+          </a:xfrm>
+          <a:prstGeom prst="rect">
+            <a:avLst/>
+          </a:prstGeom>
+        </p:spPr>
+        <p:txBody>
+          <a:bodyPr lIns="0" rIns="0" tIns="0" bIns="0" anchor="ctr"/>
+          <a:p>
+            <a:pPr algn="ctr"/>
+            <a:endParaRPr/>
+          </a:p>
+        </p:txBody>
+      </p:sp>
+      <p:sp>
+        <p:nvSpPr>
+          <p:cNvPr id="17" name="PlaceHolder 16"/>
+          <p:cNvSpPr>
+            <a:spLocks noGrp="1"/>
+          </p:cNvSpPr>
+          <p:nvPr>
+            <p:ph type="subTitle"/>
+          </p:nvPr>
+        </p:nvSpPr>
+        <p:spPr>
+          <a:xfrm>
+            <a:off x="457200" y="1600200"/>
+            <a:ext cx="8228880" cy="4799880"/>
+          </a:xfrm>
+          <a:prstGeom prst="rect">
+            <a:avLst/>
+          </a:prstGeom>
+        </p:spPr>
+        <p:txBody>
+          <a:bodyPr lIns="0" rIns="0" tIns="0" bIns="0" anchor="ctr"/>
+          <a:p>
+            <a:pPr algn="ctr"/>
+            <a:endParaRPr/>
+          </a:p>
+        </p:txBody>
+      </p:sp>
       <p:sp>
         <p:nvSpPr>
           <p:cNvPr id="18" name="PlaceHolder 17"/>
@@ -6192,7 +8492,7 @@
             </a:pPr>
             <a:r>
               <a:rPr lang="en-US" sz="3200" spc="-1">
-                <a:latin typeface="Garamond"/>
+                <a:latin typeface="Arial"/>
               </a:rPr>
               <a:t>Click to edit the outline text format</a:t>
             </a:r>
@@ -6208,8 +8508,8 @@
               <a:buChar char=""/>
             </a:pPr>
             <a:r>
-              <a:rPr lang="en-US" sz="2400" spc="-1">
-                <a:latin typeface="Garamond"/>
+              <a:rPr lang="en-US" sz="2800" spc="-1">
+                <a:latin typeface="Arial"/>
               </a:rPr>
               <a:t>Second Outline Level</a:t>
             </a:r>
@@ -6225,8 +8525,8 @@
               <a:buChar char=""/>
             </a:pPr>
             <a:r>
-              <a:rPr lang="en-US" sz="2000" spc="-1">
-                <a:latin typeface="Garamond"/>
+              <a:rPr lang="en-US" sz="2400" spc="-1">
+                <a:latin typeface="Arial"/>
               </a:rPr>
               <a:t>Third Outline Level</a:t>
             </a:r>
@@ -6243,7 +8543,7 @@
             </a:pPr>
             <a:r>
               <a:rPr lang="en-US" sz="2000" spc="-1">
-                <a:latin typeface="Garamond"/>
+                <a:latin typeface="Arial"/>
               </a:rPr>
               <a:t>Fourth Outline Level</a:t>
             </a:r>
@@ -6260,7 +8560,7 @@
             </a:pPr>
             <a:r>
               <a:rPr lang="en-US" sz="2000" spc="-1">
-                <a:latin typeface="Garamond"/>
+                <a:latin typeface="Arial"/>
               </a:rPr>
               <a:t>Fifth Outline Level</a:t>
             </a:r>
@@ -6277,7 +8577,7 @@
             </a:pPr>
             <a:r>
               <a:rPr lang="en-US" sz="2000" spc="-1">
-                <a:latin typeface="Garamond"/>
+                <a:latin typeface="Arial"/>
               </a:rPr>
               <a:t>Sixth Outline Level</a:t>
             </a:r>
@@ -6294,7 +8594,7 @@
             </a:pPr>
             <a:r>
               <a:rPr lang="en-US" sz="2000" spc="-1">
-                <a:latin typeface="Garamond"/>
+                <a:latin typeface="Arial"/>
               </a:rPr>
               <a:t>Seventh Outline Level</a:t>
             </a:r>
@@ -6355,7 +8655,7 @@
         <p:spPr>
           <a:xfrm>
             <a:off x="2743200" y="4197240"/>
-            <a:ext cx="4574880" cy="2652480"/>
+            <a:ext cx="4574520" cy="2652120"/>
           </a:xfrm>
           <a:custGeom>
             <a:avLst/>
@@ -6697,7 +8997,7 @@
         <p:spPr>
           <a:xfrm>
             <a:off x="6620040" y="4240080"/>
-            <a:ext cx="1998360" cy="1287000"/>
+            <a:ext cx="1998000" cy="1286640"/>
           </a:xfrm>
           <a:custGeom>
             <a:avLst/>
@@ -6928,7 +9228,7 @@
         <p:spPr>
           <a:xfrm>
             <a:off x="4603680" y="5311800"/>
-            <a:ext cx="4522320" cy="1537920"/>
+            <a:ext cx="4521960" cy="1537560"/>
           </a:xfrm>
           <a:custGeom>
             <a:avLst/>
@@ -7099,7 +9399,7 @@
         <p:spPr>
           <a:xfrm>
             <a:off x="4362480" y="3540240"/>
-            <a:ext cx="4773240" cy="3309480"/>
+            <a:ext cx="4772880" cy="3309120"/>
           </a:xfrm>
           <a:custGeom>
             <a:avLst/>
@@ -7480,7 +9780,7 @@
         <p:spPr>
           <a:xfrm>
             <a:off x="7145280" y="3678120"/>
-            <a:ext cx="1980720" cy="855360"/>
+            <a:ext cx="1980360" cy="855000"/>
           </a:xfrm>
           <a:custGeom>
             <a:avLst/>
@@ -7660,7 +9960,7 @@
         <p:spPr>
           <a:xfrm>
             <a:off x="5273640" y="2128680"/>
-            <a:ext cx="2896920" cy="2439720"/>
+            <a:ext cx="2896560" cy="2439360"/>
           </a:xfrm>
           <a:custGeom>
             <a:avLst/>
@@ -7993,7 +10293,7 @@
         <p:spPr>
           <a:xfrm>
             <a:off x="0" y="0"/>
-            <a:ext cx="9140400" cy="2819160"/>
+            <a:ext cx="9140040" cy="2818800"/>
           </a:xfrm>
           <a:custGeom>
             <a:avLst/>
@@ -8059,7 +10359,7 @@
         <p:spPr>
           <a:xfrm>
             <a:off x="127080" y="6135840"/>
-            <a:ext cx="1352160" cy="676080"/>
+            <a:ext cx="1351800" cy="675720"/>
           </a:xfrm>
           <a:prstGeom prst="rect">
             <a:avLst/>
@@ -8081,34 +10381,22 @@
         </p:nvSpPr>
         <p:spPr>
           <a:xfrm>
-            <a:off x="457200" y="274680"/>
-            <a:ext cx="8229240" cy="1142640"/>
-          </a:xfrm>
-          <a:prstGeom prst="rect">
-            <a:avLst/>
-          </a:prstGeom>
-        </p:spPr>
-        <p:txBody>
-          <a:bodyPr anchor="ctr"/>
-          <a:p>
-            <a:pPr algn="ctr">
-              <a:lnSpc>
-                <a:spcPct val="100000"/>
-              </a:lnSpc>
-            </a:pPr>
+            <a:off x="457200" y="273600"/>
+            <a:ext cx="8229240" cy="1144800"/>
+          </a:xfrm>
+          <a:prstGeom prst="rect">
+            <a:avLst/>
+          </a:prstGeom>
+        </p:spPr>
+        <p:txBody>
+          <a:bodyPr lIns="0" rIns="0" tIns="0" bIns="0" anchor="ctr"/>
+          <a:p>
+            <a:pPr algn="ctr"/>
             <a:r>
-              <a:rPr b="1" lang="en-US" sz="4400" spc="-1" strike="noStrike">
-                <a:solidFill>
-                  <a:srgbClr val="e5e5ff"/>
-                </a:solidFill>
-                <a:uFill>
-                  <a:solidFill>
-                    <a:srgbClr val="ffffff"/>
-                  </a:solidFill>
-                </a:uFill>
-                <a:latin typeface="Garamond"/>
-              </a:rPr>
-              <a:t>Click to edit Master title style</a:t>
+              <a:rPr lang="en-US" sz="4400" spc="-1">
+                <a:latin typeface="Arial"/>
+              </a:rPr>
+              <a:t>Click to edit the title text format</a:t>
             </a:r>
             <a:endParaRPr/>
           </a:p>
@@ -8126,15 +10414,15 @@
         </p:nvSpPr>
         <p:spPr>
           <a:xfrm>
-            <a:off x="457200" y="1600200"/>
-            <a:ext cx="8229240" cy="4800240"/>
-          </a:xfrm>
-          <a:prstGeom prst="rect">
-            <a:avLst/>
-          </a:prstGeom>
-        </p:spPr>
-        <p:txBody>
-          <a:bodyPr/>
+            <a:off x="457200" y="1604520"/>
+            <a:ext cx="8229240" cy="3977280"/>
+          </a:xfrm>
+          <a:prstGeom prst="rect">
+            <a:avLst/>
+          </a:prstGeom>
+        </p:spPr>
+        <p:txBody>
+          <a:bodyPr lIns="0" rIns="0" tIns="0" bIns="0"/>
           <a:p>
             <a:pPr marL="432000" indent="-324000">
               <a:buClr>
@@ -8145,16 +10433,8 @@
               <a:buChar char=""/>
             </a:pPr>
             <a:r>
-              <a:rPr lang="en-US" sz="3200" spc="-1" strike="noStrike">
-                <a:solidFill>
-                  <a:srgbClr val="ffffff"/>
-                </a:solidFill>
-                <a:uFill>
-                  <a:solidFill>
-                    <a:srgbClr val="ffffff"/>
-                  </a:solidFill>
-                </a:uFill>
-                <a:latin typeface="Garamond"/>
+              <a:rPr lang="en-US" sz="3200" spc="-1">
+                <a:latin typeface="Arial"/>
               </a:rPr>
               <a:t>Click to edit the outline text format</a:t>
             </a:r>
@@ -8170,16 +10450,8 @@
               <a:buChar char=""/>
             </a:pPr>
             <a:r>
-              <a:rPr lang="en-US" sz="3200" spc="-1" strike="noStrike">
-                <a:solidFill>
-                  <a:srgbClr val="ffffff"/>
-                </a:solidFill>
-                <a:uFill>
-                  <a:solidFill>
-                    <a:srgbClr val="ffffff"/>
-                  </a:solidFill>
-                </a:uFill>
-                <a:latin typeface="Garamond"/>
+              <a:rPr lang="en-US" sz="2800" spc="-1">
+                <a:latin typeface="Arial"/>
               </a:rPr>
               <a:t>Second Outline Level</a:t>
             </a:r>
@@ -8195,16 +10467,8 @@
               <a:buChar char=""/>
             </a:pPr>
             <a:r>
-              <a:rPr lang="en-US" sz="3200" spc="-1" strike="noStrike">
-                <a:solidFill>
-                  <a:srgbClr val="ffffff"/>
-                </a:solidFill>
-                <a:uFill>
-                  <a:solidFill>
-                    <a:srgbClr val="ffffff"/>
-                  </a:solidFill>
-                </a:uFill>
-                <a:latin typeface="Garamond"/>
+              <a:rPr lang="en-US" sz="2400" spc="-1">
+                <a:latin typeface="Arial"/>
               </a:rPr>
               <a:t>Third Outline Level</a:t>
             </a:r>
@@ -8220,16 +10484,8 @@
               <a:buChar char=""/>
             </a:pPr>
             <a:r>
-              <a:rPr lang="en-US" sz="3200" spc="-1" strike="noStrike">
-                <a:solidFill>
-                  <a:srgbClr val="ffffff"/>
-                </a:solidFill>
-                <a:uFill>
-                  <a:solidFill>
-                    <a:srgbClr val="ffffff"/>
-                  </a:solidFill>
-                </a:uFill>
-                <a:latin typeface="Garamond"/>
+              <a:rPr lang="en-US" sz="2000" spc="-1">
+                <a:latin typeface="Arial"/>
               </a:rPr>
               <a:t>Fourth Outline Level</a:t>
             </a:r>
@@ -8245,16 +10501,8 @@
               <a:buChar char=""/>
             </a:pPr>
             <a:r>
-              <a:rPr lang="en-US" sz="3200" spc="-1" strike="noStrike">
-                <a:solidFill>
-                  <a:srgbClr val="ffffff"/>
-                </a:solidFill>
-                <a:uFill>
-                  <a:solidFill>
-                    <a:srgbClr val="ffffff"/>
-                  </a:solidFill>
-                </a:uFill>
-                <a:latin typeface="Garamond"/>
+              <a:rPr lang="en-US" sz="2000" spc="-1">
+                <a:latin typeface="Arial"/>
               </a:rPr>
               <a:t>Fifth Outline Level</a:t>
             </a:r>
@@ -8270,248 +10518,27 @@
               <a:buChar char=""/>
             </a:pPr>
             <a:r>
-              <a:rPr lang="en-US" sz="3200" spc="-1" strike="noStrike">
-                <a:solidFill>
-                  <a:srgbClr val="ffffff"/>
-                </a:solidFill>
-                <a:uFill>
-                  <a:solidFill>
-                    <a:srgbClr val="ffffff"/>
-                  </a:solidFill>
-                </a:uFill>
-                <a:latin typeface="Garamond"/>
+              <a:rPr lang="en-US" sz="2000" spc="-1">
+                <a:latin typeface="Arial"/>
               </a:rPr>
               <a:t>Sixth Outline Level</a:t>
             </a:r>
             <a:endParaRPr/>
           </a:p>
           <a:p>
-            <a:pPr marL="343080" indent="-342720">
-              <a:lnSpc>
-                <a:spcPct val="100000"/>
-              </a:lnSpc>
+            <a:pPr lvl="6" marL="3024000" indent="-216000">
               <a:buClr>
-                <a:srgbClr val="ffcc00"/>
+                <a:srgbClr val="ffffff"/>
               </a:buClr>
-              <a:buSzPct val="70000"/>
-              <a:buFont typeface="Wingdings" charset="2"/>
-              <a:buChar char=""/>
+              <a:buSzPct val="45000"/>
+              <a:buFont typeface="StarSymbol"/>
+              <a:buChar char=""/>
             </a:pPr>
             <a:r>
-              <a:rPr lang="en-US" sz="3200" spc="-1" strike="noStrike">
-                <a:solidFill>
-                  <a:srgbClr val="ffffff"/>
-                </a:solidFill>
-                <a:uFill>
-                  <a:solidFill>
-                    <a:srgbClr val="ffffff"/>
-                  </a:solidFill>
-                </a:uFill>
-                <a:latin typeface="Garamond"/>
-              </a:rPr>
-              <a:t>Seventh Outline LevelClick to edit Master text styles</a:t>
-            </a:r>
-            <a:endParaRPr/>
-          </a:p>
-          <a:p>
-            <a:pPr lvl="1" marL="743040" indent="-285480">
-              <a:lnSpc>
-                <a:spcPct val="100000"/>
-              </a:lnSpc>
-              <a:buClr>
-                <a:srgbClr val="a886e0"/>
-              </a:buClr>
-              <a:buSzPct val="70000"/>
-              <a:buFont typeface="Wingdings" charset="2"/>
-              <a:buChar char=""/>
-            </a:pPr>
-            <a:r>
-              <a:rPr lang="en-US" sz="2800" spc="-1" strike="noStrike">
-                <a:solidFill>
-                  <a:srgbClr val="ffffff"/>
-                </a:solidFill>
-                <a:uFill>
-                  <a:solidFill>
-                    <a:srgbClr val="ffffff"/>
-                  </a:solidFill>
-                </a:uFill>
-                <a:latin typeface="Garamond"/>
-              </a:rPr>
-              <a:t>Second level</a:t>
-            </a:r>
-            <a:endParaRPr/>
-          </a:p>
-          <a:p>
-            <a:pPr lvl="2" marL="1143000" indent="-228240">
-              <a:lnSpc>
-                <a:spcPct val="100000"/>
-              </a:lnSpc>
-              <a:buClr>
-                <a:srgbClr val="e5e5ff"/>
-              </a:buClr>
-              <a:buSzPct val="70000"/>
-              <a:buFont typeface="Wingdings" charset="2"/>
-              <a:buChar char=""/>
-            </a:pPr>
-            <a:r>
-              <a:rPr lang="en-US" sz="2400" spc="-1" strike="noStrike">
-                <a:solidFill>
-                  <a:srgbClr val="ffffff"/>
-                </a:solidFill>
-                <a:uFill>
-                  <a:solidFill>
-                    <a:srgbClr val="ffffff"/>
-                  </a:solidFill>
-                </a:uFill>
-                <a:latin typeface="Garamond"/>
-              </a:rPr>
-              <a:t>Third level</a:t>
-            </a:r>
-            <a:endParaRPr/>
-          </a:p>
-          <a:p>
-            <a:pPr lvl="3" marL="1600200" indent="-228240">
-              <a:lnSpc>
-                <a:spcPct val="100000"/>
-              </a:lnSpc>
-              <a:buClr>
-                <a:srgbClr val="a886e0"/>
-              </a:buClr>
-              <a:buSzPct val="70000"/>
-              <a:buFont typeface="Wingdings" charset="2"/>
-              <a:buChar char=""/>
-            </a:pPr>
-            <a:r>
-              <a:rPr lang="en-US" sz="2000" spc="-1" strike="noStrike">
-                <a:solidFill>
-                  <a:srgbClr val="ffffff"/>
-                </a:solidFill>
-                <a:uFill>
-                  <a:solidFill>
-                    <a:srgbClr val="ffffff"/>
-                  </a:solidFill>
-                </a:uFill>
-                <a:latin typeface="Garamond"/>
-              </a:rPr>
-              <a:t>Fourth level</a:t>
-            </a:r>
-            <a:endParaRPr/>
-          </a:p>
-          <a:p>
-            <a:pPr lvl="4" marL="2057400" indent="-228240">
-              <a:lnSpc>
-                <a:spcPct val="100000"/>
-              </a:lnSpc>
-              <a:buClr>
-                <a:srgbClr val="ffcc00"/>
-              </a:buClr>
-              <a:buSzPct val="70000"/>
-              <a:buFont typeface="Wingdings" charset="2"/>
-              <a:buChar char=""/>
-            </a:pPr>
-            <a:r>
-              <a:rPr lang="en-US" sz="2000" spc="-1" strike="noStrike">
-                <a:solidFill>
-                  <a:srgbClr val="ffffff"/>
-                </a:solidFill>
-                <a:uFill>
-                  <a:solidFill>
-                    <a:srgbClr val="ffffff"/>
-                  </a:solidFill>
-                </a:uFill>
-                <a:latin typeface="Garamond"/>
-              </a:rPr>
-              <a:t>Fifth level</a:t>
-            </a:r>
-            <a:endParaRPr/>
-          </a:p>
-        </p:txBody>
-      </p:sp>
-      <p:sp>
-        <p:nvSpPr>
-          <p:cNvPr id="63" name="PlaceHolder 10"/>
-          <p:cNvSpPr>
-            <a:spLocks noGrp="1"/>
-          </p:cNvSpPr>
-          <p:nvPr>
-            <p:ph type="sldNum"/>
-          </p:nvPr>
-        </p:nvSpPr>
-        <p:spPr>
-          <a:xfrm>
-            <a:off x="8077320" y="6477120"/>
-            <a:ext cx="609120" cy="247320"/>
-          </a:xfrm>
-          <a:prstGeom prst="rect">
-            <a:avLst/>
-          </a:prstGeom>
-        </p:spPr>
-        <p:txBody>
-          <a:bodyPr anchor="b"/>
-          <a:p>
-            <a:pPr algn="r">
-              <a:lnSpc>
-                <a:spcPct val="100000"/>
-              </a:lnSpc>
-            </a:pPr>
-            <a:fld id="{2472F9C5-E499-4733-8BB7-147A3E4668BF}" type="slidenum">
-              <a:rPr lang="en-US" sz="1200" spc="-1" strike="noStrike">
-                <a:solidFill>
-                  <a:srgbClr val="ffffff"/>
-                </a:solidFill>
-                <a:uFill>
-                  <a:solidFill>
-                    <a:srgbClr val="ffffff"/>
-                  </a:solidFill>
-                </a:uFill>
+              <a:rPr lang="en-US" sz="2000" spc="-1">
                 <a:latin typeface="Arial"/>
               </a:rPr>
-              <a:t>&lt;number&gt;</a:t>
-            </a:fld>
-            <a:endParaRPr/>
-          </a:p>
-        </p:txBody>
-      </p:sp>
-      <p:sp>
-        <p:nvSpPr>
-          <p:cNvPr id="64" name="PlaceHolder 11"/>
-          <p:cNvSpPr>
-            <a:spLocks noGrp="1"/>
-          </p:cNvSpPr>
-          <p:nvPr>
-            <p:ph type="ftr"/>
-          </p:nvPr>
-        </p:nvSpPr>
-        <p:spPr>
-          <a:xfrm>
-            <a:off x="2057400" y="6477120"/>
-            <a:ext cx="5943240" cy="247320"/>
-          </a:xfrm>
-          <a:prstGeom prst="rect">
-            <a:avLst/>
-          </a:prstGeom>
-        </p:spPr>
-        <p:txBody>
-          <a:bodyPr anchor="b"/>
-          <a:p>
-            <a:pPr algn="ctr">
-              <a:lnSpc>
-                <a:spcPct val="100000"/>
-              </a:lnSpc>
-            </a:pPr>
-            <a:r>
-              <a:rPr lang="en-US" sz="1200" spc="-1" strike="noStrike">
-                <a:solidFill>
-                  <a:srgbClr val="ffffff"/>
-                </a:solidFill>
-                <a:uFill>
-                  <a:solidFill>
-                    <a:srgbClr val="ffffff"/>
-                  </a:solidFill>
-                </a:uFill>
-                <a:latin typeface="Arial"/>
-              </a:rPr>
-              <a:t>CPE495/496 Project Proposal,  Team Acronym</a:t>
+              <a:t>Seventh Outline Level</a:t>
             </a:r>
             <a:endParaRPr/>
           </a:p>
@@ -8533,6 +10560,658 @@
     <p:sldLayoutId id="2147483671" r:id="rId12"/>
     <p:sldLayoutId id="2147483672" r:id="rId13"/>
     <p:sldLayoutId id="2147483673" r:id="rId14"/>
+  </p:sldLayoutIdLst>
+</p:sldMaster>
+</file>
+
+<file path=ppt/slideMasters/slideMaster3.xml><?xml version="1.0" encoding="utf-8"?>
+<p:sldMaster xmlns:a="http://schemas.openxmlformats.org/drawingml/2006/main" xmlns:p="http://schemas.openxmlformats.org/presentationml/2006/main" xmlns:r="http://schemas.openxmlformats.org/officeDocument/2006/relationships">
+  <p:cSld>
+    <p:spTree>
+      <p:nvGrpSpPr>
+        <p:cNvPr id="1" name=""/>
+        <p:cNvGrpSpPr/>
+        <p:nvPr/>
+      </p:nvGrpSpPr>
+      <p:grpSpPr>
+        <a:xfrm>
+          <a:off x="0" y="0"/>
+          <a:ext cx="0" cy="0"/>
+          <a:chOff x="0" y="0"/>
+          <a:chExt cx="0" cy="0"/>
+        </a:xfrm>
+      </p:grpSpPr>
+      <p:sp>
+        <p:nvSpPr>
+          <p:cNvPr id="97" name="PlaceHolder 1"/>
+          <p:cNvSpPr>
+            <a:spLocks noGrp="1"/>
+          </p:cNvSpPr>
+          <p:nvPr>
+            <p:ph type="title"/>
+          </p:nvPr>
+        </p:nvSpPr>
+        <p:spPr>
+          <a:xfrm>
+            <a:off x="457200" y="273240"/>
+            <a:ext cx="8229240" cy="1144800"/>
+          </a:xfrm>
+          <a:prstGeom prst="rect">
+            <a:avLst/>
+          </a:prstGeom>
+        </p:spPr>
+        <p:txBody>
+          <a:bodyPr lIns="0" rIns="0" tIns="0" bIns="0" anchor="ctr"/>
+          <a:p>
+            <a:pPr algn="ctr"/>
+            <a:r>
+              <a:rPr lang="en-US" sz="3809" spc="-1">
+                <a:latin typeface="Arial"/>
+              </a:rPr>
+              <a:t>Click to edit the title text format</a:t>
+            </a:r>
+            <a:endParaRPr/>
+          </a:p>
+        </p:txBody>
+      </p:sp>
+      <p:sp>
+        <p:nvSpPr>
+          <p:cNvPr id="98" name="PlaceHolder 2"/>
+          <p:cNvSpPr>
+            <a:spLocks noGrp="1"/>
+          </p:cNvSpPr>
+          <p:nvPr>
+            <p:ph type="body"/>
+          </p:nvPr>
+        </p:nvSpPr>
+        <p:spPr>
+          <a:xfrm>
+            <a:off x="457200" y="1604520"/>
+            <a:ext cx="8229240" cy="3977280"/>
+          </a:xfrm>
+          <a:prstGeom prst="rect">
+            <a:avLst/>
+          </a:prstGeom>
+        </p:spPr>
+        <p:txBody>
+          <a:bodyPr lIns="0" rIns="0" tIns="0" bIns="0"/>
+          <a:p>
+            <a:pPr marL="432000" indent="-324000">
+              <a:buClr>
+                <a:srgbClr val="ffffff"/>
+              </a:buClr>
+              <a:buSzPct val="45000"/>
+              <a:buFont typeface="StarSymbol"/>
+              <a:buChar char=""/>
+            </a:pPr>
+            <a:r>
+              <a:rPr lang="en-US" sz="2900" spc="-1">
+                <a:latin typeface="Arial"/>
+              </a:rPr>
+              <a:t>Click to edit the outline text format</a:t>
+            </a:r>
+            <a:endParaRPr/>
+          </a:p>
+          <a:p>
+            <a:pPr lvl="1" marL="864000" indent="-324000">
+              <a:buClr>
+                <a:srgbClr val="ffffff"/>
+              </a:buClr>
+              <a:buSzPct val="75000"/>
+              <a:buFont typeface="StarSymbol"/>
+              <a:buChar char=""/>
+            </a:pPr>
+            <a:r>
+              <a:rPr lang="en-US" sz="2540" spc="-1">
+                <a:latin typeface="Arial"/>
+              </a:rPr>
+              <a:t>Second Outline Level</a:t>
+            </a:r>
+            <a:endParaRPr/>
+          </a:p>
+          <a:p>
+            <a:pPr lvl="2" marL="1296000" indent="-288000">
+              <a:buClr>
+                <a:srgbClr val="ffffff"/>
+              </a:buClr>
+              <a:buSzPct val="45000"/>
+              <a:buFont typeface="StarSymbol"/>
+              <a:buChar char=""/>
+            </a:pPr>
+            <a:r>
+              <a:rPr lang="en-US" sz="2180" spc="-1">
+                <a:latin typeface="Arial"/>
+              </a:rPr>
+              <a:t>Third Outline Level</a:t>
+            </a:r>
+            <a:endParaRPr/>
+          </a:p>
+          <a:p>
+            <a:pPr lvl="3" marL="1728000" indent="-216000">
+              <a:buClr>
+                <a:srgbClr val="ffffff"/>
+              </a:buClr>
+              <a:buSzPct val="75000"/>
+              <a:buFont typeface="StarSymbol"/>
+              <a:buChar char=""/>
+            </a:pPr>
+            <a:r>
+              <a:rPr lang="en-US" sz="1810" spc="-1">
+                <a:latin typeface="Arial"/>
+              </a:rPr>
+              <a:t>Fourth Outline Level</a:t>
+            </a:r>
+            <a:endParaRPr/>
+          </a:p>
+          <a:p>
+            <a:pPr lvl="4" marL="2160000" indent="-216000">
+              <a:buClr>
+                <a:srgbClr val="ffffff"/>
+              </a:buClr>
+              <a:buSzPct val="45000"/>
+              <a:buFont typeface="StarSymbol"/>
+              <a:buChar char=""/>
+            </a:pPr>
+            <a:r>
+              <a:rPr lang="en-US" sz="1810" spc="-1">
+                <a:latin typeface="Arial"/>
+              </a:rPr>
+              <a:t>Fifth Outline Level</a:t>
+            </a:r>
+            <a:endParaRPr/>
+          </a:p>
+          <a:p>
+            <a:pPr lvl="5" marL="2592000" indent="-216000">
+              <a:buClr>
+                <a:srgbClr val="ffffff"/>
+              </a:buClr>
+              <a:buSzPct val="45000"/>
+              <a:buFont typeface="StarSymbol"/>
+              <a:buChar char=""/>
+            </a:pPr>
+            <a:r>
+              <a:rPr lang="en-US" sz="1810" spc="-1">
+                <a:latin typeface="Arial"/>
+              </a:rPr>
+              <a:t>Sixth Outline Level</a:t>
+            </a:r>
+            <a:endParaRPr/>
+          </a:p>
+          <a:p>
+            <a:pPr lvl="6" marL="3024000" indent="-216000">
+              <a:buClr>
+                <a:srgbClr val="ffffff"/>
+              </a:buClr>
+              <a:buSzPct val="45000"/>
+              <a:buFont typeface="StarSymbol"/>
+              <a:buChar char=""/>
+            </a:pPr>
+            <a:r>
+              <a:rPr lang="en-US" sz="1810" spc="-1">
+                <a:latin typeface="Arial"/>
+              </a:rPr>
+              <a:t>Seventh Outline Level</a:t>
+            </a:r>
+            <a:endParaRPr/>
+          </a:p>
+        </p:txBody>
+      </p:sp>
+      <p:sp>
+        <p:nvSpPr>
+          <p:cNvPr id="99" name="PlaceHolder 3"/>
+          <p:cNvSpPr>
+            <a:spLocks noGrp="1"/>
+          </p:cNvSpPr>
+          <p:nvPr>
+            <p:ph type="dt"/>
+          </p:nvPr>
+        </p:nvSpPr>
+        <p:spPr>
+          <a:xfrm>
+            <a:off x="457200" y="6247440"/>
+            <a:ext cx="2130120" cy="473040"/>
+          </a:xfrm>
+          <a:prstGeom prst="rect">
+            <a:avLst/>
+          </a:prstGeom>
+        </p:spPr>
+        <p:txBody>
+          <a:bodyPr lIns="0" rIns="0" tIns="0" bIns="0"/>
+          <a:p>
+            <a:r>
+              <a:rPr lang="en-US" sz="1400" spc="-1">
+                <a:latin typeface="Times New Roman"/>
+              </a:rPr>
+              <a:t>&lt;date/time&gt;</a:t>
+            </a:r>
+            <a:endParaRPr/>
+          </a:p>
+        </p:txBody>
+      </p:sp>
+      <p:sp>
+        <p:nvSpPr>
+          <p:cNvPr id="100" name="PlaceHolder 4"/>
+          <p:cNvSpPr>
+            <a:spLocks noGrp="1"/>
+          </p:cNvSpPr>
+          <p:nvPr>
+            <p:ph type="ftr"/>
+          </p:nvPr>
+        </p:nvSpPr>
+        <p:spPr>
+          <a:xfrm>
+            <a:off x="3126960" y="6247440"/>
+            <a:ext cx="2898360" cy="473040"/>
+          </a:xfrm>
+          <a:prstGeom prst="rect">
+            <a:avLst/>
+          </a:prstGeom>
+        </p:spPr>
+        <p:txBody>
+          <a:bodyPr lIns="0" rIns="0" tIns="0" bIns="0"/>
+          <a:p>
+            <a:pPr algn="ctr"/>
+            <a:r>
+              <a:rPr lang="en-US" sz="1400" spc="-1">
+                <a:latin typeface="Times New Roman"/>
+              </a:rPr>
+              <a:t>&lt;footer&gt;</a:t>
+            </a:r>
+            <a:endParaRPr/>
+          </a:p>
+        </p:txBody>
+      </p:sp>
+      <p:sp>
+        <p:nvSpPr>
+          <p:cNvPr id="101" name="PlaceHolder 5"/>
+          <p:cNvSpPr>
+            <a:spLocks noGrp="1"/>
+          </p:cNvSpPr>
+          <p:nvPr>
+            <p:ph type="sldNum"/>
+          </p:nvPr>
+        </p:nvSpPr>
+        <p:spPr>
+          <a:xfrm>
+            <a:off x="6555960" y="6247440"/>
+            <a:ext cx="2130120" cy="473040"/>
+          </a:xfrm>
+          <a:prstGeom prst="rect">
+            <a:avLst/>
+          </a:prstGeom>
+        </p:spPr>
+        <p:txBody>
+          <a:bodyPr lIns="0" rIns="0" tIns="0" bIns="0"/>
+          <a:p>
+            <a:pPr algn="r"/>
+            <a:fld id="{BF40C8A2-8EB2-46AE-A60E-78353178CFF6}" type="slidenum">
+              <a:rPr lang="en-US" sz="1400" spc="-1">
+                <a:latin typeface="Times New Roman"/>
+              </a:rPr>
+              <a:t>&lt;number&gt;</a:t>
+            </a:fld>
+            <a:endParaRPr/>
+          </a:p>
+        </p:txBody>
+      </p:sp>
+    </p:spTree>
+  </p:cSld>
+  <p:clrMap bg1="lt1" bg2="lt2" tx1="dk1" tx2="dk2" accent1="accent1" accent2="accent2" accent3="accent3" accent4="accent4" accent5="accent5" accent6="accent6" hlink="hlink" folHlink="folHlink"/>
+  <p:sldLayoutIdLst>
+    <p:sldLayoutId id="2147483675" r:id="rId2"/>
+    <p:sldLayoutId id="2147483676" r:id="rId3"/>
+    <p:sldLayoutId id="2147483677" r:id="rId4"/>
+    <p:sldLayoutId id="2147483678" r:id="rId5"/>
+    <p:sldLayoutId id="2147483679" r:id="rId6"/>
+    <p:sldLayoutId id="2147483680" r:id="rId7"/>
+    <p:sldLayoutId id="2147483681" r:id="rId8"/>
+    <p:sldLayoutId id="2147483682" r:id="rId9"/>
+    <p:sldLayoutId id="2147483683" r:id="rId10"/>
+    <p:sldLayoutId id="2147483684" r:id="rId11"/>
+    <p:sldLayoutId id="2147483685" r:id="rId12"/>
+    <p:sldLayoutId id="2147483686" r:id="rId13"/>
+  </p:sldLayoutIdLst>
+</p:sldMaster>
+</file>
+
+<file path=ppt/slideMasters/slideMaster4.xml><?xml version="1.0" encoding="utf-8"?>
+<p:sldMaster xmlns:a="http://schemas.openxmlformats.org/drawingml/2006/main" xmlns:p="http://schemas.openxmlformats.org/presentationml/2006/main" xmlns:r="http://schemas.openxmlformats.org/officeDocument/2006/relationships">
+  <p:cSld>
+    <p:spTree>
+      <p:nvGrpSpPr>
+        <p:cNvPr id="1" name=""/>
+        <p:cNvGrpSpPr/>
+        <p:nvPr/>
+      </p:nvGrpSpPr>
+      <p:grpSpPr>
+        <a:xfrm>
+          <a:off x="0" y="0"/>
+          <a:ext cx="0" cy="0"/>
+          <a:chOff x="0" y="0"/>
+          <a:chExt cx="0" cy="0"/>
+        </a:xfrm>
+      </p:grpSpPr>
+      <p:pic>
+        <p:nvPicPr>
+          <p:cNvPr id="136" name="" descr=""/>
+          <p:cNvPicPr/>
+          <p:nvPr/>
+        </p:nvPicPr>
+        <p:blipFill>
+          <a:blip r:embed="rId2"/>
+          <a:stretch/>
+        </p:blipFill>
+        <p:spPr>
+          <a:xfrm>
+            <a:off x="0" y="0"/>
+            <a:ext cx="9143640" cy="6858000"/>
+          </a:xfrm>
+          <a:prstGeom prst="rect">
+            <a:avLst/>
+          </a:prstGeom>
+          <a:ln>
+            <a:noFill/>
+          </a:ln>
+        </p:spPr>
+      </p:pic>
+      <p:sp>
+        <p:nvSpPr>
+          <p:cNvPr id="137" name="PlaceHolder 1"/>
+          <p:cNvSpPr>
+            <a:spLocks noGrp="1"/>
+          </p:cNvSpPr>
+          <p:nvPr>
+            <p:ph type="title"/>
+          </p:nvPr>
+        </p:nvSpPr>
+        <p:spPr>
+          <a:xfrm>
+            <a:off x="457200" y="261000"/>
+            <a:ext cx="8229600" cy="1132200"/>
+          </a:xfrm>
+          <a:prstGeom prst="rect">
+            <a:avLst/>
+          </a:prstGeom>
+        </p:spPr>
+        <p:txBody>
+          <a:bodyPr lIns="0" rIns="0" tIns="0" bIns="0" anchor="ctr"/>
+          <a:p>
+            <a:pPr algn="ctr"/>
+            <a:r>
+              <a:rPr lang="en-US" sz="3870" spc="-1">
+                <a:latin typeface="Arial"/>
+              </a:rPr>
+              <a:t>Click to edit the title text format</a:t>
+            </a:r>
+            <a:endParaRPr/>
+          </a:p>
+        </p:txBody>
+      </p:sp>
+      <p:sp>
+        <p:nvSpPr>
+          <p:cNvPr id="138" name="PlaceHolder 2"/>
+          <p:cNvSpPr>
+            <a:spLocks noGrp="1"/>
+          </p:cNvSpPr>
+          <p:nvPr>
+            <p:ph type="body"/>
+          </p:nvPr>
+        </p:nvSpPr>
+        <p:spPr>
+          <a:xfrm>
+            <a:off x="457200" y="1654560"/>
+            <a:ext cx="8229600" cy="3977280"/>
+          </a:xfrm>
+          <a:prstGeom prst="rect">
+            <a:avLst/>
+          </a:prstGeom>
+        </p:spPr>
+        <p:txBody>
+          <a:bodyPr lIns="0" rIns="0" tIns="0" bIns="0"/>
+          <a:p>
+            <a:pPr marL="432000" indent="-324000">
+              <a:buClr>
+                <a:srgbClr val="ffffff"/>
+              </a:buClr>
+              <a:buSzPct val="45000"/>
+              <a:buFont typeface="StarSymbol"/>
+              <a:buChar char=""/>
+            </a:pPr>
+            <a:r>
+              <a:rPr lang="en-US" sz="3150" spc="-1">
+                <a:latin typeface="Arial"/>
+              </a:rPr>
+              <a:t>Click to edit the outline text format</a:t>
+            </a:r>
+            <a:endParaRPr/>
+          </a:p>
+          <a:p>
+            <a:pPr lvl="1" marL="864000" indent="-324000">
+              <a:buClr>
+                <a:srgbClr val="ffffff"/>
+              </a:buClr>
+              <a:buSzPct val="45000"/>
+              <a:buFont typeface="StarSymbol"/>
+              <a:buChar char=""/>
+            </a:pPr>
+            <a:r>
+              <a:rPr lang="en-US" sz="2760" spc="-1">
+                <a:latin typeface="Arial"/>
+              </a:rPr>
+              <a:t>Second Outline Level</a:t>
+            </a:r>
+            <a:endParaRPr/>
+          </a:p>
+          <a:p>
+            <a:pPr lvl="2" marL="1296000" indent="-288000">
+              <a:buClr>
+                <a:srgbClr val="ffffff"/>
+              </a:buClr>
+              <a:buSzPct val="75000"/>
+              <a:buFont typeface="StarSymbol"/>
+              <a:buChar char=""/>
+            </a:pPr>
+            <a:r>
+              <a:rPr lang="en-US" sz="2360" spc="-1">
+                <a:latin typeface="Arial"/>
+              </a:rPr>
+              <a:t>Third Outline Level</a:t>
+            </a:r>
+            <a:endParaRPr/>
+          </a:p>
+          <a:p>
+            <a:pPr lvl="3" marL="1728000" indent="-216000">
+              <a:buClr>
+                <a:srgbClr val="ffffff"/>
+              </a:buClr>
+              <a:buSzPct val="45000"/>
+              <a:buFont typeface="StarSymbol"/>
+              <a:buChar char=""/>
+            </a:pPr>
+            <a:r>
+              <a:rPr lang="en-US" sz="1970" spc="-1">
+                <a:latin typeface="Arial"/>
+              </a:rPr>
+              <a:t>Fourth Outline Level</a:t>
+            </a:r>
+            <a:endParaRPr/>
+          </a:p>
+          <a:p>
+            <a:pPr lvl="4" marL="2160000" indent="-216000">
+              <a:buClr>
+                <a:srgbClr val="ffffff"/>
+              </a:buClr>
+              <a:buSzPct val="75000"/>
+              <a:buFont typeface="StarSymbol"/>
+              <a:buChar char=""/>
+            </a:pPr>
+            <a:r>
+              <a:rPr lang="en-US" sz="1970" spc="-1">
+                <a:latin typeface="Arial"/>
+              </a:rPr>
+              <a:t>Fifth Outline Level</a:t>
+            </a:r>
+            <a:endParaRPr/>
+          </a:p>
+          <a:p>
+            <a:pPr lvl="5" marL="2592000" indent="-216000">
+              <a:buClr>
+                <a:srgbClr val="ffffff"/>
+              </a:buClr>
+              <a:buSzPct val="45000"/>
+              <a:buFont typeface="StarSymbol"/>
+              <a:buChar char=""/>
+            </a:pPr>
+            <a:r>
+              <a:rPr lang="en-US" sz="1970" spc="-1">
+                <a:latin typeface="Arial"/>
+              </a:rPr>
+              <a:t>Sixth Outline Level</a:t>
+            </a:r>
+            <a:endParaRPr/>
+          </a:p>
+          <a:p>
+            <a:pPr lvl="6" marL="3024000" indent="-216000">
+              <a:buClr>
+                <a:srgbClr val="ffffff"/>
+              </a:buClr>
+              <a:buSzPct val="45000"/>
+              <a:buFont typeface="StarSymbol"/>
+              <a:buChar char=""/>
+            </a:pPr>
+            <a:r>
+              <a:rPr lang="en-US" sz="1970" spc="-1">
+                <a:latin typeface="Arial"/>
+              </a:rPr>
+              <a:t>Seventh Outline Level</a:t>
+            </a:r>
+            <a:endParaRPr/>
+          </a:p>
+        </p:txBody>
+      </p:sp>
+      <p:sp>
+        <p:nvSpPr>
+          <p:cNvPr id="139" name="PlaceHolder 3"/>
+          <p:cNvSpPr>
+            <a:spLocks noGrp="1"/>
+          </p:cNvSpPr>
+          <p:nvPr>
+            <p:ph type="dt"/>
+          </p:nvPr>
+        </p:nvSpPr>
+        <p:spPr>
+          <a:xfrm>
+            <a:off x="457200" y="6247080"/>
+            <a:ext cx="2130120" cy="472320"/>
+          </a:xfrm>
+          <a:prstGeom prst="rect">
+            <a:avLst/>
+          </a:prstGeom>
+        </p:spPr>
+        <p:txBody>
+          <a:bodyPr lIns="0" rIns="0" tIns="0" bIns="0"/>
+          <a:p>
+            <a:r>
+              <a:rPr lang="en-US" sz="1400" spc="-1">
+                <a:solidFill>
+                  <a:srgbClr val="ffffff"/>
+                </a:solidFill>
+                <a:latin typeface="Times New Roman"/>
+              </a:rPr>
+              <a:t>&lt;date/time&gt;</a:t>
+            </a:r>
+            <a:endParaRPr/>
+          </a:p>
+        </p:txBody>
+      </p:sp>
+      <p:sp>
+        <p:nvSpPr>
+          <p:cNvPr id="140" name="PlaceHolder 4"/>
+          <p:cNvSpPr>
+            <a:spLocks noGrp="1"/>
+          </p:cNvSpPr>
+          <p:nvPr>
+            <p:ph type="ftr"/>
+          </p:nvPr>
+        </p:nvSpPr>
+        <p:spPr>
+          <a:xfrm>
+            <a:off x="3126600" y="6247080"/>
+            <a:ext cx="2898360" cy="472320"/>
+          </a:xfrm>
+          <a:prstGeom prst="rect">
+            <a:avLst/>
+          </a:prstGeom>
+        </p:spPr>
+        <p:txBody>
+          <a:bodyPr lIns="0" rIns="0" tIns="0" bIns="0"/>
+          <a:p>
+            <a:pPr algn="ctr"/>
+            <a:r>
+              <a:rPr lang="en-US" sz="1400" spc="-1">
+                <a:solidFill>
+                  <a:srgbClr val="ffffff"/>
+                </a:solidFill>
+                <a:latin typeface="Times New Roman"/>
+              </a:rPr>
+              <a:t>&lt;footer&gt;</a:t>
+            </a:r>
+            <a:endParaRPr/>
+          </a:p>
+        </p:txBody>
+      </p:sp>
+      <p:sp>
+        <p:nvSpPr>
+          <p:cNvPr id="141" name="PlaceHolder 5"/>
+          <p:cNvSpPr>
+            <a:spLocks noGrp="1"/>
+          </p:cNvSpPr>
+          <p:nvPr>
+            <p:ph type="sldNum"/>
+          </p:nvPr>
+        </p:nvSpPr>
+        <p:spPr>
+          <a:xfrm>
+            <a:off x="6555600" y="6247080"/>
+            <a:ext cx="2130120" cy="472320"/>
+          </a:xfrm>
+          <a:prstGeom prst="rect">
+            <a:avLst/>
+          </a:prstGeom>
+        </p:spPr>
+        <p:txBody>
+          <a:bodyPr lIns="0" rIns="0" tIns="0" bIns="0"/>
+          <a:p>
+            <a:pPr algn="r"/>
+            <a:fld id="{84A95C49-5A50-47AD-8082-49C1FEA2F2D9}" type="slidenum">
+              <a:rPr lang="en-US" sz="1400" spc="-1">
+                <a:solidFill>
+                  <a:srgbClr val="ffffff"/>
+                </a:solidFill>
+                <a:latin typeface="Times New Roman"/>
+              </a:rPr>
+              <a:t>&lt;number&gt;</a:t>
+            </a:fld>
+            <a:endParaRPr/>
+          </a:p>
+        </p:txBody>
+      </p:sp>
+    </p:spTree>
+  </p:cSld>
+  <p:clrMap bg1="lt1" bg2="lt2" tx1="dk1" tx2="dk2" accent1="accent1" accent2="accent2" accent3="accent3" accent4="accent4" accent5="accent5" accent6="accent6" hlink="hlink" folHlink="folHlink"/>
+  <p:sldLayoutIdLst>
+    <p:sldLayoutId id="2147483688" r:id="rId3"/>
+    <p:sldLayoutId id="2147483689" r:id="rId4"/>
+    <p:sldLayoutId id="2147483690" r:id="rId5"/>
+    <p:sldLayoutId id="2147483691" r:id="rId6"/>
+    <p:sldLayoutId id="2147483692" r:id="rId7"/>
+    <p:sldLayoutId id="2147483693" r:id="rId8"/>
+    <p:sldLayoutId id="2147483694" r:id="rId9"/>
+    <p:sldLayoutId id="2147483695" r:id="rId10"/>
+    <p:sldLayoutId id="2147483696" r:id="rId11"/>
+    <p:sldLayoutId id="2147483697" r:id="rId12"/>
+    <p:sldLayoutId id="2147483698" r:id="rId13"/>
+    <p:sldLayoutId id="2147483699" r:id="rId14"/>
   </p:sldLayoutIdLst>
 </p:sldMaster>
 </file>
@@ -8556,14 +11235,14 @@
       </p:grpSpPr>
       <p:sp>
         <p:nvSpPr>
-          <p:cNvPr id="104" name="CustomShape 1"/>
+          <p:cNvPr id="181" name="CustomShape 1"/>
           <p:cNvSpPr/>
           <p:nvPr/>
         </p:nvSpPr>
         <p:spPr>
           <a:xfrm>
             <a:off x="3276720" y="5867280"/>
-            <a:ext cx="5562360" cy="691920"/>
+            <a:ext cx="5562000" cy="691560"/>
           </a:xfrm>
           <a:prstGeom prst="rect">
             <a:avLst/>
@@ -8582,7 +11261,7 @@
         <p:txBody>
           <a:bodyPr lIns="90000" rIns="90000" tIns="45000" bIns="45000"/>
           <a:p>
-            <a:pPr marL="343080" indent="-342720" algn="r">
+            <a:pPr marL="343080" indent="-342360" algn="r">
               <a:lnSpc>
                 <a:spcPct val="90000"/>
               </a:lnSpc>
@@ -8598,6 +11277,7 @@
                   </a:solidFill>
                 </a:uFill>
                 <a:latin typeface="Arial"/>
+                <a:ea typeface="DejaVu Sans"/>
               </a:rPr>
               <a:t>email:</a:t>
             </a:r>
@@ -8612,6 +11292,7 @@
                   </a:solidFill>
                 </a:uFill>
                 <a:latin typeface="Comic Sans MS"/>
+                <a:ea typeface="DejaVu Sans"/>
               </a:rPr>
               <a:t>e.mail@uah.edu</a:t>
             </a:r>
@@ -8621,14 +11302,14 @@
       </p:sp>
       <p:sp>
         <p:nvSpPr>
-          <p:cNvPr id="105" name="TextShape 2"/>
-          <p:cNvSpPr txBox="1"/>
+          <p:cNvPr id="182" name="CustomShape 2"/>
+          <p:cNvSpPr/>
           <p:nvPr/>
         </p:nvSpPr>
         <p:spPr>
           <a:xfrm>
             <a:off x="533520" y="1736640"/>
-            <a:ext cx="8076960" cy="1920600"/>
+            <a:ext cx="8076600" cy="1920240"/>
           </a:xfrm>
           <a:prstGeom prst="rect">
             <a:avLst/>
@@ -8638,8 +11319,31 @@
             <a:noFill/>
           </a:ln>
         </p:spPr>
-        <p:txBody>
-          <a:bodyPr anchor="ctr"/>
+        <p:style>
+          <a:lnRef idx="0"/>
+          <a:fillRef idx="0"/>
+          <a:effectRef idx="0"/>
+          <a:fontRef idx="minor"/>
+        </p:style>
+        <p:txBody>
+          <a:bodyPr lIns="90000" rIns="90000" tIns="45000" bIns="45000" anchor="ctr"/>
+          <a:p>
+            <a:r>
+              <a:rPr b="1" lang="en-US" sz="4800" spc="-1" strike="noStrike">
+                <a:solidFill>
+                  <a:srgbClr val="e5e5ff"/>
+                </a:solidFill>
+                <a:uFill>
+                  <a:solidFill>
+                    <a:srgbClr val="ffffff"/>
+                  </a:solidFill>
+                </a:uFill>
+                <a:latin typeface="Garamond"/>
+              </a:rPr>
+              <a:t>Project Title</a:t>
+            </a:r>
+            <a:endParaRPr/>
+          </a:p>
           <a:p>
             <a:pPr algn="ctr">
               <a:lnSpc>
@@ -8658,35 +11362,6 @@
                 </a:uFill>
                 <a:latin typeface="Garamond"/>
               </a:rPr>
-              <a:t>Project Title</a:t>
-            </a:r>
-            <a:r>
-              <a:rPr b="1" lang="en-US" sz="4800" spc="-1" strike="noStrike">
-                <a:solidFill>
-                  <a:srgbClr val="e5e5ff"/>
-                </a:solidFill>
-                <a:uFill>
-                  <a:solidFill>
-                    <a:srgbClr val="ffffff"/>
-                  </a:solidFill>
-                </a:uFill>
-                <a:latin typeface="Garamond"/>
-              </a:rPr>
-              <a:t>
-</a:t>
-            </a:r>
-            <a:r>
-              <a:rPr b="1" lang="en-US" sz="4800" spc="-1" strike="noStrike">
-                <a:solidFill>
-                  <a:srgbClr val="e5e5ff"/>
-                </a:solidFill>
-                <a:uFill>
-                  <a:solidFill>
-                    <a:srgbClr val="ffffff"/>
-                  </a:solidFill>
-                </a:uFill>
-                <a:latin typeface="Garamond"/>
-              </a:rPr>
               <a:t>(as descriptive as possible)</a:t>
             </a:r>
             <a:endParaRPr/>
@@ -8695,14 +11370,14 @@
       </p:sp>
       <p:sp>
         <p:nvSpPr>
-          <p:cNvPr id="106" name="TextShape 3"/>
-          <p:cNvSpPr txBox="1"/>
+          <p:cNvPr id="183" name="CustomShape 3"/>
+          <p:cNvSpPr/>
           <p:nvPr/>
         </p:nvSpPr>
         <p:spPr>
           <a:xfrm>
             <a:off x="1219320" y="3733920"/>
-            <a:ext cx="6400440" cy="1752120"/>
+            <a:ext cx="6400080" cy="1751760"/>
           </a:xfrm>
           <a:prstGeom prst="rect">
             <a:avLst/>
@@ -8712,8 +11387,14 @@
             <a:noFill/>
           </a:ln>
         </p:spPr>
-        <p:txBody>
-          <a:bodyPr/>
+        <p:style>
+          <a:lnRef idx="0"/>
+          <a:fillRef idx="0"/>
+          <a:effectRef idx="0"/>
+          <a:fontRef idx="minor"/>
+        </p:style>
+        <p:txBody>
+          <a:bodyPr lIns="90000" rIns="90000" tIns="45000" bIns="45000"/>
           <a:p>
             <a:pPr algn="ctr">
               <a:lnSpc>
@@ -8786,21 +11467,14 @@
               </a:rPr>
               <a:t>Electrical and Computer Engineering </a:t>
             </a:r>
-            <a:r>
-              <a:rPr lang="en-US" sz="2400" spc="-1" strike="noStrike">
-                <a:solidFill>
-                  <a:srgbClr val="ffffff"/>
-                </a:solidFill>
-                <a:uFill>
-                  <a:solidFill>
-                    <a:srgbClr val="ffffff"/>
-                  </a:solidFill>
-                </a:uFill>
-                <a:latin typeface="Garamond"/>
-              </a:rPr>
-              <a:t>
-</a:t>
-            </a:r>
+            <a:endParaRPr/>
+          </a:p>
+          <a:p>
+            <a:pPr algn="ctr">
+              <a:lnSpc>
+                <a:spcPct val="80000"/>
+              </a:lnSpc>
+            </a:pPr>
             <a:r>
               <a:rPr lang="en-US" sz="2400" spc="-1" strike="noStrike">
                 <a:solidFill>
@@ -8870,14 +11544,14 @@
       </p:grpSpPr>
       <p:sp>
         <p:nvSpPr>
-          <p:cNvPr id="140" name="TextShape 1"/>
-          <p:cNvSpPr txBox="1"/>
+          <p:cNvPr id="217" name="CustomShape 1"/>
+          <p:cNvSpPr/>
           <p:nvPr/>
         </p:nvSpPr>
         <p:spPr>
           <a:xfrm>
             <a:off x="8077320" y="6477120"/>
-            <a:ext cx="609120" cy="247320"/>
+            <a:ext cx="608760" cy="246960"/>
           </a:xfrm>
           <a:prstGeom prst="rect">
             <a:avLst/>
@@ -8887,15 +11561,21 @@
             <a:noFill/>
           </a:ln>
         </p:spPr>
-        <p:txBody>
-          <a:bodyPr anchor="b"/>
+        <p:style>
+          <a:lnRef idx="0"/>
+          <a:fillRef idx="0"/>
+          <a:effectRef idx="0"/>
+          <a:fontRef idx="minor"/>
+        </p:style>
+        <p:txBody>
+          <a:bodyPr lIns="90000" rIns="90000" tIns="45000" bIns="45000" anchor="b"/>
           <a:p>
             <a:pPr algn="r">
               <a:lnSpc>
                 <a:spcPct val="100000"/>
               </a:lnSpc>
             </a:pPr>
-            <a:fld id="{B35B49A1-6A42-4E6E-B64B-17152BE61717}" type="slidenum">
+            <a:fld id="{CAE48817-2371-4E30-B37D-35D432393395}" type="slidenum">
               <a:rPr lang="en-US" sz="1200" spc="-1" strike="noStrike">
                 <a:solidFill>
                   <a:srgbClr val="ffffff"/>
@@ -8915,14 +11595,14 @@
       </p:sp>
       <p:sp>
         <p:nvSpPr>
-          <p:cNvPr id="141" name="TextShape 2"/>
-          <p:cNvSpPr txBox="1"/>
+          <p:cNvPr id="218" name="CustomShape 2"/>
+          <p:cNvSpPr/>
           <p:nvPr/>
         </p:nvSpPr>
         <p:spPr>
           <a:xfrm>
             <a:off x="457200" y="274680"/>
-            <a:ext cx="8229240" cy="1142640"/>
+            <a:ext cx="8228880" cy="1142280"/>
           </a:xfrm>
           <a:prstGeom prst="rect">
             <a:avLst/>
@@ -8932,8 +11612,14 @@
             <a:noFill/>
           </a:ln>
         </p:spPr>
-        <p:txBody>
-          <a:bodyPr anchor="ctr"/>
+        <p:style>
+          <a:lnRef idx="0"/>
+          <a:fillRef idx="0"/>
+          <a:effectRef idx="0"/>
+          <a:fontRef idx="minor"/>
+        </p:style>
+        <p:txBody>
+          <a:bodyPr lIns="90000" rIns="90000" tIns="45000" bIns="45000" anchor="ctr"/>
           <a:p>
             <a:pPr algn="ctr">
               <a:lnSpc>
@@ -8960,14 +11646,14 @@
       </p:sp>
       <p:sp>
         <p:nvSpPr>
-          <p:cNvPr id="142" name="TextShape 3"/>
-          <p:cNvSpPr txBox="1"/>
+          <p:cNvPr id="219" name="CustomShape 3"/>
+          <p:cNvSpPr/>
           <p:nvPr/>
         </p:nvSpPr>
         <p:spPr>
           <a:xfrm>
             <a:off x="457200" y="1600200"/>
-            <a:ext cx="8229240" cy="4800240"/>
+            <a:ext cx="8228880" cy="4799880"/>
           </a:xfrm>
           <a:prstGeom prst="rect">
             <a:avLst/>
@@ -8977,10 +11663,16 @@
             <a:noFill/>
           </a:ln>
         </p:spPr>
-        <p:txBody>
-          <a:bodyPr/>
-          <a:p>
-            <a:pPr marL="343080" indent="-342720">
+        <p:style>
+          <a:lnRef idx="0"/>
+          <a:fillRef idx="0"/>
+          <a:effectRef idx="0"/>
+          <a:fontRef idx="minor"/>
+        </p:style>
+        <p:txBody>
+          <a:bodyPr lIns="90000" rIns="90000" tIns="45000" bIns="45000"/>
+          <a:p>
+            <a:pPr marL="343080" indent="-342360">
               <a:lnSpc>
                 <a:spcPct val="100000"/>
               </a:lnSpc>
@@ -9008,7 +11700,7 @@
             <a:endParaRPr/>
           </a:p>
           <a:p>
-            <a:pPr lvl="1" marL="743040" indent="-285480">
+            <a:pPr lvl="1" marL="743040" indent="-285120">
               <a:lnSpc>
                 <a:spcPct val="100000"/>
               </a:lnSpc>
@@ -9036,7 +11728,7 @@
             <a:endParaRPr/>
           </a:p>
           <a:p>
-            <a:pPr lvl="1" marL="743040" indent="-285480">
+            <a:pPr lvl="1" marL="743040" indent="-285120">
               <a:lnSpc>
                 <a:spcPct val="100000"/>
               </a:lnSpc>
@@ -9067,14 +11759,14 @@
       </p:sp>
       <p:sp>
         <p:nvSpPr>
-          <p:cNvPr id="143" name="TextShape 4"/>
-          <p:cNvSpPr txBox="1"/>
+          <p:cNvPr id="220" name="CustomShape 4"/>
+          <p:cNvSpPr/>
           <p:nvPr/>
         </p:nvSpPr>
         <p:spPr>
           <a:xfrm>
             <a:off x="2057400" y="6477120"/>
-            <a:ext cx="5943240" cy="247320"/>
+            <a:ext cx="5942880" cy="246960"/>
           </a:xfrm>
           <a:prstGeom prst="rect">
             <a:avLst/>
@@ -9084,8 +11776,14 @@
             <a:noFill/>
           </a:ln>
         </p:spPr>
-        <p:txBody>
-          <a:bodyPr anchor="b"/>
+        <p:style>
+          <a:lnRef idx="0"/>
+          <a:fillRef idx="0"/>
+          <a:effectRef idx="0"/>
+          <a:fontRef idx="minor"/>
+        </p:style>
+        <p:txBody>
+          <a:bodyPr lIns="90000" rIns="90000" tIns="45000" bIns="45000" anchor="b"/>
           <a:p>
             <a:pPr algn="ctr">
               <a:lnSpc>
@@ -9161,14 +11859,14 @@
       </p:grpSpPr>
       <p:sp>
         <p:nvSpPr>
-          <p:cNvPr id="144" name="TextShape 1"/>
-          <p:cNvSpPr txBox="1"/>
+          <p:cNvPr id="221" name="CustomShape 1"/>
+          <p:cNvSpPr/>
           <p:nvPr/>
         </p:nvSpPr>
         <p:spPr>
           <a:xfrm>
             <a:off x="8077320" y="6477120"/>
-            <a:ext cx="609120" cy="247320"/>
+            <a:ext cx="608760" cy="246960"/>
           </a:xfrm>
           <a:prstGeom prst="rect">
             <a:avLst/>
@@ -9178,15 +11876,21 @@
             <a:noFill/>
           </a:ln>
         </p:spPr>
-        <p:txBody>
-          <a:bodyPr anchor="b"/>
+        <p:style>
+          <a:lnRef idx="0"/>
+          <a:fillRef idx="0"/>
+          <a:effectRef idx="0"/>
+          <a:fontRef idx="minor"/>
+        </p:style>
+        <p:txBody>
+          <a:bodyPr lIns="90000" rIns="90000" tIns="45000" bIns="45000" anchor="b"/>
           <a:p>
             <a:pPr algn="r">
               <a:lnSpc>
                 <a:spcPct val="100000"/>
               </a:lnSpc>
             </a:pPr>
-            <a:fld id="{E04EC7F1-A1BA-4875-AC14-E52DB59AEA7D}" type="slidenum">
+            <a:fld id="{5FCE98FB-28DB-4EDD-9260-53096D494AA7}" type="slidenum">
               <a:rPr lang="en-US" sz="1200" spc="-1" strike="noStrike">
                 <a:solidFill>
                   <a:srgbClr val="ffffff"/>
@@ -9206,14 +11910,14 @@
       </p:sp>
       <p:sp>
         <p:nvSpPr>
-          <p:cNvPr id="145" name="TextShape 2"/>
-          <p:cNvSpPr txBox="1"/>
+          <p:cNvPr id="222" name="CustomShape 2"/>
+          <p:cNvSpPr/>
           <p:nvPr/>
         </p:nvSpPr>
         <p:spPr>
           <a:xfrm>
             <a:off x="457200" y="274680"/>
-            <a:ext cx="8229240" cy="1142640"/>
+            <a:ext cx="8228880" cy="1142280"/>
           </a:xfrm>
           <a:prstGeom prst="rect">
             <a:avLst/>
@@ -9223,8 +11927,14 @@
             <a:noFill/>
           </a:ln>
         </p:spPr>
-        <p:txBody>
-          <a:bodyPr anchor="ctr"/>
+        <p:style>
+          <a:lnRef idx="0"/>
+          <a:fillRef idx="0"/>
+          <a:effectRef idx="0"/>
+          <a:fontRef idx="minor"/>
+        </p:style>
+        <p:txBody>
+          <a:bodyPr lIns="90000" rIns="90000" tIns="45000" bIns="45000" anchor="ctr"/>
           <a:p>
             <a:pPr algn="ctr">
               <a:lnSpc>
@@ -9251,14 +11961,14 @@
       </p:sp>
       <p:sp>
         <p:nvSpPr>
-          <p:cNvPr id="146" name="TextShape 3"/>
-          <p:cNvSpPr txBox="1"/>
+          <p:cNvPr id="223" name="CustomShape 3"/>
+          <p:cNvSpPr/>
           <p:nvPr/>
         </p:nvSpPr>
         <p:spPr>
           <a:xfrm>
             <a:off x="457200" y="1219320"/>
-            <a:ext cx="8229240" cy="5181120"/>
+            <a:ext cx="8228880" cy="5180760"/>
           </a:xfrm>
           <a:prstGeom prst="rect">
             <a:avLst/>
@@ -9268,10 +11978,16 @@
             <a:noFill/>
           </a:ln>
         </p:spPr>
-        <p:txBody>
-          <a:bodyPr/>
-          <a:p>
-            <a:pPr marL="343080" indent="-342720">
+        <p:style>
+          <a:lnRef idx="0"/>
+          <a:fillRef idx="0"/>
+          <a:effectRef idx="0"/>
+          <a:fontRef idx="minor"/>
+        </p:style>
+        <p:txBody>
+          <a:bodyPr lIns="90000" rIns="90000" tIns="45000" bIns="45000"/>
+          <a:p>
+            <a:pPr marL="343080" indent="-342360">
               <a:lnSpc>
                 <a:spcPct val="100000"/>
               </a:lnSpc>
@@ -9299,7 +12015,7 @@
             <a:endParaRPr/>
           </a:p>
           <a:p>
-            <a:pPr lvl="1" marL="743040" indent="-285480">
+            <a:pPr lvl="1" marL="743040" indent="-285120">
               <a:lnSpc>
                 <a:spcPct val="100000"/>
               </a:lnSpc>
@@ -9327,7 +12043,7 @@
             <a:endParaRPr/>
           </a:p>
           <a:p>
-            <a:pPr lvl="1" marL="743040" indent="-285480">
+            <a:pPr lvl="1" marL="743040" indent="-285120">
               <a:lnSpc>
                 <a:spcPct val="100000"/>
               </a:lnSpc>
@@ -9355,7 +12071,7 @@
             <a:endParaRPr/>
           </a:p>
           <a:p>
-            <a:pPr lvl="1" marL="743040" indent="-285480">
+            <a:pPr lvl="1" marL="743040" indent="-285120">
               <a:lnSpc>
                 <a:spcPct val="100000"/>
               </a:lnSpc>
@@ -9386,14 +12102,14 @@
       </p:sp>
       <p:sp>
         <p:nvSpPr>
-          <p:cNvPr id="147" name="TextShape 4"/>
-          <p:cNvSpPr txBox="1"/>
+          <p:cNvPr id="224" name="CustomShape 4"/>
+          <p:cNvSpPr/>
           <p:nvPr/>
         </p:nvSpPr>
         <p:spPr>
           <a:xfrm>
             <a:off x="2057400" y="6477120"/>
-            <a:ext cx="5943240" cy="247320"/>
+            <a:ext cx="5942880" cy="246960"/>
           </a:xfrm>
           <a:prstGeom prst="rect">
             <a:avLst/>
@@ -9403,8 +12119,14 @@
             <a:noFill/>
           </a:ln>
         </p:spPr>
-        <p:txBody>
-          <a:bodyPr anchor="b"/>
+        <p:style>
+          <a:lnRef idx="0"/>
+          <a:fillRef idx="0"/>
+          <a:effectRef idx="0"/>
+          <a:fontRef idx="minor"/>
+        </p:style>
+        <p:txBody>
+          <a:bodyPr lIns="90000" rIns="90000" tIns="45000" bIns="45000" anchor="b"/>
           <a:p>
             <a:pPr algn="ctr">
               <a:lnSpc>
@@ -9480,14 +12202,14 @@
       </p:grpSpPr>
       <p:sp>
         <p:nvSpPr>
-          <p:cNvPr id="148" name="TextShape 1"/>
-          <p:cNvSpPr txBox="1"/>
+          <p:cNvPr id="225" name="CustomShape 1"/>
+          <p:cNvSpPr/>
           <p:nvPr/>
         </p:nvSpPr>
         <p:spPr>
           <a:xfrm>
             <a:off x="8077320" y="6477120"/>
-            <a:ext cx="609120" cy="247320"/>
+            <a:ext cx="608760" cy="246960"/>
           </a:xfrm>
           <a:prstGeom prst="rect">
             <a:avLst/>
@@ -9497,15 +12219,21 @@
             <a:noFill/>
           </a:ln>
         </p:spPr>
-        <p:txBody>
-          <a:bodyPr anchor="b"/>
+        <p:style>
+          <a:lnRef idx="0"/>
+          <a:fillRef idx="0"/>
+          <a:effectRef idx="0"/>
+          <a:fontRef idx="minor"/>
+        </p:style>
+        <p:txBody>
+          <a:bodyPr lIns="90000" rIns="90000" tIns="45000" bIns="45000" anchor="b"/>
           <a:p>
             <a:pPr algn="r">
               <a:lnSpc>
                 <a:spcPct val="100000"/>
               </a:lnSpc>
             </a:pPr>
-            <a:fld id="{F9AAFE78-F321-414B-8A59-3666613A4E15}" type="slidenum">
+            <a:fld id="{8F790BB6-183E-429F-AD5D-926AC0579398}" type="slidenum">
               <a:rPr lang="en-US" sz="1200" spc="-1" strike="noStrike">
                 <a:solidFill>
                   <a:srgbClr val="ffffff"/>
@@ -9525,14 +12253,14 @@
       </p:sp>
       <p:sp>
         <p:nvSpPr>
-          <p:cNvPr id="149" name="TextShape 2"/>
-          <p:cNvSpPr txBox="1"/>
+          <p:cNvPr id="226" name="CustomShape 2"/>
+          <p:cNvSpPr/>
           <p:nvPr/>
         </p:nvSpPr>
         <p:spPr>
           <a:xfrm>
             <a:off x="457200" y="274680"/>
-            <a:ext cx="8229240" cy="1142640"/>
+            <a:ext cx="8228880" cy="1142280"/>
           </a:xfrm>
           <a:prstGeom prst="rect">
             <a:avLst/>
@@ -9542,8 +12270,31 @@
             <a:noFill/>
           </a:ln>
         </p:spPr>
-        <p:txBody>
-          <a:bodyPr anchor="ctr"/>
+        <p:style>
+          <a:lnRef idx="0"/>
+          <a:fillRef idx="0"/>
+          <a:effectRef idx="0"/>
+          <a:fontRef idx="minor"/>
+        </p:style>
+        <p:txBody>
+          <a:bodyPr lIns="90000" rIns="90000" tIns="45000" bIns="45000" anchor="ctr"/>
+          <a:p>
+            <a:r>
+              <a:rPr b="1" lang="en-US" sz="4000" spc="-1" strike="noStrike">
+                <a:solidFill>
+                  <a:srgbClr val="e5e5ff"/>
+                </a:solidFill>
+                <a:uFill>
+                  <a:solidFill>
+                    <a:srgbClr val="ffffff"/>
+                  </a:solidFill>
+                </a:uFill>
+                <a:latin typeface="Garamond"/>
+              </a:rPr>
+              <a:t>System Design Description</a:t>
+            </a:r>
+            <a:endParaRPr/>
+          </a:p>
           <a:p>
             <a:pPr algn="ctr">
               <a:lnSpc>
@@ -9562,35 +12313,6 @@
                 </a:uFill>
                 <a:latin typeface="Garamond"/>
               </a:rPr>
-              <a:t>System Design Description</a:t>
-            </a:r>
-            <a:r>
-              <a:rPr b="1" lang="en-US" sz="4000" spc="-1" strike="noStrike">
-                <a:solidFill>
-                  <a:srgbClr val="e5e5ff"/>
-                </a:solidFill>
-                <a:uFill>
-                  <a:solidFill>
-                    <a:srgbClr val="ffffff"/>
-                  </a:solidFill>
-                </a:uFill>
-                <a:latin typeface="Garamond"/>
-              </a:rPr>
-              <a:t>
-</a:t>
-            </a:r>
-            <a:r>
-              <a:rPr b="1" lang="en-US" sz="4000" spc="-1" strike="noStrike">
-                <a:solidFill>
-                  <a:srgbClr val="e5e5ff"/>
-                </a:solidFill>
-                <a:uFill>
-                  <a:solidFill>
-                    <a:srgbClr val="ffffff"/>
-                  </a:solidFill>
-                </a:uFill>
-                <a:latin typeface="Garamond"/>
-              </a:rPr>
               <a:t>(Functional </a:t>
             </a:r>
             <a:r>
@@ -9627,14 +12349,14 @@
       </p:sp>
       <p:sp>
         <p:nvSpPr>
-          <p:cNvPr id="150" name="TextShape 3"/>
-          <p:cNvSpPr txBox="1"/>
+          <p:cNvPr id="227" name="CustomShape 3"/>
+          <p:cNvSpPr/>
           <p:nvPr/>
         </p:nvSpPr>
         <p:spPr>
           <a:xfrm>
             <a:off x="457200" y="1600200"/>
-            <a:ext cx="8229240" cy="4800240"/>
+            <a:ext cx="8228880" cy="4799880"/>
           </a:xfrm>
           <a:prstGeom prst="rect">
             <a:avLst/>
@@ -9644,10 +12366,16 @@
             <a:noFill/>
           </a:ln>
         </p:spPr>
-        <p:txBody>
-          <a:bodyPr/>
-          <a:p>
-            <a:pPr marL="343080" indent="-342720">
+        <p:style>
+          <a:lnRef idx="0"/>
+          <a:fillRef idx="0"/>
+          <a:effectRef idx="0"/>
+          <a:fontRef idx="minor"/>
+        </p:style>
+        <p:txBody>
+          <a:bodyPr lIns="90000" rIns="90000" tIns="45000" bIns="45000"/>
+          <a:p>
+            <a:pPr marL="343080" indent="-342360">
               <a:lnSpc>
                 <a:spcPct val="100000"/>
               </a:lnSpc>
@@ -9675,7 +12403,7 @@
             <a:endParaRPr/>
           </a:p>
           <a:p>
-            <a:pPr lvl="1" marL="743040" indent="-285480">
+            <a:pPr lvl="1" marL="743040" indent="-285120">
               <a:lnSpc>
                 <a:spcPct val="100000"/>
               </a:lnSpc>
@@ -9703,7 +12431,7 @@
             <a:endParaRPr/>
           </a:p>
           <a:p>
-            <a:pPr lvl="1" marL="743040" indent="-285480">
+            <a:pPr lvl="1" marL="743040" indent="-285120">
               <a:lnSpc>
                 <a:spcPct val="100000"/>
               </a:lnSpc>
@@ -9731,7 +12459,7 @@
             <a:endParaRPr/>
           </a:p>
           <a:p>
-            <a:pPr marL="343080" indent="-342720">
+            <a:pPr marL="343080" indent="-342360">
               <a:lnSpc>
                 <a:spcPct val="100000"/>
               </a:lnSpc>
@@ -9759,7 +12487,7 @@
             <a:endParaRPr/>
           </a:p>
           <a:p>
-            <a:pPr lvl="1" marL="743040" indent="-285480">
+            <a:pPr lvl="1" marL="743040" indent="-285120">
               <a:lnSpc>
                 <a:spcPct val="100000"/>
               </a:lnSpc>
@@ -9787,7 +12515,7 @@
             <a:endParaRPr/>
           </a:p>
           <a:p>
-            <a:pPr lvl="1" marL="743040" indent="-285480">
+            <a:pPr lvl="1" marL="743040" indent="-285120">
               <a:lnSpc>
                 <a:spcPct val="100000"/>
               </a:lnSpc>
@@ -9815,9 +12543,6 @@
             <a:endParaRPr/>
           </a:p>
           <a:p>
-            <a:endParaRPr/>
-          </a:p>
-          <a:p>
             <a:pPr>
               <a:lnSpc>
                 <a:spcPct val="100000"/>
@@ -9825,18 +12550,26 @@
             </a:pPr>
             <a:endParaRPr/>
           </a:p>
-        </p:txBody>
-      </p:sp>
-      <p:sp>
-        <p:nvSpPr>
-          <p:cNvPr id="151" name="TextShape 4"/>
-          <p:cNvSpPr txBox="1"/>
+          <a:p>
+            <a:pPr>
+              <a:lnSpc>
+                <a:spcPct val="100000"/>
+              </a:lnSpc>
+            </a:pPr>
+            <a:endParaRPr/>
+          </a:p>
+        </p:txBody>
+      </p:sp>
+      <p:sp>
+        <p:nvSpPr>
+          <p:cNvPr id="228" name="CustomShape 4"/>
+          <p:cNvSpPr/>
           <p:nvPr/>
         </p:nvSpPr>
         <p:spPr>
           <a:xfrm>
             <a:off x="2057400" y="6477120"/>
-            <a:ext cx="5943240" cy="247320"/>
+            <a:ext cx="5942880" cy="246960"/>
           </a:xfrm>
           <a:prstGeom prst="rect">
             <a:avLst/>
@@ -9846,8 +12579,14 @@
             <a:noFill/>
           </a:ln>
         </p:spPr>
-        <p:txBody>
-          <a:bodyPr anchor="b"/>
+        <p:style>
+          <a:lnRef idx="0"/>
+          <a:fillRef idx="0"/>
+          <a:effectRef idx="0"/>
+          <a:fontRef idx="minor"/>
+        </p:style>
+        <p:txBody>
+          <a:bodyPr lIns="90000" rIns="90000" tIns="45000" bIns="45000" anchor="b"/>
           <a:p>
             <a:pPr algn="ctr">
               <a:lnSpc>
@@ -9923,14 +12662,14 @@
       </p:grpSpPr>
       <p:sp>
         <p:nvSpPr>
-          <p:cNvPr id="152" name="TextShape 1"/>
-          <p:cNvSpPr txBox="1"/>
+          <p:cNvPr id="229" name="CustomShape 1"/>
+          <p:cNvSpPr/>
           <p:nvPr/>
         </p:nvSpPr>
         <p:spPr>
           <a:xfrm>
             <a:off x="8077320" y="6477120"/>
-            <a:ext cx="609120" cy="247320"/>
+            <a:ext cx="608760" cy="246960"/>
           </a:xfrm>
           <a:prstGeom prst="rect">
             <a:avLst/>
@@ -9940,15 +12679,21 @@
             <a:noFill/>
           </a:ln>
         </p:spPr>
-        <p:txBody>
-          <a:bodyPr anchor="b"/>
+        <p:style>
+          <a:lnRef idx="0"/>
+          <a:fillRef idx="0"/>
+          <a:effectRef idx="0"/>
+          <a:fontRef idx="minor"/>
+        </p:style>
+        <p:txBody>
+          <a:bodyPr lIns="90000" rIns="90000" tIns="45000" bIns="45000" anchor="b"/>
           <a:p>
             <a:pPr algn="r">
               <a:lnSpc>
                 <a:spcPct val="100000"/>
               </a:lnSpc>
             </a:pPr>
-            <a:fld id="{4899E0B6-D846-4BBD-844B-7F02C83F6F3A}" type="slidenum">
+            <a:fld id="{2A43D4B8-310F-4E29-9FBB-0215CCE8DC75}" type="slidenum">
               <a:rPr lang="en-US" sz="1200" spc="-1" strike="noStrike">
                 <a:solidFill>
                   <a:srgbClr val="ffffff"/>
@@ -9968,14 +12713,14 @@
       </p:sp>
       <p:sp>
         <p:nvSpPr>
-          <p:cNvPr id="153" name="TextShape 2"/>
-          <p:cNvSpPr txBox="1"/>
+          <p:cNvPr id="230" name="CustomShape 2"/>
+          <p:cNvSpPr/>
           <p:nvPr/>
         </p:nvSpPr>
         <p:spPr>
           <a:xfrm>
             <a:off x="2057400" y="6477120"/>
-            <a:ext cx="5943240" cy="247320"/>
+            <a:ext cx="5942880" cy="246960"/>
           </a:xfrm>
           <a:prstGeom prst="rect">
             <a:avLst/>
@@ -9985,8 +12730,14 @@
             <a:noFill/>
           </a:ln>
         </p:spPr>
-        <p:txBody>
-          <a:bodyPr anchor="b"/>
+        <p:style>
+          <a:lnRef idx="0"/>
+          <a:fillRef idx="0"/>
+          <a:effectRef idx="0"/>
+          <a:fontRef idx="minor"/>
+        </p:style>
+        <p:txBody>
+          <a:bodyPr lIns="90000" rIns="90000" tIns="45000" bIns="45000" anchor="b"/>
           <a:p>
             <a:pPr algn="ctr">
               <a:lnSpc>
@@ -10013,14 +12764,14 @@
       </p:sp>
       <p:sp>
         <p:nvSpPr>
-          <p:cNvPr id="154" name="TextShape 3"/>
-          <p:cNvSpPr txBox="1"/>
+          <p:cNvPr id="231" name="CustomShape 3"/>
+          <p:cNvSpPr/>
           <p:nvPr/>
         </p:nvSpPr>
         <p:spPr>
           <a:xfrm>
             <a:off x="457200" y="274680"/>
-            <a:ext cx="8229240" cy="1142640"/>
+            <a:ext cx="8228880" cy="1142280"/>
           </a:xfrm>
           <a:prstGeom prst="rect">
             <a:avLst/>
@@ -10030,8 +12781,14 @@
             <a:noFill/>
           </a:ln>
         </p:spPr>
-        <p:txBody>
-          <a:bodyPr anchor="ctr"/>
+        <p:style>
+          <a:lnRef idx="0"/>
+          <a:fillRef idx="0"/>
+          <a:effectRef idx="0"/>
+          <a:fontRef idx="minor"/>
+        </p:style>
+        <p:txBody>
+          <a:bodyPr lIns="90000" rIns="90000" tIns="45000" bIns="45000" anchor="ctr"/>
           <a:p>
             <a:pPr algn="ctr">
               <a:lnSpc>
@@ -10058,14 +12815,14 @@
       </p:sp>
       <p:sp>
         <p:nvSpPr>
-          <p:cNvPr id="155" name="TextShape 4"/>
-          <p:cNvSpPr txBox="1"/>
+          <p:cNvPr id="232" name="CustomShape 4"/>
+          <p:cNvSpPr/>
           <p:nvPr/>
         </p:nvSpPr>
         <p:spPr>
           <a:xfrm>
             <a:off x="457200" y="1600200"/>
-            <a:ext cx="8229240" cy="4800240"/>
+            <a:ext cx="8228880" cy="4799880"/>
           </a:xfrm>
           <a:prstGeom prst="rect">
             <a:avLst/>
@@ -10075,10 +12832,16 @@
             <a:noFill/>
           </a:ln>
         </p:spPr>
-        <p:txBody>
-          <a:bodyPr/>
-          <a:p>
-            <a:pPr marL="343080" indent="-342720">
+        <p:style>
+          <a:lnRef idx="0"/>
+          <a:fillRef idx="0"/>
+          <a:effectRef idx="0"/>
+          <a:fontRef idx="minor"/>
+        </p:style>
+        <p:txBody>
+          <a:bodyPr lIns="90000" rIns="90000" tIns="45000" bIns="45000"/>
+          <a:p>
+            <a:pPr marL="343080" indent="-342360">
               <a:lnSpc>
                 <a:spcPct val="100000"/>
               </a:lnSpc>
@@ -10106,7 +12869,7 @@
             <a:endParaRPr/>
           </a:p>
           <a:p>
-            <a:pPr marL="343080" indent="-342720">
+            <a:pPr marL="343080" indent="-342360">
               <a:lnSpc>
                 <a:spcPct val="100000"/>
               </a:lnSpc>
@@ -10194,14 +12957,14 @@
       </p:grpSpPr>
       <p:sp>
         <p:nvSpPr>
-          <p:cNvPr id="156" name="TextShape 1"/>
-          <p:cNvSpPr txBox="1"/>
+          <p:cNvPr id="233" name="CustomShape 1"/>
+          <p:cNvSpPr/>
           <p:nvPr/>
         </p:nvSpPr>
         <p:spPr>
           <a:xfrm>
             <a:off x="8077320" y="6477120"/>
-            <a:ext cx="609120" cy="247320"/>
+            <a:ext cx="608760" cy="246960"/>
           </a:xfrm>
           <a:prstGeom prst="rect">
             <a:avLst/>
@@ -10211,15 +12974,21 @@
             <a:noFill/>
           </a:ln>
         </p:spPr>
-        <p:txBody>
-          <a:bodyPr anchor="b"/>
+        <p:style>
+          <a:lnRef idx="0"/>
+          <a:fillRef idx="0"/>
+          <a:effectRef idx="0"/>
+          <a:fontRef idx="minor"/>
+        </p:style>
+        <p:txBody>
+          <a:bodyPr lIns="90000" rIns="90000" tIns="45000" bIns="45000" anchor="b"/>
           <a:p>
             <a:pPr algn="r">
               <a:lnSpc>
                 <a:spcPct val="100000"/>
               </a:lnSpc>
             </a:pPr>
-            <a:fld id="{C97C3B9F-6F3E-4A77-9CD3-8AC403B4BE03}" type="slidenum">
+            <a:fld id="{5AB521AD-8E35-4682-8A04-68D3D2882FD8}" type="slidenum">
               <a:rPr lang="en-US" sz="1200" spc="-1" strike="noStrike">
                 <a:solidFill>
                   <a:srgbClr val="ffffff"/>
@@ -10239,14 +13008,14 @@
       </p:sp>
       <p:sp>
         <p:nvSpPr>
-          <p:cNvPr id="157" name="TextShape 2"/>
-          <p:cNvSpPr txBox="1"/>
+          <p:cNvPr id="234" name="CustomShape 2"/>
+          <p:cNvSpPr/>
           <p:nvPr/>
         </p:nvSpPr>
         <p:spPr>
           <a:xfrm>
             <a:off x="2057400" y="6477120"/>
-            <a:ext cx="5943240" cy="247320"/>
+            <a:ext cx="5942880" cy="246960"/>
           </a:xfrm>
           <a:prstGeom prst="rect">
             <a:avLst/>
@@ -10256,8 +13025,14 @@
             <a:noFill/>
           </a:ln>
         </p:spPr>
-        <p:txBody>
-          <a:bodyPr anchor="b"/>
+        <p:style>
+          <a:lnRef idx="0"/>
+          <a:fillRef idx="0"/>
+          <a:effectRef idx="0"/>
+          <a:fontRef idx="minor"/>
+        </p:style>
+        <p:txBody>
+          <a:bodyPr lIns="90000" rIns="90000" tIns="45000" bIns="45000" anchor="b"/>
           <a:p>
             <a:pPr algn="ctr">
               <a:lnSpc>
@@ -10284,14 +13059,14 @@
       </p:sp>
       <p:sp>
         <p:nvSpPr>
-          <p:cNvPr id="158" name="TextShape 3"/>
-          <p:cNvSpPr txBox="1"/>
+          <p:cNvPr id="235" name="CustomShape 3"/>
+          <p:cNvSpPr/>
           <p:nvPr/>
         </p:nvSpPr>
         <p:spPr>
           <a:xfrm>
             <a:off x="457200" y="274680"/>
-            <a:ext cx="8229240" cy="1142640"/>
+            <a:ext cx="8228880" cy="1142280"/>
           </a:xfrm>
           <a:prstGeom prst="rect">
             <a:avLst/>
@@ -10301,8 +13076,14 @@
             <a:noFill/>
           </a:ln>
         </p:spPr>
-        <p:txBody>
-          <a:bodyPr anchor="ctr"/>
+        <p:style>
+          <a:lnRef idx="0"/>
+          <a:fillRef idx="0"/>
+          <a:effectRef idx="0"/>
+          <a:fontRef idx="minor"/>
+        </p:style>
+        <p:txBody>
+          <a:bodyPr lIns="90000" rIns="90000" tIns="45000" bIns="45000" anchor="ctr"/>
           <a:p>
             <a:pPr algn="ctr">
               <a:lnSpc>
@@ -10329,14 +13110,14 @@
       </p:sp>
       <p:sp>
         <p:nvSpPr>
-          <p:cNvPr id="159" name="TextShape 4"/>
-          <p:cNvSpPr txBox="1"/>
+          <p:cNvPr id="236" name="CustomShape 4"/>
+          <p:cNvSpPr/>
           <p:nvPr/>
         </p:nvSpPr>
         <p:spPr>
           <a:xfrm>
             <a:off x="380880" y="1219320"/>
-            <a:ext cx="8534160" cy="5181120"/>
+            <a:ext cx="8533800" cy="5180760"/>
           </a:xfrm>
           <a:prstGeom prst="rect">
             <a:avLst/>
@@ -10346,10 +13127,16 @@
             <a:noFill/>
           </a:ln>
         </p:spPr>
-        <p:txBody>
-          <a:bodyPr/>
-          <a:p>
-            <a:pPr marL="343080" indent="-342720">
+        <p:style>
+          <a:lnRef idx="0"/>
+          <a:fillRef idx="0"/>
+          <a:effectRef idx="0"/>
+          <a:fontRef idx="minor"/>
+        </p:style>
+        <p:txBody>
+          <a:bodyPr lIns="90000" rIns="90000" tIns="45000" bIns="45000"/>
+          <a:p>
+            <a:pPr marL="343080" indent="-342360">
               <a:lnSpc>
                 <a:spcPct val="90000"/>
               </a:lnSpc>
@@ -10377,7 +13164,7 @@
             <a:endParaRPr/>
           </a:p>
           <a:p>
-            <a:pPr lvl="1" marL="743040" indent="-285480">
+            <a:pPr lvl="1" marL="743040" indent="-285120">
               <a:lnSpc>
                 <a:spcPct val="90000"/>
               </a:lnSpc>
@@ -10405,7 +13192,7 @@
             <a:endParaRPr/>
           </a:p>
           <a:p>
-            <a:pPr lvl="1" marL="743040" indent="-285480">
+            <a:pPr lvl="1" marL="743040" indent="-285120">
               <a:lnSpc>
                 <a:spcPct val="90000"/>
               </a:lnSpc>
@@ -10433,7 +13220,7 @@
             <a:endParaRPr/>
           </a:p>
           <a:p>
-            <a:pPr lvl="2" marL="1143000" indent="-228240">
+            <a:pPr lvl="2" marL="1143000" indent="-227880">
               <a:lnSpc>
                 <a:spcPct val="90000"/>
               </a:lnSpc>
@@ -10461,7 +13248,7 @@
             <a:endParaRPr/>
           </a:p>
           <a:p>
-            <a:pPr lvl="1" marL="743040" indent="-285480">
+            <a:pPr lvl="1" marL="743040" indent="-285120">
               <a:lnSpc>
                 <a:spcPct val="90000"/>
               </a:lnSpc>
@@ -10489,7 +13276,7 @@
             <a:endParaRPr/>
           </a:p>
           <a:p>
-            <a:pPr lvl="2" marL="1143000" indent="-228240">
+            <a:pPr lvl="2" marL="1143000" indent="-227880">
               <a:lnSpc>
                 <a:spcPct val="90000"/>
               </a:lnSpc>
@@ -10517,7 +13304,7 @@
             <a:endParaRPr/>
           </a:p>
           <a:p>
-            <a:pPr lvl="1" marL="743040" indent="-285480">
+            <a:pPr lvl="1" marL="743040" indent="-285120">
               <a:lnSpc>
                 <a:spcPct val="90000"/>
               </a:lnSpc>
@@ -10545,7 +13332,7 @@
             <a:endParaRPr/>
           </a:p>
           <a:p>
-            <a:pPr lvl="2" marL="1143000" indent="-228240">
+            <a:pPr lvl="2" marL="1143000" indent="-227880">
               <a:lnSpc>
                 <a:spcPct val="90000"/>
               </a:lnSpc>
@@ -10573,7 +13360,7 @@
             <a:endParaRPr/>
           </a:p>
           <a:p>
-            <a:pPr marL="343080" indent="-342720">
+            <a:pPr marL="343080" indent="-342360">
               <a:lnSpc>
                 <a:spcPct val="90000"/>
               </a:lnSpc>
@@ -10653,14 +13440,14 @@
       </p:grpSpPr>
       <p:sp>
         <p:nvSpPr>
-          <p:cNvPr id="160" name="TextShape 1"/>
-          <p:cNvSpPr txBox="1"/>
+          <p:cNvPr id="237" name="CustomShape 1"/>
+          <p:cNvSpPr/>
           <p:nvPr/>
         </p:nvSpPr>
         <p:spPr>
           <a:xfrm>
             <a:off x="8077320" y="6477120"/>
-            <a:ext cx="609120" cy="247320"/>
+            <a:ext cx="608760" cy="246960"/>
           </a:xfrm>
           <a:prstGeom prst="rect">
             <a:avLst/>
@@ -10670,15 +13457,21 @@
             <a:noFill/>
           </a:ln>
         </p:spPr>
-        <p:txBody>
-          <a:bodyPr anchor="b"/>
+        <p:style>
+          <a:lnRef idx="0"/>
+          <a:fillRef idx="0"/>
+          <a:effectRef idx="0"/>
+          <a:fontRef idx="minor"/>
+        </p:style>
+        <p:txBody>
+          <a:bodyPr lIns="90000" rIns="90000" tIns="45000" bIns="45000" anchor="b"/>
           <a:p>
             <a:pPr algn="r">
               <a:lnSpc>
                 <a:spcPct val="100000"/>
               </a:lnSpc>
             </a:pPr>
-            <a:fld id="{F420C176-550D-46CE-9698-AB09A486C67F}" type="slidenum">
+            <a:fld id="{075E7AE1-72D0-4D49-AA7E-4405357B3A55}" type="slidenum">
               <a:rPr lang="en-US" sz="1200" spc="-1" strike="noStrike">
                 <a:solidFill>
                   <a:srgbClr val="ffffff"/>
@@ -10698,14 +13491,14 @@
       </p:sp>
       <p:sp>
         <p:nvSpPr>
-          <p:cNvPr id="161" name="TextShape 2"/>
-          <p:cNvSpPr txBox="1"/>
+          <p:cNvPr id="238" name="CustomShape 2"/>
+          <p:cNvSpPr/>
           <p:nvPr/>
         </p:nvSpPr>
         <p:spPr>
           <a:xfrm>
             <a:off x="2057400" y="6477120"/>
-            <a:ext cx="5943240" cy="247320"/>
+            <a:ext cx="5942880" cy="246960"/>
           </a:xfrm>
           <a:prstGeom prst="rect">
             <a:avLst/>
@@ -10715,8 +13508,14 @@
             <a:noFill/>
           </a:ln>
         </p:spPr>
-        <p:txBody>
-          <a:bodyPr anchor="b"/>
+        <p:style>
+          <a:lnRef idx="0"/>
+          <a:fillRef idx="0"/>
+          <a:effectRef idx="0"/>
+          <a:fontRef idx="minor"/>
+        </p:style>
+        <p:txBody>
+          <a:bodyPr lIns="90000" rIns="90000" tIns="45000" bIns="45000" anchor="b"/>
           <a:p>
             <a:pPr algn="ctr">
               <a:lnSpc>
@@ -10743,14 +13542,14 @@
       </p:sp>
       <p:sp>
         <p:nvSpPr>
-          <p:cNvPr id="162" name="TextShape 3"/>
-          <p:cNvSpPr txBox="1"/>
+          <p:cNvPr id="239" name="CustomShape 3"/>
+          <p:cNvSpPr/>
           <p:nvPr/>
         </p:nvSpPr>
         <p:spPr>
           <a:xfrm>
             <a:off x="457200" y="152280"/>
-            <a:ext cx="8229240" cy="1142640"/>
+            <a:ext cx="8228880" cy="1142280"/>
           </a:xfrm>
           <a:prstGeom prst="rect">
             <a:avLst/>
@@ -10760,8 +13559,14 @@
             <a:noFill/>
           </a:ln>
         </p:spPr>
-        <p:txBody>
-          <a:bodyPr anchor="ctr"/>
+        <p:style>
+          <a:lnRef idx="0"/>
+          <a:fillRef idx="0"/>
+          <a:effectRef idx="0"/>
+          <a:fontRef idx="minor"/>
+        </p:style>
+        <p:txBody>
+          <a:bodyPr lIns="90000" rIns="90000" tIns="45000" bIns="45000" anchor="ctr"/>
           <a:p>
             <a:pPr algn="ctr">
               <a:lnSpc>
@@ -10788,14 +13593,14 @@
       </p:sp>
       <p:sp>
         <p:nvSpPr>
-          <p:cNvPr id="163" name="TextShape 4"/>
-          <p:cNvSpPr txBox="1"/>
+          <p:cNvPr id="240" name="CustomShape 4"/>
+          <p:cNvSpPr/>
           <p:nvPr/>
         </p:nvSpPr>
         <p:spPr>
           <a:xfrm>
             <a:off x="457200" y="1143000"/>
-            <a:ext cx="8229240" cy="5105160"/>
+            <a:ext cx="8228880" cy="5104800"/>
           </a:xfrm>
           <a:prstGeom prst="rect">
             <a:avLst/>
@@ -10805,10 +13610,16 @@
             <a:noFill/>
           </a:ln>
         </p:spPr>
-        <p:txBody>
-          <a:bodyPr/>
-          <a:p>
-            <a:pPr marL="343080" indent="-342720">
+        <p:style>
+          <a:lnRef idx="0"/>
+          <a:fillRef idx="0"/>
+          <a:effectRef idx="0"/>
+          <a:fontRef idx="minor"/>
+        </p:style>
+        <p:txBody>
+          <a:bodyPr lIns="90000" rIns="90000" tIns="45000" bIns="45000"/>
+          <a:p>
+            <a:pPr marL="343080" indent="-342360">
               <a:lnSpc>
                 <a:spcPct val="80000"/>
               </a:lnSpc>
@@ -10836,7 +13647,7 @@
             <a:endParaRPr/>
           </a:p>
           <a:p>
-            <a:pPr lvl="1" marL="743040" indent="-285480">
+            <a:pPr lvl="1" marL="743040" indent="-285120">
               <a:lnSpc>
                 <a:spcPct val="80000"/>
               </a:lnSpc>
@@ -10864,7 +13675,7 @@
             <a:endParaRPr/>
           </a:p>
           <a:p>
-            <a:pPr lvl="1" marL="743040" indent="-285480">
+            <a:pPr lvl="1" marL="743040" indent="-285120">
               <a:lnSpc>
                 <a:spcPct val="80000"/>
               </a:lnSpc>
@@ -10892,7 +13703,7 @@
             <a:endParaRPr/>
           </a:p>
           <a:p>
-            <a:pPr lvl="1" marL="743040" indent="-285480">
+            <a:pPr lvl="1" marL="743040" indent="-285120">
               <a:lnSpc>
                 <a:spcPct val="80000"/>
               </a:lnSpc>
@@ -10920,7 +13731,7 @@
             <a:endParaRPr/>
           </a:p>
           <a:p>
-            <a:pPr lvl="2" marL="1143000" indent="-228240">
+            <a:pPr lvl="2" marL="1143000" indent="-227880">
               <a:lnSpc>
                 <a:spcPct val="80000"/>
               </a:lnSpc>
@@ -10948,7 +13759,7 @@
             <a:endParaRPr/>
           </a:p>
           <a:p>
-            <a:pPr lvl="1" marL="743040" indent="-285480">
+            <a:pPr lvl="1" marL="743040" indent="-285120">
               <a:lnSpc>
                 <a:spcPct val="80000"/>
               </a:lnSpc>
@@ -10976,7 +13787,7 @@
             <a:endParaRPr/>
           </a:p>
           <a:p>
-            <a:pPr lvl="2" marL="1143000" indent="-228240">
+            <a:pPr lvl="2" marL="1143000" indent="-227880">
               <a:lnSpc>
                 <a:spcPct val="80000"/>
               </a:lnSpc>
@@ -11004,7 +13815,7 @@
             <a:endParaRPr/>
           </a:p>
           <a:p>
-            <a:pPr marL="343080" indent="-342720">
+            <a:pPr marL="343080" indent="-342360">
               <a:lnSpc>
                 <a:spcPct val="80000"/>
               </a:lnSpc>
@@ -11084,14 +13895,14 @@
       </p:grpSpPr>
       <p:sp>
         <p:nvSpPr>
-          <p:cNvPr id="164" name="TextShape 1"/>
-          <p:cNvSpPr txBox="1"/>
+          <p:cNvPr id="241" name="CustomShape 1"/>
+          <p:cNvSpPr/>
           <p:nvPr/>
         </p:nvSpPr>
         <p:spPr>
           <a:xfrm>
             <a:off x="8077320" y="6477120"/>
-            <a:ext cx="609120" cy="247320"/>
+            <a:ext cx="608760" cy="246960"/>
           </a:xfrm>
           <a:prstGeom prst="rect">
             <a:avLst/>
@@ -11101,15 +13912,21 @@
             <a:noFill/>
           </a:ln>
         </p:spPr>
-        <p:txBody>
-          <a:bodyPr anchor="b"/>
+        <p:style>
+          <a:lnRef idx="0"/>
+          <a:fillRef idx="0"/>
+          <a:effectRef idx="0"/>
+          <a:fontRef idx="minor"/>
+        </p:style>
+        <p:txBody>
+          <a:bodyPr lIns="90000" rIns="90000" tIns="45000" bIns="45000" anchor="b"/>
           <a:p>
             <a:pPr algn="r">
               <a:lnSpc>
                 <a:spcPct val="100000"/>
               </a:lnSpc>
             </a:pPr>
-            <a:fld id="{9C8E8D26-1BDF-4DBD-AC08-5B44449BDE41}" type="slidenum">
+            <a:fld id="{4E961641-5062-40CD-8F22-E47A20EBFABF}" type="slidenum">
               <a:rPr lang="en-US" sz="1200" spc="-1" strike="noStrike">
                 <a:solidFill>
                   <a:srgbClr val="ffffff"/>
@@ -11129,14 +13946,14 @@
       </p:sp>
       <p:sp>
         <p:nvSpPr>
-          <p:cNvPr id="165" name="TextShape 2"/>
-          <p:cNvSpPr txBox="1"/>
+          <p:cNvPr id="242" name="CustomShape 2"/>
+          <p:cNvSpPr/>
           <p:nvPr/>
         </p:nvSpPr>
         <p:spPr>
           <a:xfrm>
             <a:off x="2057400" y="6477120"/>
-            <a:ext cx="5943240" cy="247320"/>
+            <a:ext cx="5942880" cy="246960"/>
           </a:xfrm>
           <a:prstGeom prst="rect">
             <a:avLst/>
@@ -11146,8 +13963,14 @@
             <a:noFill/>
           </a:ln>
         </p:spPr>
-        <p:txBody>
-          <a:bodyPr anchor="b"/>
+        <p:style>
+          <a:lnRef idx="0"/>
+          <a:fillRef idx="0"/>
+          <a:effectRef idx="0"/>
+          <a:fontRef idx="minor"/>
+        </p:style>
+        <p:txBody>
+          <a:bodyPr lIns="90000" rIns="90000" tIns="45000" bIns="45000" anchor="b"/>
           <a:p>
             <a:pPr algn="ctr">
               <a:lnSpc>
@@ -11174,14 +13997,14 @@
       </p:sp>
       <p:sp>
         <p:nvSpPr>
-          <p:cNvPr id="166" name="TextShape 3"/>
-          <p:cNvSpPr txBox="1"/>
+          <p:cNvPr id="243" name="CustomShape 3"/>
+          <p:cNvSpPr/>
           <p:nvPr/>
         </p:nvSpPr>
         <p:spPr>
           <a:xfrm>
             <a:off x="457200" y="274680"/>
-            <a:ext cx="8229240" cy="1142640"/>
+            <a:ext cx="8228880" cy="1142280"/>
           </a:xfrm>
           <a:prstGeom prst="rect">
             <a:avLst/>
@@ -11191,8 +14014,14 @@
             <a:noFill/>
           </a:ln>
         </p:spPr>
-        <p:txBody>
-          <a:bodyPr anchor="ctr"/>
+        <p:style>
+          <a:lnRef idx="0"/>
+          <a:fillRef idx="0"/>
+          <a:effectRef idx="0"/>
+          <a:fontRef idx="minor"/>
+        </p:style>
+        <p:txBody>
+          <a:bodyPr lIns="90000" rIns="90000" tIns="45000" bIns="45000" anchor="ctr"/>
           <a:p>
             <a:pPr algn="ctr">
               <a:lnSpc>
@@ -11219,14 +14048,14 @@
       </p:sp>
       <p:sp>
         <p:nvSpPr>
-          <p:cNvPr id="167" name="TextShape 4"/>
-          <p:cNvSpPr txBox="1"/>
+          <p:cNvPr id="244" name="CustomShape 4"/>
+          <p:cNvSpPr/>
           <p:nvPr/>
         </p:nvSpPr>
         <p:spPr>
           <a:xfrm>
             <a:off x="457200" y="1600200"/>
-            <a:ext cx="8229240" cy="4038120"/>
+            <a:ext cx="8228880" cy="4037760"/>
           </a:xfrm>
           <a:prstGeom prst="rect">
             <a:avLst/>
@@ -11236,10 +14065,16 @@
             <a:noFill/>
           </a:ln>
         </p:spPr>
-        <p:txBody>
-          <a:bodyPr/>
-          <a:p>
-            <a:pPr marL="343080" indent="-342720">
+        <p:style>
+          <a:lnRef idx="0"/>
+          <a:fillRef idx="0"/>
+          <a:effectRef idx="0"/>
+          <a:fontRef idx="minor"/>
+        </p:style>
+        <p:txBody>
+          <a:bodyPr lIns="90000" rIns="90000" tIns="45000" bIns="45000"/>
+          <a:p>
+            <a:pPr marL="343080" indent="-342360">
               <a:lnSpc>
                 <a:spcPct val="100000"/>
               </a:lnSpc>
@@ -11267,7 +14102,7 @@
             <a:endParaRPr/>
           </a:p>
           <a:p>
-            <a:pPr lvl="1" marL="743040" indent="-285480">
+            <a:pPr lvl="1" marL="743040" indent="-285120">
               <a:lnSpc>
                 <a:spcPct val="100000"/>
               </a:lnSpc>
@@ -11309,7 +14144,7 @@
             <a:endParaRPr/>
           </a:p>
           <a:p>
-            <a:pPr lvl="1" marL="743040" indent="-285480">
+            <a:pPr lvl="1" marL="743040" indent="-285120">
               <a:lnSpc>
                 <a:spcPct val="100000"/>
               </a:lnSpc>
@@ -11337,7 +14172,7 @@
             <a:endParaRPr/>
           </a:p>
           <a:p>
-            <a:pPr marL="343080" indent="-342720">
+            <a:pPr marL="343080" indent="-342360">
               <a:lnSpc>
                 <a:spcPct val="100000"/>
               </a:lnSpc>
@@ -11365,7 +14200,7 @@
             <a:endParaRPr/>
           </a:p>
           <a:p>
-            <a:pPr marL="343080" indent="-342720">
+            <a:pPr marL="343080" indent="-342360">
               <a:lnSpc>
                 <a:spcPct val="100000"/>
               </a:lnSpc>
@@ -11445,14 +14280,14 @@
       </p:grpSpPr>
       <p:sp>
         <p:nvSpPr>
-          <p:cNvPr id="168" name="TextShape 1"/>
-          <p:cNvSpPr txBox="1"/>
+          <p:cNvPr id="245" name="CustomShape 1"/>
+          <p:cNvSpPr/>
           <p:nvPr/>
         </p:nvSpPr>
         <p:spPr>
           <a:xfrm>
             <a:off x="8077320" y="6477120"/>
-            <a:ext cx="609120" cy="247320"/>
+            <a:ext cx="608760" cy="246960"/>
           </a:xfrm>
           <a:prstGeom prst="rect">
             <a:avLst/>
@@ -11462,15 +14297,21 @@
             <a:noFill/>
           </a:ln>
         </p:spPr>
-        <p:txBody>
-          <a:bodyPr anchor="b"/>
+        <p:style>
+          <a:lnRef idx="0"/>
+          <a:fillRef idx="0"/>
+          <a:effectRef idx="0"/>
+          <a:fontRef idx="minor"/>
+        </p:style>
+        <p:txBody>
+          <a:bodyPr lIns="90000" rIns="90000" tIns="45000" bIns="45000" anchor="b"/>
           <a:p>
             <a:pPr algn="r">
               <a:lnSpc>
                 <a:spcPct val="100000"/>
               </a:lnSpc>
             </a:pPr>
-            <a:fld id="{01DA2DAC-7DD4-4FF9-9767-48385A8338B8}" type="slidenum">
+            <a:fld id="{CDB6790A-F798-439D-96C1-81A4574BBAFD}" type="slidenum">
               <a:rPr lang="en-US" sz="1200" spc="-1" strike="noStrike">
                 <a:solidFill>
                   <a:srgbClr val="ffffff"/>
@@ -11490,14 +14331,14 @@
       </p:sp>
       <p:sp>
         <p:nvSpPr>
-          <p:cNvPr id="169" name="TextShape 2"/>
-          <p:cNvSpPr txBox="1"/>
+          <p:cNvPr id="246" name="CustomShape 2"/>
+          <p:cNvSpPr/>
           <p:nvPr/>
         </p:nvSpPr>
         <p:spPr>
           <a:xfrm>
             <a:off x="2057400" y="6477120"/>
-            <a:ext cx="5943240" cy="247320"/>
+            <a:ext cx="5942880" cy="246960"/>
           </a:xfrm>
           <a:prstGeom prst="rect">
             <a:avLst/>
@@ -11507,8 +14348,14 @@
             <a:noFill/>
           </a:ln>
         </p:spPr>
-        <p:txBody>
-          <a:bodyPr anchor="b"/>
+        <p:style>
+          <a:lnRef idx="0"/>
+          <a:fillRef idx="0"/>
+          <a:effectRef idx="0"/>
+          <a:fontRef idx="minor"/>
+        </p:style>
+        <p:txBody>
+          <a:bodyPr lIns="90000" rIns="90000" tIns="45000" bIns="45000" anchor="b"/>
           <a:p>
             <a:pPr algn="ctr">
               <a:lnSpc>
@@ -11535,14 +14382,14 @@
       </p:sp>
       <p:sp>
         <p:nvSpPr>
-          <p:cNvPr id="170" name="TextShape 3"/>
-          <p:cNvSpPr txBox="1"/>
+          <p:cNvPr id="247" name="CustomShape 3"/>
+          <p:cNvSpPr/>
           <p:nvPr/>
         </p:nvSpPr>
         <p:spPr>
           <a:xfrm>
             <a:off x="457200" y="274680"/>
-            <a:ext cx="8229240" cy="1142640"/>
+            <a:ext cx="8228880" cy="1142280"/>
           </a:xfrm>
           <a:prstGeom prst="rect">
             <a:avLst/>
@@ -11552,8 +14399,14 @@
             <a:noFill/>
           </a:ln>
         </p:spPr>
-        <p:txBody>
-          <a:bodyPr anchor="ctr"/>
+        <p:style>
+          <a:lnRef idx="0"/>
+          <a:fillRef idx="0"/>
+          <a:effectRef idx="0"/>
+          <a:fontRef idx="minor"/>
+        </p:style>
+        <p:txBody>
+          <a:bodyPr lIns="90000" rIns="90000" tIns="45000" bIns="45000" anchor="ctr"/>
           <a:p>
             <a:pPr algn="ctr">
               <a:lnSpc>
@@ -11580,14 +14433,14 @@
       </p:sp>
       <p:sp>
         <p:nvSpPr>
-          <p:cNvPr id="171" name="TextShape 4"/>
-          <p:cNvSpPr txBox="1"/>
+          <p:cNvPr id="248" name="CustomShape 4"/>
+          <p:cNvSpPr/>
           <p:nvPr/>
         </p:nvSpPr>
         <p:spPr>
           <a:xfrm>
             <a:off x="457200" y="1600200"/>
-            <a:ext cx="8229240" cy="4800240"/>
+            <a:ext cx="8228880" cy="4799880"/>
           </a:xfrm>
           <a:prstGeom prst="rect">
             <a:avLst/>
@@ -11597,10 +14450,33 @@
             <a:noFill/>
           </a:ln>
         </p:spPr>
-        <p:txBody>
-          <a:bodyPr/>
-          <a:p>
-            <a:pPr marL="343080" indent="-342720">
+        <p:style>
+          <a:lnRef idx="0"/>
+          <a:fillRef idx="0"/>
+          <a:effectRef idx="0"/>
+          <a:fontRef idx="minor"/>
+        </p:style>
+        <p:txBody>
+          <a:bodyPr lIns="90000" rIns="90000" tIns="45000" bIns="45000"/>
+          <a:p>
+            <a:r>
+              <a:rPr lang="en-US" sz="3200" spc="-1" strike="noStrike">
+                <a:solidFill>
+                  <a:srgbClr val="ffffff"/>
+                </a:solidFill>
+                <a:uFill>
+                  <a:solidFill>
+                    <a:srgbClr val="ffffff"/>
+                  </a:solidFill>
+                </a:uFill>
+                <a:latin typeface="Garamond"/>
+              </a:rPr>
+              <a:t>In addition to information provided in </a:t>
+            </a:r>
+            <a:endParaRPr/>
+          </a:p>
+          <a:p>
+            <a:pPr marL="343080" indent="-342360">
               <a:lnSpc>
                 <a:spcPct val="100000"/>
               </a:lnSpc>
@@ -11623,41 +14499,12 @@
                 </a:uFill>
                 <a:latin typeface="Garamond"/>
               </a:rPr>
-              <a:t>In addition to information provided in </a:t>
-            </a:r>
-            <a:r>
-              <a:rPr lang="en-US" sz="3200" spc="-1" strike="noStrike">
-                <a:solidFill>
-                  <a:srgbClr val="ffffff"/>
-                </a:solidFill>
-                <a:uFill>
-                  <a:solidFill>
-                    <a:srgbClr val="ffffff"/>
-                  </a:solidFill>
-                </a:uFill>
-                <a:latin typeface="Garamond"/>
-              </a:rPr>
-              <a:t>
-</a:t>
-            </a:r>
-            <a:r>
-              <a:rPr lang="en-US" sz="3200" spc="-1" strike="noStrike">
-                <a:solidFill>
-                  <a:srgbClr val="ffffff"/>
-                </a:solidFill>
-                <a:uFill>
-                  <a:solidFill>
-                    <a:srgbClr val="ffffff"/>
-                  </a:solidFill>
-                </a:uFill>
-                <a:latin typeface="Garamond"/>
-              </a:rPr>
               <a:t>the Gantt and Pert Charts, provide:</a:t>
             </a:r>
             <a:endParaRPr/>
           </a:p>
           <a:p>
-            <a:pPr lvl="1" marL="743040" indent="-285480">
+            <a:pPr lvl="1" marL="743040" indent="-285120">
               <a:lnSpc>
                 <a:spcPct val="100000"/>
               </a:lnSpc>
@@ -11685,7 +14532,7 @@
             <a:endParaRPr/>
           </a:p>
           <a:p>
-            <a:pPr lvl="1" marL="743040" indent="-285480">
+            <a:pPr lvl="1" marL="743040" indent="-285120">
               <a:lnSpc>
                 <a:spcPct val="100000"/>
               </a:lnSpc>
@@ -11713,12 +14560,12 @@
             <a:endParaRPr/>
           </a:p>
           <a:p>
-            <a:pPr lvl="2" marL="1143000" indent="-228240">
+            <a:pPr lvl="1" marL="743040" indent="-285120">
               <a:lnSpc>
                 <a:spcPct val="100000"/>
               </a:lnSpc>
               <a:buClr>
-                <a:srgbClr val="e5e5ff"/>
+                <a:srgbClr val="a886e0"/>
               </a:buClr>
               <a:buSzPct val="70000"/>
               <a:buFont typeface="Wingdings" charset="2"/>
@@ -11738,21 +14585,20 @@
               </a:rPr>
               <a:t>Distribution of activities or change of plan if </a:t>
             </a:r>
-            <a:r>
-              <a:rPr lang="en-US" sz="2400" spc="-1" strike="noStrike">
-                <a:solidFill>
-                  <a:srgbClr val="ffffff"/>
-                </a:solidFill>
-                <a:uFill>
-                  <a:solidFill>
-                    <a:srgbClr val="ffffff"/>
-                  </a:solidFill>
-                </a:uFill>
-                <a:latin typeface="Garamond"/>
-              </a:rPr>
-              <a:t>
-</a:t>
-            </a:r>
+            <a:endParaRPr/>
+          </a:p>
+          <a:p>
+            <a:pPr lvl="2" marL="1143000" indent="-227880">
+              <a:lnSpc>
+                <a:spcPct val="100000"/>
+              </a:lnSpc>
+              <a:buClr>
+                <a:srgbClr val="e5e5ff"/>
+              </a:buClr>
+              <a:buSzPct val="70000"/>
+              <a:buFont typeface="Wingdings" charset="2"/>
+              <a:buChar char=""/>
+            </a:pPr>
             <a:r>
               <a:rPr lang="en-US" sz="2400" spc="-1" strike="noStrike">
                 <a:solidFill>
@@ -11822,14 +14668,14 @@
       </p:grpSpPr>
       <p:sp>
         <p:nvSpPr>
-          <p:cNvPr id="172" name="TextShape 1"/>
-          <p:cNvSpPr txBox="1"/>
+          <p:cNvPr id="249" name="CustomShape 1"/>
+          <p:cNvSpPr/>
           <p:nvPr/>
         </p:nvSpPr>
         <p:spPr>
           <a:xfrm>
             <a:off x="8077320" y="6477120"/>
-            <a:ext cx="609120" cy="247320"/>
+            <a:ext cx="608760" cy="246960"/>
           </a:xfrm>
           <a:prstGeom prst="rect">
             <a:avLst/>
@@ -11839,15 +14685,21 @@
             <a:noFill/>
           </a:ln>
         </p:spPr>
-        <p:txBody>
-          <a:bodyPr anchor="b"/>
+        <p:style>
+          <a:lnRef idx="0"/>
+          <a:fillRef idx="0"/>
+          <a:effectRef idx="0"/>
+          <a:fontRef idx="minor"/>
+        </p:style>
+        <p:txBody>
+          <a:bodyPr lIns="90000" rIns="90000" tIns="45000" bIns="45000" anchor="b"/>
           <a:p>
             <a:pPr algn="r">
               <a:lnSpc>
                 <a:spcPct val="100000"/>
               </a:lnSpc>
             </a:pPr>
-            <a:fld id="{EEC1A900-9EDE-44B3-ABCC-D9BAADC34F15}" type="slidenum">
+            <a:fld id="{9143EA56-6B13-4E42-8FDE-3F05EE50D4F0}" type="slidenum">
               <a:rPr lang="en-US" sz="1200" spc="-1" strike="noStrike">
                 <a:solidFill>
                   <a:srgbClr val="ffffff"/>
@@ -11867,14 +14719,14 @@
       </p:sp>
       <p:sp>
         <p:nvSpPr>
-          <p:cNvPr id="173" name="TextShape 2"/>
-          <p:cNvSpPr txBox="1"/>
+          <p:cNvPr id="250" name="CustomShape 2"/>
+          <p:cNvSpPr/>
           <p:nvPr/>
         </p:nvSpPr>
         <p:spPr>
           <a:xfrm>
             <a:off x="2057400" y="6477120"/>
-            <a:ext cx="5943240" cy="247320"/>
+            <a:ext cx="5942880" cy="246960"/>
           </a:xfrm>
           <a:prstGeom prst="rect">
             <a:avLst/>
@@ -11884,8 +14736,14 @@
             <a:noFill/>
           </a:ln>
         </p:spPr>
-        <p:txBody>
-          <a:bodyPr anchor="b"/>
+        <p:style>
+          <a:lnRef idx="0"/>
+          <a:fillRef idx="0"/>
+          <a:effectRef idx="0"/>
+          <a:fontRef idx="minor"/>
+        </p:style>
+        <p:txBody>
+          <a:bodyPr lIns="90000" rIns="90000" tIns="45000" bIns="45000" anchor="b"/>
           <a:p>
             <a:pPr algn="ctr">
               <a:lnSpc>
@@ -11912,14 +14770,14 @@
       </p:sp>
       <p:sp>
         <p:nvSpPr>
-          <p:cNvPr id="174" name="TextShape 3"/>
-          <p:cNvSpPr txBox="1"/>
+          <p:cNvPr id="251" name="CustomShape 3"/>
+          <p:cNvSpPr/>
           <p:nvPr/>
         </p:nvSpPr>
         <p:spPr>
           <a:xfrm>
             <a:off x="457200" y="274680"/>
-            <a:ext cx="8229240" cy="1142640"/>
+            <a:ext cx="8228880" cy="1142280"/>
           </a:xfrm>
           <a:prstGeom prst="rect">
             <a:avLst/>
@@ -11929,8 +14787,14 @@
             <a:noFill/>
           </a:ln>
         </p:spPr>
-        <p:txBody>
-          <a:bodyPr anchor="ctr"/>
+        <p:style>
+          <a:lnRef idx="0"/>
+          <a:fillRef idx="0"/>
+          <a:effectRef idx="0"/>
+          <a:fontRef idx="minor"/>
+        </p:style>
+        <p:txBody>
+          <a:bodyPr lIns="90000" rIns="90000" tIns="45000" bIns="45000" anchor="ctr"/>
           <a:p>
             <a:pPr algn="ctr">
               <a:lnSpc>
@@ -11957,14 +14821,14 @@
       </p:sp>
       <p:sp>
         <p:nvSpPr>
-          <p:cNvPr id="175" name="TextShape 4"/>
-          <p:cNvSpPr txBox="1"/>
+          <p:cNvPr id="252" name="CustomShape 4"/>
+          <p:cNvSpPr/>
           <p:nvPr/>
         </p:nvSpPr>
         <p:spPr>
           <a:xfrm>
             <a:off x="457200" y="1600200"/>
-            <a:ext cx="8229240" cy="4800240"/>
+            <a:ext cx="8228880" cy="4799880"/>
           </a:xfrm>
           <a:prstGeom prst="rect">
             <a:avLst/>
@@ -11974,10 +14838,16 @@
             <a:noFill/>
           </a:ln>
         </p:spPr>
-        <p:txBody>
-          <a:bodyPr/>
-          <a:p>
-            <a:pPr marL="343080" indent="-342720">
+        <p:style>
+          <a:lnRef idx="0"/>
+          <a:fillRef idx="0"/>
+          <a:effectRef idx="0"/>
+          <a:fontRef idx="minor"/>
+        </p:style>
+        <p:txBody>
+          <a:bodyPr lIns="90000" rIns="90000" tIns="45000" bIns="45000"/>
+          <a:p>
+            <a:pPr marL="343080" indent="-342360">
               <a:lnSpc>
                 <a:spcPct val="100000"/>
               </a:lnSpc>
@@ -12005,7 +14875,7 @@
             <a:endParaRPr/>
           </a:p>
           <a:p>
-            <a:pPr lvl="1" marL="743040" indent="-285480">
+            <a:pPr lvl="1" marL="743040" indent="-285120">
               <a:lnSpc>
                 <a:spcPct val="100000"/>
               </a:lnSpc>
@@ -12033,7 +14903,7 @@
             <a:endParaRPr/>
           </a:p>
           <a:p>
-            <a:pPr lvl="1" marL="743040" indent="-285480">
+            <a:pPr lvl="1" marL="743040" indent="-285120">
               <a:lnSpc>
                 <a:spcPct val="100000"/>
               </a:lnSpc>
@@ -12061,7 +14931,7 @@
             <a:endParaRPr/>
           </a:p>
           <a:p>
-            <a:pPr lvl="1" marL="743040" indent="-285480">
+            <a:pPr lvl="1" marL="743040" indent="-285120">
               <a:lnSpc>
                 <a:spcPct val="100000"/>
               </a:lnSpc>
@@ -12089,7 +14959,7 @@
             <a:endParaRPr/>
           </a:p>
           <a:p>
-            <a:pPr lvl="1" marL="743040" indent="-285480">
+            <a:pPr lvl="1" marL="743040" indent="-285120">
               <a:lnSpc>
                 <a:spcPct val="100000"/>
               </a:lnSpc>
@@ -12169,14 +15039,14 @@
       </p:grpSpPr>
       <p:sp>
         <p:nvSpPr>
-          <p:cNvPr id="176" name="TextShape 1"/>
-          <p:cNvSpPr txBox="1"/>
+          <p:cNvPr id="253" name="CustomShape 1"/>
+          <p:cNvSpPr/>
           <p:nvPr/>
         </p:nvSpPr>
         <p:spPr>
           <a:xfrm>
             <a:off x="8077320" y="6477120"/>
-            <a:ext cx="609120" cy="247320"/>
+            <a:ext cx="608760" cy="246960"/>
           </a:xfrm>
           <a:prstGeom prst="rect">
             <a:avLst/>
@@ -12186,15 +15056,21 @@
             <a:noFill/>
           </a:ln>
         </p:spPr>
-        <p:txBody>
-          <a:bodyPr anchor="b"/>
+        <p:style>
+          <a:lnRef idx="0"/>
+          <a:fillRef idx="0"/>
+          <a:effectRef idx="0"/>
+          <a:fontRef idx="minor"/>
+        </p:style>
+        <p:txBody>
+          <a:bodyPr lIns="90000" rIns="90000" tIns="45000" bIns="45000" anchor="b"/>
           <a:p>
             <a:pPr algn="r">
               <a:lnSpc>
                 <a:spcPct val="100000"/>
               </a:lnSpc>
             </a:pPr>
-            <a:fld id="{FD4286AF-020C-4381-846E-E8C7C8226117}" type="slidenum">
+            <a:fld id="{D017EE0D-F9D6-41B3-B42D-E6598716FECC}" type="slidenum">
               <a:rPr lang="en-US" sz="1200" spc="-1" strike="noStrike">
                 <a:solidFill>
                   <a:srgbClr val="ffffff"/>
@@ -12214,14 +15090,14 @@
       </p:sp>
       <p:sp>
         <p:nvSpPr>
-          <p:cNvPr id="177" name="TextShape 2"/>
-          <p:cNvSpPr txBox="1"/>
+          <p:cNvPr id="254" name="CustomShape 2"/>
+          <p:cNvSpPr/>
           <p:nvPr/>
         </p:nvSpPr>
         <p:spPr>
           <a:xfrm>
             <a:off x="2057400" y="6477120"/>
-            <a:ext cx="5943240" cy="247320"/>
+            <a:ext cx="5942880" cy="246960"/>
           </a:xfrm>
           <a:prstGeom prst="rect">
             <a:avLst/>
@@ -12231,8 +15107,14 @@
             <a:noFill/>
           </a:ln>
         </p:spPr>
-        <p:txBody>
-          <a:bodyPr anchor="b"/>
+        <p:style>
+          <a:lnRef idx="0"/>
+          <a:fillRef idx="0"/>
+          <a:effectRef idx="0"/>
+          <a:fontRef idx="minor"/>
+        </p:style>
+        <p:txBody>
+          <a:bodyPr lIns="90000" rIns="90000" tIns="45000" bIns="45000" anchor="b"/>
           <a:p>
             <a:pPr algn="ctr">
               <a:lnSpc>
@@ -12259,14 +15141,14 @@
       </p:sp>
       <p:sp>
         <p:nvSpPr>
-          <p:cNvPr id="178" name="TextShape 3"/>
-          <p:cNvSpPr txBox="1"/>
+          <p:cNvPr id="255" name="CustomShape 3"/>
+          <p:cNvSpPr/>
           <p:nvPr/>
         </p:nvSpPr>
         <p:spPr>
           <a:xfrm>
             <a:off x="76320" y="274680"/>
-            <a:ext cx="8838720" cy="1142640"/>
+            <a:ext cx="8838360" cy="1142280"/>
           </a:xfrm>
           <a:prstGeom prst="rect">
             <a:avLst/>
@@ -12276,8 +15158,14 @@
             <a:noFill/>
           </a:ln>
         </p:spPr>
-        <p:txBody>
-          <a:bodyPr anchor="ctr"/>
+        <p:style>
+          <a:lnRef idx="0"/>
+          <a:fillRef idx="0"/>
+          <a:effectRef idx="0"/>
+          <a:fontRef idx="minor"/>
+        </p:style>
+        <p:txBody>
+          <a:bodyPr lIns="90000" rIns="90000" tIns="45000" bIns="45000" anchor="ctr"/>
           <a:p>
             <a:pPr algn="ctr">
               <a:lnSpc>
@@ -12304,14 +15192,14 @@
       </p:sp>
       <p:sp>
         <p:nvSpPr>
-          <p:cNvPr id="179" name="TextShape 4"/>
-          <p:cNvSpPr txBox="1"/>
+          <p:cNvPr id="256" name="CustomShape 4"/>
+          <p:cNvSpPr/>
           <p:nvPr/>
         </p:nvSpPr>
         <p:spPr>
           <a:xfrm>
             <a:off x="457200" y="1600200"/>
-            <a:ext cx="8229240" cy="4800240"/>
+            <a:ext cx="8228880" cy="4799880"/>
           </a:xfrm>
           <a:prstGeom prst="rect">
             <a:avLst/>
@@ -12321,10 +15209,16 @@
             <a:noFill/>
           </a:ln>
         </p:spPr>
-        <p:txBody>
-          <a:bodyPr/>
-          <a:p>
-            <a:pPr marL="343080" indent="-342720">
+        <p:style>
+          <a:lnRef idx="0"/>
+          <a:fillRef idx="0"/>
+          <a:effectRef idx="0"/>
+          <a:fontRef idx="minor"/>
+        </p:style>
+        <p:txBody>
+          <a:bodyPr lIns="90000" rIns="90000" tIns="45000" bIns="45000"/>
+          <a:p>
+            <a:pPr marL="343080" indent="-342360">
               <a:lnSpc>
                 <a:spcPct val="100000"/>
               </a:lnSpc>
@@ -12352,7 +15246,7 @@
             <a:endParaRPr/>
           </a:p>
           <a:p>
-            <a:pPr marL="343080" indent="-342720">
+            <a:pPr marL="343080" indent="-342360">
               <a:lnSpc>
                 <a:spcPct val="100000"/>
               </a:lnSpc>
@@ -12380,7 +15274,7 @@
             <a:endParaRPr/>
           </a:p>
           <a:p>
-            <a:pPr lvl="1" marL="743040" indent="-285480">
+            <a:pPr lvl="1" marL="743040" indent="-285120">
               <a:lnSpc>
                 <a:spcPct val="100000"/>
               </a:lnSpc>
@@ -12408,7 +15302,7 @@
             <a:endParaRPr/>
           </a:p>
           <a:p>
-            <a:pPr lvl="1" marL="743040" indent="-285480">
+            <a:pPr lvl="1" marL="743040" indent="-285120">
               <a:lnSpc>
                 <a:spcPct val="100000"/>
               </a:lnSpc>
@@ -12436,7 +15330,7 @@
             <a:endParaRPr/>
           </a:p>
           <a:p>
-            <a:pPr lvl="1" marL="743040" indent="-285480">
+            <a:pPr lvl="1" marL="743040" indent="-285120">
               <a:lnSpc>
                 <a:spcPct val="100000"/>
               </a:lnSpc>
@@ -12516,14 +15410,14 @@
       </p:grpSpPr>
       <p:sp>
         <p:nvSpPr>
-          <p:cNvPr id="107" name="TextShape 1"/>
-          <p:cNvSpPr txBox="1"/>
+          <p:cNvPr id="184" name="CustomShape 1"/>
+          <p:cNvSpPr/>
           <p:nvPr/>
         </p:nvSpPr>
         <p:spPr>
           <a:xfrm>
             <a:off x="8077320" y="6477120"/>
-            <a:ext cx="609120" cy="247320"/>
+            <a:ext cx="608760" cy="246960"/>
           </a:xfrm>
           <a:prstGeom prst="rect">
             <a:avLst/>
@@ -12533,15 +15427,21 @@
             <a:noFill/>
           </a:ln>
         </p:spPr>
-        <p:txBody>
-          <a:bodyPr anchor="b"/>
+        <p:style>
+          <a:lnRef idx="0"/>
+          <a:fillRef idx="0"/>
+          <a:effectRef idx="0"/>
+          <a:fontRef idx="minor"/>
+        </p:style>
+        <p:txBody>
+          <a:bodyPr lIns="90000" rIns="90000" tIns="45000" bIns="45000" anchor="b"/>
           <a:p>
             <a:pPr algn="r">
               <a:lnSpc>
                 <a:spcPct val="100000"/>
               </a:lnSpc>
             </a:pPr>
-            <a:fld id="{C908C7D5-4EA6-4568-91E4-E48A610ABEF1}" type="slidenum">
+            <a:fld id="{4A20685D-861A-4A46-A990-B4E4F103A96E}" type="slidenum">
               <a:rPr lang="en-US" sz="1200" spc="-1" strike="noStrike">
                 <a:solidFill>
                   <a:srgbClr val="ffffff"/>
@@ -12561,14 +15461,14 @@
       </p:sp>
       <p:sp>
         <p:nvSpPr>
-          <p:cNvPr id="108" name="TextShape 2"/>
-          <p:cNvSpPr txBox="1"/>
+          <p:cNvPr id="185" name="CustomShape 2"/>
+          <p:cNvSpPr/>
           <p:nvPr/>
         </p:nvSpPr>
         <p:spPr>
           <a:xfrm>
             <a:off x="2057400" y="6477120"/>
-            <a:ext cx="5943240" cy="247320"/>
+            <a:ext cx="5942880" cy="246960"/>
           </a:xfrm>
           <a:prstGeom prst="rect">
             <a:avLst/>
@@ -12578,8 +15478,14 @@
             <a:noFill/>
           </a:ln>
         </p:spPr>
-        <p:txBody>
-          <a:bodyPr anchor="b"/>
+        <p:style>
+          <a:lnRef idx="0"/>
+          <a:fillRef idx="0"/>
+          <a:effectRef idx="0"/>
+          <a:fontRef idx="minor"/>
+        </p:style>
+        <p:txBody>
+          <a:bodyPr lIns="90000" rIns="90000" tIns="45000" bIns="45000" anchor="b"/>
           <a:p>
             <a:pPr algn="ctr">
               <a:lnSpc>
@@ -12606,14 +15512,14 @@
       </p:sp>
       <p:sp>
         <p:nvSpPr>
-          <p:cNvPr id="109" name="TextShape 3"/>
-          <p:cNvSpPr txBox="1"/>
+          <p:cNvPr id="186" name="CustomShape 3"/>
+          <p:cNvSpPr/>
           <p:nvPr/>
         </p:nvSpPr>
         <p:spPr>
           <a:xfrm>
             <a:off x="457200" y="274680"/>
-            <a:ext cx="8229240" cy="1142640"/>
+            <a:ext cx="8228880" cy="1142280"/>
           </a:xfrm>
           <a:prstGeom prst="rect">
             <a:avLst/>
@@ -12623,8 +15529,14 @@
             <a:noFill/>
           </a:ln>
         </p:spPr>
-        <p:txBody>
-          <a:bodyPr anchor="ctr"/>
+        <p:style>
+          <a:lnRef idx="0"/>
+          <a:fillRef idx="0"/>
+          <a:effectRef idx="0"/>
+          <a:fontRef idx="minor"/>
+        </p:style>
+        <p:txBody>
+          <a:bodyPr lIns="90000" rIns="90000" tIns="45000" bIns="45000" anchor="ctr"/>
           <a:p>
             <a:pPr algn="ctr">
               <a:lnSpc>
@@ -12651,14 +15563,14 @@
       </p:sp>
       <p:sp>
         <p:nvSpPr>
-          <p:cNvPr id="110" name="TextShape 4"/>
-          <p:cNvSpPr txBox="1"/>
+          <p:cNvPr id="187" name="CustomShape 4"/>
+          <p:cNvSpPr/>
           <p:nvPr/>
         </p:nvSpPr>
         <p:spPr>
           <a:xfrm>
             <a:off x="457200" y="1600200"/>
-            <a:ext cx="8229240" cy="4800240"/>
+            <a:ext cx="8228880" cy="4799880"/>
           </a:xfrm>
           <a:prstGeom prst="rect">
             <a:avLst/>
@@ -12668,10 +15580,16 @@
             <a:noFill/>
           </a:ln>
         </p:spPr>
-        <p:txBody>
-          <a:bodyPr/>
-          <a:p>
-            <a:pPr marL="343080" indent="-342720">
+        <p:style>
+          <a:lnRef idx="0"/>
+          <a:fillRef idx="0"/>
+          <a:effectRef idx="0"/>
+          <a:fontRef idx="minor"/>
+        </p:style>
+        <p:txBody>
+          <a:bodyPr lIns="90000" rIns="90000" tIns="45000" bIns="45000"/>
+          <a:p>
+            <a:pPr marL="343080" indent="-342360">
               <a:lnSpc>
                 <a:spcPct val="100000"/>
               </a:lnSpc>
@@ -12751,14 +15669,14 @@
       </p:grpSpPr>
       <p:sp>
         <p:nvSpPr>
-          <p:cNvPr id="111" name="TextShape 1"/>
-          <p:cNvSpPr txBox="1"/>
+          <p:cNvPr id="188" name="CustomShape 1"/>
+          <p:cNvSpPr/>
           <p:nvPr/>
         </p:nvSpPr>
         <p:spPr>
           <a:xfrm>
             <a:off x="8077320" y="6477120"/>
-            <a:ext cx="609120" cy="247320"/>
+            <a:ext cx="608760" cy="246960"/>
           </a:xfrm>
           <a:prstGeom prst="rect">
             <a:avLst/>
@@ -12768,15 +15686,21 @@
             <a:noFill/>
           </a:ln>
         </p:spPr>
-        <p:txBody>
-          <a:bodyPr anchor="b"/>
+        <p:style>
+          <a:lnRef idx="0"/>
+          <a:fillRef idx="0"/>
+          <a:effectRef idx="0"/>
+          <a:fontRef idx="minor"/>
+        </p:style>
+        <p:txBody>
+          <a:bodyPr lIns="90000" rIns="90000" tIns="45000" bIns="45000" anchor="b"/>
           <a:p>
             <a:pPr algn="r">
               <a:lnSpc>
                 <a:spcPct val="100000"/>
               </a:lnSpc>
             </a:pPr>
-            <a:fld id="{6708E979-2D1F-4C9F-8CB9-94497010B48B}" type="slidenum">
+            <a:fld id="{89DEEBB1-7CD1-4177-AA28-D18AA8E97F5E}" type="slidenum">
               <a:rPr lang="en-US" sz="1200" spc="-1" strike="noStrike">
                 <a:solidFill>
                   <a:srgbClr val="ffffff"/>
@@ -12796,14 +15720,14 @@
       </p:sp>
       <p:sp>
         <p:nvSpPr>
-          <p:cNvPr id="112" name="TextShape 2"/>
-          <p:cNvSpPr txBox="1"/>
+          <p:cNvPr id="189" name="CustomShape 2"/>
+          <p:cNvSpPr/>
           <p:nvPr/>
         </p:nvSpPr>
         <p:spPr>
           <a:xfrm>
             <a:off x="2057400" y="6477120"/>
-            <a:ext cx="5943240" cy="247320"/>
+            <a:ext cx="5942880" cy="246960"/>
           </a:xfrm>
           <a:prstGeom prst="rect">
             <a:avLst/>
@@ -12813,8 +15737,14 @@
             <a:noFill/>
           </a:ln>
         </p:spPr>
-        <p:txBody>
-          <a:bodyPr anchor="b"/>
+        <p:style>
+          <a:lnRef idx="0"/>
+          <a:fillRef idx="0"/>
+          <a:effectRef idx="0"/>
+          <a:fontRef idx="minor"/>
+        </p:style>
+        <p:txBody>
+          <a:bodyPr lIns="90000" rIns="90000" tIns="45000" bIns="45000" anchor="b"/>
           <a:p>
             <a:pPr algn="ctr">
               <a:lnSpc>
@@ -12841,14 +15771,14 @@
       </p:sp>
       <p:sp>
         <p:nvSpPr>
-          <p:cNvPr id="113" name="TextShape 3"/>
-          <p:cNvSpPr txBox="1"/>
+          <p:cNvPr id="190" name="CustomShape 3"/>
+          <p:cNvSpPr/>
           <p:nvPr/>
         </p:nvSpPr>
         <p:spPr>
           <a:xfrm>
             <a:off x="457200" y="274680"/>
-            <a:ext cx="8229240" cy="1142640"/>
+            <a:ext cx="8228880" cy="1142280"/>
           </a:xfrm>
           <a:prstGeom prst="rect">
             <a:avLst/>
@@ -12858,8 +15788,14 @@
             <a:noFill/>
           </a:ln>
         </p:spPr>
-        <p:txBody>
-          <a:bodyPr anchor="ctr"/>
+        <p:style>
+          <a:lnRef idx="0"/>
+          <a:fillRef idx="0"/>
+          <a:effectRef idx="0"/>
+          <a:fontRef idx="minor"/>
+        </p:style>
+        <p:txBody>
+          <a:bodyPr lIns="90000" rIns="90000" tIns="45000" bIns="45000" anchor="ctr"/>
           <a:p>
             <a:pPr algn="ctr">
               <a:lnSpc>
@@ -12886,14 +15822,14 @@
       </p:sp>
       <p:sp>
         <p:nvSpPr>
-          <p:cNvPr id="114" name="TextShape 4"/>
-          <p:cNvSpPr txBox="1"/>
+          <p:cNvPr id="191" name="CustomShape 4"/>
+          <p:cNvSpPr/>
           <p:nvPr/>
         </p:nvSpPr>
         <p:spPr>
           <a:xfrm>
             <a:off x="457200" y="1600200"/>
-            <a:ext cx="8229240" cy="4800240"/>
+            <a:ext cx="8228880" cy="4799880"/>
           </a:xfrm>
           <a:prstGeom prst="rect">
             <a:avLst/>
@@ -12903,10 +15839,16 @@
             <a:noFill/>
           </a:ln>
         </p:spPr>
-        <p:txBody>
-          <a:bodyPr/>
-          <a:p>
-            <a:pPr marL="343080" indent="-342720">
+        <p:style>
+          <a:lnRef idx="0"/>
+          <a:fillRef idx="0"/>
+          <a:effectRef idx="0"/>
+          <a:fontRef idx="minor"/>
+        </p:style>
+        <p:txBody>
+          <a:bodyPr lIns="90000" rIns="90000" tIns="45000" bIns="45000"/>
+          <a:p>
+            <a:pPr marL="343080" indent="-342360">
               <a:lnSpc>
                 <a:spcPct val="100000"/>
               </a:lnSpc>
@@ -12934,7 +15876,7 @@
             <a:endParaRPr/>
           </a:p>
           <a:p>
-            <a:pPr lvl="1" marL="743040" indent="-285480">
+            <a:pPr lvl="1" marL="743040" indent="-285120">
               <a:lnSpc>
                 <a:spcPct val="100000"/>
               </a:lnSpc>
@@ -12962,7 +15904,7 @@
             <a:endParaRPr/>
           </a:p>
           <a:p>
-            <a:pPr lvl="1" marL="743040" indent="-285480">
+            <a:pPr lvl="1" marL="743040" indent="-285120">
               <a:lnSpc>
                 <a:spcPct val="100000"/>
               </a:lnSpc>
@@ -12990,7 +15932,7 @@
             <a:endParaRPr/>
           </a:p>
           <a:p>
-            <a:pPr marL="343080" indent="-342720">
+            <a:pPr marL="343080" indent="-342360">
               <a:lnSpc>
                 <a:spcPct val="100000"/>
               </a:lnSpc>
@@ -13018,7 +15960,7 @@
             <a:endParaRPr/>
           </a:p>
           <a:p>
-            <a:pPr marL="343080" indent="-342720">
+            <a:pPr marL="343080" indent="-342360">
               <a:lnSpc>
                 <a:spcPct val="100000"/>
               </a:lnSpc>
@@ -13046,6 +15988,11 @@
             <a:endParaRPr/>
           </a:p>
           <a:p>
+            <a:pPr>
+              <a:lnSpc>
+                <a:spcPct val="100000"/>
+              </a:lnSpc>
+            </a:pPr>
             <a:endParaRPr/>
           </a:p>
         </p:txBody>
@@ -13101,14 +16048,14 @@
       </p:grpSpPr>
       <p:sp>
         <p:nvSpPr>
-          <p:cNvPr id="115" name="TextShape 1"/>
-          <p:cNvSpPr txBox="1"/>
+          <p:cNvPr id="192" name="CustomShape 1"/>
+          <p:cNvSpPr/>
           <p:nvPr/>
         </p:nvSpPr>
         <p:spPr>
           <a:xfrm>
             <a:off x="8077320" y="6477120"/>
-            <a:ext cx="609120" cy="247320"/>
+            <a:ext cx="608760" cy="246960"/>
           </a:xfrm>
           <a:prstGeom prst="rect">
             <a:avLst/>
@@ -13118,15 +16065,21 @@
             <a:noFill/>
           </a:ln>
         </p:spPr>
-        <p:txBody>
-          <a:bodyPr anchor="b"/>
+        <p:style>
+          <a:lnRef idx="0"/>
+          <a:fillRef idx="0"/>
+          <a:effectRef idx="0"/>
+          <a:fontRef idx="minor"/>
+        </p:style>
+        <p:txBody>
+          <a:bodyPr lIns="90000" rIns="90000" tIns="45000" bIns="45000" anchor="b"/>
           <a:p>
             <a:pPr algn="r">
               <a:lnSpc>
                 <a:spcPct val="100000"/>
               </a:lnSpc>
             </a:pPr>
-            <a:fld id="{1C95433F-2E99-415F-BF28-2499FEC03733}" type="slidenum">
+            <a:fld id="{F8B5AC7D-3438-46D7-AFCD-02D925F7E02A}" type="slidenum">
               <a:rPr lang="en-US" sz="1200" spc="-1" strike="noStrike">
                 <a:solidFill>
                   <a:srgbClr val="ffffff"/>
@@ -13146,14 +16099,14 @@
       </p:sp>
       <p:sp>
         <p:nvSpPr>
-          <p:cNvPr id="116" name="TextShape 2"/>
-          <p:cNvSpPr txBox="1"/>
+          <p:cNvPr id="193" name="CustomShape 2"/>
+          <p:cNvSpPr/>
           <p:nvPr/>
         </p:nvSpPr>
         <p:spPr>
           <a:xfrm>
             <a:off x="2057400" y="6477120"/>
-            <a:ext cx="5943240" cy="247320"/>
+            <a:ext cx="5942880" cy="246960"/>
           </a:xfrm>
           <a:prstGeom prst="rect">
             <a:avLst/>
@@ -13163,8 +16116,14 @@
             <a:noFill/>
           </a:ln>
         </p:spPr>
-        <p:txBody>
-          <a:bodyPr anchor="b"/>
+        <p:style>
+          <a:lnRef idx="0"/>
+          <a:fillRef idx="0"/>
+          <a:effectRef idx="0"/>
+          <a:fontRef idx="minor"/>
+        </p:style>
+        <p:txBody>
+          <a:bodyPr lIns="90000" rIns="90000" tIns="45000" bIns="45000" anchor="b"/>
           <a:p>
             <a:pPr algn="ctr">
               <a:lnSpc>
@@ -13191,14 +16150,14 @@
       </p:sp>
       <p:sp>
         <p:nvSpPr>
-          <p:cNvPr id="117" name="TextShape 3"/>
-          <p:cNvSpPr txBox="1"/>
+          <p:cNvPr id="194" name="CustomShape 3"/>
+          <p:cNvSpPr/>
           <p:nvPr/>
         </p:nvSpPr>
         <p:spPr>
           <a:xfrm>
             <a:off x="457200" y="274680"/>
-            <a:ext cx="8229240" cy="1142640"/>
+            <a:ext cx="8228880" cy="1142280"/>
           </a:xfrm>
           <a:prstGeom prst="rect">
             <a:avLst/>
@@ -13208,8 +16167,14 @@
             <a:noFill/>
           </a:ln>
         </p:spPr>
-        <p:txBody>
-          <a:bodyPr anchor="ctr"/>
+        <p:style>
+          <a:lnRef idx="0"/>
+          <a:fillRef idx="0"/>
+          <a:effectRef idx="0"/>
+          <a:fontRef idx="minor"/>
+        </p:style>
+        <p:txBody>
+          <a:bodyPr lIns="90000" rIns="90000" tIns="45000" bIns="45000" anchor="ctr"/>
           <a:p>
             <a:pPr algn="ctr">
               <a:lnSpc>
@@ -13236,14 +16201,14 @@
       </p:sp>
       <p:sp>
         <p:nvSpPr>
-          <p:cNvPr id="118" name="TextShape 4"/>
-          <p:cNvSpPr txBox="1"/>
+          <p:cNvPr id="195" name="CustomShape 4"/>
+          <p:cNvSpPr/>
           <p:nvPr/>
         </p:nvSpPr>
         <p:spPr>
           <a:xfrm>
             <a:off x="457200" y="1447920"/>
-            <a:ext cx="8229240" cy="1447560"/>
+            <a:ext cx="8228880" cy="1447200"/>
           </a:xfrm>
           <a:prstGeom prst="rect">
             <a:avLst/>
@@ -13253,10 +16218,16 @@
             <a:noFill/>
           </a:ln>
         </p:spPr>
-        <p:txBody>
-          <a:bodyPr/>
-          <a:p>
-            <a:pPr marL="343080" indent="-342720">
+        <p:style>
+          <a:lnRef idx="0"/>
+          <a:fillRef idx="0"/>
+          <a:effectRef idx="0"/>
+          <a:fontRef idx="minor"/>
+        </p:style>
+        <p:txBody>
+          <a:bodyPr lIns="90000" rIns="90000" tIns="45000" bIns="45000"/>
+          <a:p>
+            <a:pPr marL="343080" indent="-342360">
               <a:lnSpc>
                 <a:spcPct val="90000"/>
               </a:lnSpc>
@@ -13284,7 +16255,7 @@
             <a:endParaRPr/>
           </a:p>
           <a:p>
-            <a:pPr lvl="1" marL="743040" indent="-285480">
+            <a:pPr lvl="1" marL="743040" indent="-285120">
               <a:lnSpc>
                 <a:spcPct val="90000"/>
               </a:lnSpc>
@@ -13315,14 +16286,14 @@
       </p:sp>
       <p:sp>
         <p:nvSpPr>
-          <p:cNvPr id="119" name="CustomShape 5"/>
+          <p:cNvPr id="196" name="CustomShape 5"/>
           <p:cNvSpPr/>
           <p:nvPr/>
         </p:nvSpPr>
         <p:spPr>
           <a:xfrm>
             <a:off x="2209680" y="2971800"/>
-            <a:ext cx="4876560" cy="2971440"/>
+            <a:ext cx="4876200" cy="2971080"/>
           </a:xfrm>
           <a:prstGeom prst="bevel">
             <a:avLst>
@@ -13364,6 +16335,7 @@
                   </a:solidFill>
                 </a:uFill>
                 <a:latin typeface="Forte"/>
+                <a:ea typeface="DejaVu Sans"/>
               </a:rPr>
               <a:t>?</a:t>
             </a:r>
@@ -13422,14 +16394,14 @@
       </p:grpSpPr>
       <p:sp>
         <p:nvSpPr>
-          <p:cNvPr id="120" name="TextShape 1"/>
-          <p:cNvSpPr txBox="1"/>
+          <p:cNvPr id="197" name="CustomShape 1"/>
+          <p:cNvSpPr/>
           <p:nvPr/>
         </p:nvSpPr>
         <p:spPr>
           <a:xfrm>
             <a:off x="8077320" y="6477120"/>
-            <a:ext cx="609120" cy="247320"/>
+            <a:ext cx="608760" cy="246960"/>
           </a:xfrm>
           <a:prstGeom prst="rect">
             <a:avLst/>
@@ -13439,15 +16411,21 @@
             <a:noFill/>
           </a:ln>
         </p:spPr>
-        <p:txBody>
-          <a:bodyPr anchor="b"/>
+        <p:style>
+          <a:lnRef idx="0"/>
+          <a:fillRef idx="0"/>
+          <a:effectRef idx="0"/>
+          <a:fontRef idx="minor"/>
+        </p:style>
+        <p:txBody>
+          <a:bodyPr lIns="90000" rIns="90000" tIns="45000" bIns="45000" anchor="b"/>
           <a:p>
             <a:pPr algn="r">
               <a:lnSpc>
                 <a:spcPct val="100000"/>
               </a:lnSpc>
             </a:pPr>
-            <a:fld id="{D16DD81C-DCF9-4AEA-B149-A91C55E3EDC0}" type="slidenum">
+            <a:fld id="{C27B91F0-42A8-48B3-B3F7-DD3BBE0EDFAB}" type="slidenum">
               <a:rPr lang="en-US" sz="1200" spc="-1" strike="noStrike">
                 <a:solidFill>
                   <a:srgbClr val="ffffff"/>
@@ -13467,14 +16445,14 @@
       </p:sp>
       <p:sp>
         <p:nvSpPr>
-          <p:cNvPr id="121" name="TextShape 2"/>
-          <p:cNvSpPr txBox="1"/>
+          <p:cNvPr id="198" name="CustomShape 2"/>
+          <p:cNvSpPr/>
           <p:nvPr/>
         </p:nvSpPr>
         <p:spPr>
           <a:xfrm>
             <a:off x="2057400" y="6477120"/>
-            <a:ext cx="5943240" cy="247320"/>
+            <a:ext cx="5942880" cy="246960"/>
           </a:xfrm>
           <a:prstGeom prst="rect">
             <a:avLst/>
@@ -13484,8 +16462,14 @@
             <a:noFill/>
           </a:ln>
         </p:spPr>
-        <p:txBody>
-          <a:bodyPr anchor="b"/>
+        <p:style>
+          <a:lnRef idx="0"/>
+          <a:fillRef idx="0"/>
+          <a:effectRef idx="0"/>
+          <a:fontRef idx="minor"/>
+        </p:style>
+        <p:txBody>
+          <a:bodyPr lIns="90000" rIns="90000" tIns="45000" bIns="45000" anchor="b"/>
           <a:p>
             <a:pPr algn="ctr">
               <a:lnSpc>
@@ -13512,14 +16496,14 @@
       </p:sp>
       <p:sp>
         <p:nvSpPr>
-          <p:cNvPr id="122" name="TextShape 3"/>
-          <p:cNvSpPr txBox="1"/>
+          <p:cNvPr id="199" name="CustomShape 3"/>
+          <p:cNvSpPr/>
           <p:nvPr/>
         </p:nvSpPr>
         <p:spPr>
           <a:xfrm>
             <a:off x="457200" y="274680"/>
-            <a:ext cx="8229240" cy="1142640"/>
+            <a:ext cx="8228880" cy="1142280"/>
           </a:xfrm>
           <a:prstGeom prst="rect">
             <a:avLst/>
@@ -13529,8 +16513,14 @@
             <a:noFill/>
           </a:ln>
         </p:spPr>
-        <p:txBody>
-          <a:bodyPr anchor="ctr"/>
+        <p:style>
+          <a:lnRef idx="0"/>
+          <a:fillRef idx="0"/>
+          <a:effectRef idx="0"/>
+          <a:fontRef idx="minor"/>
+        </p:style>
+        <p:txBody>
+          <a:bodyPr lIns="90000" rIns="90000" tIns="45000" bIns="45000" anchor="ctr"/>
           <a:p>
             <a:pPr algn="ctr">
               <a:lnSpc>
@@ -13557,14 +16547,14 @@
       </p:sp>
       <p:sp>
         <p:nvSpPr>
-          <p:cNvPr id="123" name="TextShape 4"/>
-          <p:cNvSpPr txBox="1"/>
+          <p:cNvPr id="200" name="CustomShape 4"/>
+          <p:cNvSpPr/>
           <p:nvPr/>
         </p:nvSpPr>
         <p:spPr>
           <a:xfrm>
             <a:off x="457200" y="1600200"/>
-            <a:ext cx="8229240" cy="4800240"/>
+            <a:ext cx="8228880" cy="4799880"/>
           </a:xfrm>
           <a:prstGeom prst="rect">
             <a:avLst/>
@@ -13574,10 +16564,16 @@
             <a:noFill/>
           </a:ln>
         </p:spPr>
-        <p:txBody>
-          <a:bodyPr/>
-          <a:p>
-            <a:pPr marL="343080" indent="-342720">
+        <p:style>
+          <a:lnRef idx="0"/>
+          <a:fillRef idx="0"/>
+          <a:effectRef idx="0"/>
+          <a:fontRef idx="minor"/>
+        </p:style>
+        <p:txBody>
+          <a:bodyPr lIns="90000" rIns="90000" tIns="45000" bIns="45000"/>
+          <a:p>
+            <a:pPr marL="343080" indent="-342360">
               <a:lnSpc>
                 <a:spcPct val="100000"/>
               </a:lnSpc>
@@ -13605,7 +16601,7 @@
             <a:endParaRPr/>
           </a:p>
           <a:p>
-            <a:pPr lvl="1" marL="743040" indent="-285480">
+            <a:pPr lvl="1" marL="743040" indent="-285120">
               <a:lnSpc>
                 <a:spcPct val="100000"/>
               </a:lnSpc>
@@ -13633,7 +16629,7 @@
             <a:endParaRPr/>
           </a:p>
           <a:p>
-            <a:pPr marL="343080" indent="-342720">
+            <a:pPr marL="343080" indent="-342360">
               <a:lnSpc>
                 <a:spcPct val="100000"/>
               </a:lnSpc>
@@ -13693,14 +16689,14 @@
       </p:grpSpPr>
       <p:sp>
         <p:nvSpPr>
-          <p:cNvPr id="124" name="TextShape 1"/>
-          <p:cNvSpPr txBox="1"/>
+          <p:cNvPr id="201" name="CustomShape 1"/>
+          <p:cNvSpPr/>
           <p:nvPr/>
         </p:nvSpPr>
         <p:spPr>
           <a:xfrm>
             <a:off x="8077320" y="6477120"/>
-            <a:ext cx="609120" cy="247320"/>
+            <a:ext cx="608760" cy="246960"/>
           </a:xfrm>
           <a:prstGeom prst="rect">
             <a:avLst/>
@@ -13710,15 +16706,21 @@
             <a:noFill/>
           </a:ln>
         </p:spPr>
-        <p:txBody>
-          <a:bodyPr anchor="b"/>
+        <p:style>
+          <a:lnRef idx="0"/>
+          <a:fillRef idx="0"/>
+          <a:effectRef idx="0"/>
+          <a:fontRef idx="minor"/>
+        </p:style>
+        <p:txBody>
+          <a:bodyPr lIns="90000" rIns="90000" tIns="45000" bIns="45000" anchor="b"/>
           <a:p>
             <a:pPr algn="r">
               <a:lnSpc>
                 <a:spcPct val="100000"/>
               </a:lnSpc>
             </a:pPr>
-            <a:fld id="{2DAD80F6-E682-4CDB-8745-3E4B345BB820}" type="slidenum">
+            <a:fld id="{2C9B0587-6122-4E27-9480-BE4CC46CBD54}" type="slidenum">
               <a:rPr lang="en-US" sz="1200" spc="-1" strike="noStrike">
                 <a:solidFill>
                   <a:srgbClr val="ffffff"/>
@@ -13738,14 +16740,14 @@
       </p:sp>
       <p:sp>
         <p:nvSpPr>
-          <p:cNvPr id="125" name="TextShape 2"/>
-          <p:cNvSpPr txBox="1"/>
+          <p:cNvPr id="202" name="CustomShape 2"/>
+          <p:cNvSpPr/>
           <p:nvPr/>
         </p:nvSpPr>
         <p:spPr>
           <a:xfrm>
             <a:off x="2057400" y="6477120"/>
-            <a:ext cx="5943240" cy="247320"/>
+            <a:ext cx="5942880" cy="246960"/>
           </a:xfrm>
           <a:prstGeom prst="rect">
             <a:avLst/>
@@ -13755,8 +16757,14 @@
             <a:noFill/>
           </a:ln>
         </p:spPr>
-        <p:txBody>
-          <a:bodyPr anchor="b"/>
+        <p:style>
+          <a:lnRef idx="0"/>
+          <a:fillRef idx="0"/>
+          <a:effectRef idx="0"/>
+          <a:fontRef idx="minor"/>
+        </p:style>
+        <p:txBody>
+          <a:bodyPr lIns="90000" rIns="90000" tIns="45000" bIns="45000" anchor="b"/>
           <a:p>
             <a:pPr algn="ctr">
               <a:lnSpc>
@@ -13783,14 +16791,14 @@
       </p:sp>
       <p:sp>
         <p:nvSpPr>
-          <p:cNvPr id="126" name="TextShape 3"/>
-          <p:cNvSpPr txBox="1"/>
+          <p:cNvPr id="203" name="CustomShape 3"/>
+          <p:cNvSpPr/>
           <p:nvPr/>
         </p:nvSpPr>
         <p:spPr>
           <a:xfrm>
             <a:off x="457200" y="274680"/>
-            <a:ext cx="8229240" cy="1142640"/>
+            <a:ext cx="8228880" cy="1142280"/>
           </a:xfrm>
           <a:prstGeom prst="rect">
             <a:avLst/>
@@ -13800,8 +16808,14 @@
             <a:noFill/>
           </a:ln>
         </p:spPr>
-        <p:txBody>
-          <a:bodyPr anchor="ctr"/>
+        <p:style>
+          <a:lnRef idx="0"/>
+          <a:fillRef idx="0"/>
+          <a:effectRef idx="0"/>
+          <a:fontRef idx="minor"/>
+        </p:style>
+        <p:txBody>
+          <a:bodyPr lIns="90000" rIns="90000" tIns="45000" bIns="45000" anchor="ctr"/>
           <a:p>
             <a:pPr algn="ctr">
               <a:lnSpc>
@@ -13828,14 +16842,14 @@
       </p:sp>
       <p:sp>
         <p:nvSpPr>
-          <p:cNvPr id="127" name="TextShape 4"/>
-          <p:cNvSpPr txBox="1"/>
+          <p:cNvPr id="204" name="CustomShape 4"/>
+          <p:cNvSpPr/>
           <p:nvPr/>
         </p:nvSpPr>
         <p:spPr>
           <a:xfrm>
             <a:off x="457200" y="1600200"/>
-            <a:ext cx="8229240" cy="4800240"/>
+            <a:ext cx="8228880" cy="4799880"/>
           </a:xfrm>
           <a:prstGeom prst="rect">
             <a:avLst/>
@@ -13845,10 +16859,16 @@
             <a:noFill/>
           </a:ln>
         </p:spPr>
-        <p:txBody>
-          <a:bodyPr/>
-          <a:p>
-            <a:pPr marL="343080" indent="-342720">
+        <p:style>
+          <a:lnRef idx="0"/>
+          <a:fillRef idx="0"/>
+          <a:effectRef idx="0"/>
+          <a:fontRef idx="minor"/>
+        </p:style>
+        <p:txBody>
+          <a:bodyPr lIns="90000" rIns="90000" tIns="45000" bIns="45000"/>
+          <a:p>
+            <a:pPr marL="343080" indent="-342360">
               <a:lnSpc>
                 <a:spcPct val="100000"/>
               </a:lnSpc>
@@ -13932,7 +16952,7 @@
             <a:endParaRPr/>
           </a:p>
           <a:p>
-            <a:pPr marL="343080" indent="-342720">
+            <a:pPr marL="343080" indent="-342360">
               <a:lnSpc>
                 <a:spcPct val="100000"/>
               </a:lnSpc>
@@ -13960,7 +16980,7 @@
             <a:endParaRPr/>
           </a:p>
           <a:p>
-            <a:pPr lvl="1" marL="743040" indent="-285480">
+            <a:pPr lvl="1" marL="743040" indent="-285120">
               <a:lnSpc>
                 <a:spcPct val="100000"/>
               </a:lnSpc>
@@ -13988,7 +17008,7 @@
             <a:endParaRPr/>
           </a:p>
           <a:p>
-            <a:pPr lvl="1" marL="743040" indent="-285480">
+            <a:pPr lvl="1" marL="743040" indent="-285120">
               <a:lnSpc>
                 <a:spcPct val="100000"/>
               </a:lnSpc>
@@ -14016,7 +17036,7 @@
             <a:endParaRPr/>
           </a:p>
           <a:p>
-            <a:pPr lvl="1" marL="743040" indent="-285480">
+            <a:pPr lvl="1" marL="743040" indent="-285120">
               <a:lnSpc>
                 <a:spcPct val="100000"/>
               </a:lnSpc>
@@ -14044,7 +17064,7 @@
             <a:endParaRPr/>
           </a:p>
           <a:p>
-            <a:pPr lvl="1" marL="743040" indent="-285480">
+            <a:pPr lvl="1" marL="743040" indent="-285120">
               <a:lnSpc>
                 <a:spcPct val="100000"/>
               </a:lnSpc>
@@ -14124,14 +17144,14 @@
       </p:grpSpPr>
       <p:sp>
         <p:nvSpPr>
-          <p:cNvPr id="128" name="TextShape 1"/>
-          <p:cNvSpPr txBox="1"/>
+          <p:cNvPr id="205" name="CustomShape 1"/>
+          <p:cNvSpPr/>
           <p:nvPr/>
         </p:nvSpPr>
         <p:spPr>
           <a:xfrm>
             <a:off x="8077320" y="6477120"/>
-            <a:ext cx="609120" cy="247320"/>
+            <a:ext cx="608760" cy="246960"/>
           </a:xfrm>
           <a:prstGeom prst="rect">
             <a:avLst/>
@@ -14141,15 +17161,21 @@
             <a:noFill/>
           </a:ln>
         </p:spPr>
-        <p:txBody>
-          <a:bodyPr anchor="b"/>
+        <p:style>
+          <a:lnRef idx="0"/>
+          <a:fillRef idx="0"/>
+          <a:effectRef idx="0"/>
+          <a:fontRef idx="minor"/>
+        </p:style>
+        <p:txBody>
+          <a:bodyPr lIns="90000" rIns="90000" tIns="45000" bIns="45000" anchor="b"/>
           <a:p>
             <a:pPr algn="r">
               <a:lnSpc>
                 <a:spcPct val="100000"/>
               </a:lnSpc>
             </a:pPr>
-            <a:fld id="{E4D257AF-3BA0-459F-A2B2-589217C6E721}" type="slidenum">
+            <a:fld id="{9C3C0285-C23F-43A8-89E3-EF4A03D53C9A}" type="slidenum">
               <a:rPr lang="en-US" sz="1200" spc="-1" strike="noStrike">
                 <a:solidFill>
                   <a:srgbClr val="ffffff"/>
@@ -14169,14 +17195,14 @@
       </p:sp>
       <p:sp>
         <p:nvSpPr>
-          <p:cNvPr id="129" name="TextShape 2"/>
-          <p:cNvSpPr txBox="1"/>
+          <p:cNvPr id="206" name="CustomShape 2"/>
+          <p:cNvSpPr/>
           <p:nvPr/>
         </p:nvSpPr>
         <p:spPr>
           <a:xfrm>
             <a:off x="2057400" y="6477120"/>
-            <a:ext cx="5943240" cy="247320"/>
+            <a:ext cx="5942880" cy="246960"/>
           </a:xfrm>
           <a:prstGeom prst="rect">
             <a:avLst/>
@@ -14186,8 +17212,14 @@
             <a:noFill/>
           </a:ln>
         </p:spPr>
-        <p:txBody>
-          <a:bodyPr anchor="b"/>
+        <p:style>
+          <a:lnRef idx="0"/>
+          <a:fillRef idx="0"/>
+          <a:effectRef idx="0"/>
+          <a:fontRef idx="minor"/>
+        </p:style>
+        <p:txBody>
+          <a:bodyPr lIns="90000" rIns="90000" tIns="45000" bIns="45000" anchor="b"/>
           <a:p>
             <a:pPr algn="ctr">
               <a:lnSpc>
@@ -14214,14 +17246,14 @@
       </p:sp>
       <p:sp>
         <p:nvSpPr>
-          <p:cNvPr id="130" name="TextShape 3"/>
-          <p:cNvSpPr txBox="1"/>
+          <p:cNvPr id="207" name="CustomShape 3"/>
+          <p:cNvSpPr/>
           <p:nvPr/>
         </p:nvSpPr>
         <p:spPr>
           <a:xfrm>
             <a:off x="457200" y="274680"/>
-            <a:ext cx="8229240" cy="1142640"/>
+            <a:ext cx="8228880" cy="1142280"/>
           </a:xfrm>
           <a:prstGeom prst="rect">
             <a:avLst/>
@@ -14231,8 +17263,14 @@
             <a:noFill/>
           </a:ln>
         </p:spPr>
-        <p:txBody>
-          <a:bodyPr anchor="ctr"/>
+        <p:style>
+          <a:lnRef idx="0"/>
+          <a:fillRef idx="0"/>
+          <a:effectRef idx="0"/>
+          <a:fontRef idx="minor"/>
+        </p:style>
+        <p:txBody>
+          <a:bodyPr lIns="90000" rIns="90000" tIns="45000" bIns="45000" anchor="ctr"/>
           <a:p>
             <a:pPr algn="ctr">
               <a:lnSpc>
@@ -14259,14 +17297,14 @@
       </p:sp>
       <p:sp>
         <p:nvSpPr>
-          <p:cNvPr id="131" name="TextShape 4"/>
-          <p:cNvSpPr txBox="1"/>
+          <p:cNvPr id="208" name="CustomShape 4"/>
+          <p:cNvSpPr/>
           <p:nvPr/>
         </p:nvSpPr>
         <p:spPr>
           <a:xfrm>
             <a:off x="457200" y="1600200"/>
-            <a:ext cx="8229240" cy="4800240"/>
+            <a:ext cx="8228880" cy="4799880"/>
           </a:xfrm>
           <a:prstGeom prst="rect">
             <a:avLst/>
@@ -14276,10 +17314,16 @@
             <a:noFill/>
           </a:ln>
         </p:spPr>
-        <p:txBody>
-          <a:bodyPr/>
-          <a:p>
-            <a:pPr marL="343080" indent="-342720">
+        <p:style>
+          <a:lnRef idx="0"/>
+          <a:fillRef idx="0"/>
+          <a:effectRef idx="0"/>
+          <a:fontRef idx="minor"/>
+        </p:style>
+        <p:txBody>
+          <a:bodyPr lIns="90000" rIns="90000" tIns="45000" bIns="45000"/>
+          <a:p>
+            <a:pPr marL="343080" indent="-342360">
               <a:lnSpc>
                 <a:spcPct val="100000"/>
               </a:lnSpc>
@@ -14307,7 +17351,7 @@
             <a:endParaRPr/>
           </a:p>
           <a:p>
-            <a:pPr marL="343080" indent="-342720">
+            <a:pPr marL="343080" indent="-342360">
               <a:lnSpc>
                 <a:spcPct val="100000"/>
               </a:lnSpc>
@@ -14335,7 +17379,7 @@
             <a:endParaRPr/>
           </a:p>
           <a:p>
-            <a:pPr marL="343080" indent="-342720">
+            <a:pPr marL="343080" indent="-342360">
               <a:lnSpc>
                 <a:spcPct val="100000"/>
               </a:lnSpc>
@@ -14363,7 +17407,7 @@
             <a:endParaRPr/>
           </a:p>
           <a:p>
-            <a:pPr marL="343080" indent="-342720">
+            <a:pPr marL="343080" indent="-342360">
               <a:lnSpc>
                 <a:spcPct val="100000"/>
               </a:lnSpc>
@@ -14391,6 +17435,11 @@
             <a:endParaRPr/>
           </a:p>
           <a:p>
+            <a:pPr>
+              <a:lnSpc>
+                <a:spcPct val="100000"/>
+              </a:lnSpc>
+            </a:pPr>
             <a:endParaRPr/>
           </a:p>
         </p:txBody>
@@ -14446,14 +17495,14 @@
       </p:grpSpPr>
       <p:sp>
         <p:nvSpPr>
-          <p:cNvPr id="132" name="TextShape 1"/>
-          <p:cNvSpPr txBox="1"/>
+          <p:cNvPr id="209" name="CustomShape 1"/>
+          <p:cNvSpPr/>
           <p:nvPr/>
         </p:nvSpPr>
         <p:spPr>
           <a:xfrm>
             <a:off x="8077320" y="6477120"/>
-            <a:ext cx="609120" cy="247320"/>
+            <a:ext cx="608760" cy="246960"/>
           </a:xfrm>
           <a:prstGeom prst="rect">
             <a:avLst/>
@@ -14463,15 +17512,21 @@
             <a:noFill/>
           </a:ln>
         </p:spPr>
-        <p:txBody>
-          <a:bodyPr anchor="b"/>
+        <p:style>
+          <a:lnRef idx="0"/>
+          <a:fillRef idx="0"/>
+          <a:effectRef idx="0"/>
+          <a:fontRef idx="minor"/>
+        </p:style>
+        <p:txBody>
+          <a:bodyPr lIns="90000" rIns="90000" tIns="45000" bIns="45000" anchor="b"/>
           <a:p>
             <a:pPr algn="r">
               <a:lnSpc>
                 <a:spcPct val="100000"/>
               </a:lnSpc>
             </a:pPr>
-            <a:fld id="{0F910038-3554-453D-BB96-D9A7B63F94C8}" type="slidenum">
+            <a:fld id="{3DF9AA21-C4CE-4763-93FA-15BEA564070C}" type="slidenum">
               <a:rPr lang="en-US" sz="1200" spc="-1" strike="noStrike">
                 <a:solidFill>
                   <a:srgbClr val="ffffff"/>
@@ -14491,14 +17546,14 @@
       </p:sp>
       <p:sp>
         <p:nvSpPr>
-          <p:cNvPr id="133" name="TextShape 2"/>
-          <p:cNvSpPr txBox="1"/>
+          <p:cNvPr id="210" name="CustomShape 2"/>
+          <p:cNvSpPr/>
           <p:nvPr/>
         </p:nvSpPr>
         <p:spPr>
           <a:xfrm>
             <a:off x="457200" y="274680"/>
-            <a:ext cx="8229240" cy="1142640"/>
+            <a:ext cx="8228880" cy="1142280"/>
           </a:xfrm>
           <a:prstGeom prst="rect">
             <a:avLst/>
@@ -14508,8 +17563,14 @@
             <a:noFill/>
           </a:ln>
         </p:spPr>
-        <p:txBody>
-          <a:bodyPr anchor="ctr"/>
+        <p:style>
+          <a:lnRef idx="0"/>
+          <a:fillRef idx="0"/>
+          <a:effectRef idx="0"/>
+          <a:fontRef idx="minor"/>
+        </p:style>
+        <p:txBody>
+          <a:bodyPr lIns="90000" rIns="90000" tIns="45000" bIns="45000" anchor="ctr"/>
           <a:p>
             <a:pPr algn="ctr">
               <a:lnSpc>
@@ -14536,14 +17597,14 @@
       </p:sp>
       <p:sp>
         <p:nvSpPr>
-          <p:cNvPr id="134" name="TextShape 3"/>
-          <p:cNvSpPr txBox="1"/>
+          <p:cNvPr id="211" name="CustomShape 3"/>
+          <p:cNvSpPr/>
           <p:nvPr/>
         </p:nvSpPr>
         <p:spPr>
           <a:xfrm>
             <a:off x="457200" y="1600200"/>
-            <a:ext cx="8229240" cy="4800240"/>
+            <a:ext cx="8228880" cy="4799880"/>
           </a:xfrm>
           <a:prstGeom prst="rect">
             <a:avLst/>
@@ -14553,10 +17614,16 @@
             <a:noFill/>
           </a:ln>
         </p:spPr>
-        <p:txBody>
-          <a:bodyPr/>
-          <a:p>
-            <a:pPr marL="343080" indent="-342720">
+        <p:style>
+          <a:lnRef idx="0"/>
+          <a:fillRef idx="0"/>
+          <a:effectRef idx="0"/>
+          <a:fontRef idx="minor"/>
+        </p:style>
+        <p:txBody>
+          <a:bodyPr lIns="90000" rIns="90000" tIns="45000" bIns="45000"/>
+          <a:p>
+            <a:pPr marL="343080" indent="-342360">
               <a:lnSpc>
                 <a:spcPct val="100000"/>
               </a:lnSpc>
@@ -14584,7 +17651,7 @@
             <a:endParaRPr/>
           </a:p>
           <a:p>
-            <a:pPr lvl="1" marL="743040" indent="-285480">
+            <a:pPr lvl="1" marL="743040" indent="-285120">
               <a:lnSpc>
                 <a:spcPct val="100000"/>
               </a:lnSpc>
@@ -14612,7 +17679,7 @@
             <a:endParaRPr/>
           </a:p>
           <a:p>
-            <a:pPr lvl="1" marL="743040" indent="-285480">
+            <a:pPr lvl="1" marL="743040" indent="-285120">
               <a:lnSpc>
                 <a:spcPct val="100000"/>
               </a:lnSpc>
@@ -14640,7 +17707,7 @@
             <a:endParaRPr/>
           </a:p>
           <a:p>
-            <a:pPr lvl="1" marL="743040" indent="-285480">
+            <a:pPr lvl="1" marL="743040" indent="-285120">
               <a:lnSpc>
                 <a:spcPct val="100000"/>
               </a:lnSpc>
@@ -14668,7 +17735,7 @@
             <a:endParaRPr/>
           </a:p>
           <a:p>
-            <a:pPr lvl="1" marL="743040" indent="-285480">
+            <a:pPr lvl="1" marL="743040" indent="-285120">
               <a:lnSpc>
                 <a:spcPct val="100000"/>
               </a:lnSpc>
@@ -14696,23 +17763,33 @@
             <a:endParaRPr/>
           </a:p>
           <a:p>
-            <a:endParaRPr/>
-          </a:p>
-          <a:p>
-            <a:endParaRPr/>
-          </a:p>
-        </p:txBody>
-      </p:sp>
-      <p:sp>
-        <p:nvSpPr>
-          <p:cNvPr id="135" name="TextShape 4"/>
-          <p:cNvSpPr txBox="1"/>
+            <a:pPr>
+              <a:lnSpc>
+                <a:spcPct val="100000"/>
+              </a:lnSpc>
+            </a:pPr>
+            <a:endParaRPr/>
+          </a:p>
+          <a:p>
+            <a:pPr>
+              <a:lnSpc>
+                <a:spcPct val="100000"/>
+              </a:lnSpc>
+            </a:pPr>
+            <a:endParaRPr/>
+          </a:p>
+        </p:txBody>
+      </p:sp>
+      <p:sp>
+        <p:nvSpPr>
+          <p:cNvPr id="212" name="CustomShape 4"/>
+          <p:cNvSpPr/>
           <p:nvPr/>
         </p:nvSpPr>
         <p:spPr>
           <a:xfrm>
             <a:off x="2057400" y="6477120"/>
-            <a:ext cx="5943240" cy="247320"/>
+            <a:ext cx="5942880" cy="246960"/>
           </a:xfrm>
           <a:prstGeom prst="rect">
             <a:avLst/>
@@ -14722,8 +17799,14 @@
             <a:noFill/>
           </a:ln>
         </p:spPr>
-        <p:txBody>
-          <a:bodyPr anchor="b"/>
+        <p:style>
+          <a:lnRef idx="0"/>
+          <a:fillRef idx="0"/>
+          <a:effectRef idx="0"/>
+          <a:fontRef idx="minor"/>
+        </p:style>
+        <p:txBody>
+          <a:bodyPr lIns="90000" rIns="90000" tIns="45000" bIns="45000" anchor="b"/>
           <a:p>
             <a:pPr algn="ctr">
               <a:lnSpc>
@@ -14799,14 +17882,14 @@
       </p:grpSpPr>
       <p:sp>
         <p:nvSpPr>
-          <p:cNvPr id="136" name="TextShape 1"/>
-          <p:cNvSpPr txBox="1"/>
+          <p:cNvPr id="213" name="CustomShape 1"/>
+          <p:cNvSpPr/>
           <p:nvPr/>
         </p:nvSpPr>
         <p:spPr>
           <a:xfrm>
             <a:off x="8077320" y="6477120"/>
-            <a:ext cx="609120" cy="247320"/>
+            <a:ext cx="608760" cy="246960"/>
           </a:xfrm>
           <a:prstGeom prst="rect">
             <a:avLst/>
@@ -14816,15 +17899,21 @@
             <a:noFill/>
           </a:ln>
         </p:spPr>
-        <p:txBody>
-          <a:bodyPr anchor="b"/>
+        <p:style>
+          <a:lnRef idx="0"/>
+          <a:fillRef idx="0"/>
+          <a:effectRef idx="0"/>
+          <a:fontRef idx="minor"/>
+        </p:style>
+        <p:txBody>
+          <a:bodyPr lIns="90000" rIns="90000" tIns="45000" bIns="45000" anchor="b"/>
           <a:p>
             <a:pPr algn="r">
               <a:lnSpc>
                 <a:spcPct val="100000"/>
               </a:lnSpc>
             </a:pPr>
-            <a:fld id="{17793F30-4075-440E-A60A-FFEE0E3F64A3}" type="slidenum">
+            <a:fld id="{B7B14FCB-5CB5-442C-992A-6DC43BA25E02}" type="slidenum">
               <a:rPr lang="en-US" sz="1200" spc="-1" strike="noStrike">
                 <a:solidFill>
                   <a:srgbClr val="ffffff"/>
@@ -14844,14 +17933,14 @@
       </p:sp>
       <p:sp>
         <p:nvSpPr>
-          <p:cNvPr id="137" name="TextShape 2"/>
-          <p:cNvSpPr txBox="1"/>
+          <p:cNvPr id="214" name="CustomShape 2"/>
+          <p:cNvSpPr/>
           <p:nvPr/>
         </p:nvSpPr>
         <p:spPr>
           <a:xfrm>
             <a:off x="457200" y="274680"/>
-            <a:ext cx="8229240" cy="1142640"/>
+            <a:ext cx="8228880" cy="1142280"/>
           </a:xfrm>
           <a:prstGeom prst="rect">
             <a:avLst/>
@@ -14861,8 +17950,14 @@
             <a:noFill/>
           </a:ln>
         </p:spPr>
-        <p:txBody>
-          <a:bodyPr anchor="ctr"/>
+        <p:style>
+          <a:lnRef idx="0"/>
+          <a:fillRef idx="0"/>
+          <a:effectRef idx="0"/>
+          <a:fontRef idx="minor"/>
+        </p:style>
+        <p:txBody>
+          <a:bodyPr lIns="90000" rIns="90000" tIns="45000" bIns="45000" anchor="ctr"/>
           <a:p>
             <a:pPr algn="ctr">
               <a:lnSpc>
@@ -14889,14 +17984,14 @@
       </p:sp>
       <p:sp>
         <p:nvSpPr>
-          <p:cNvPr id="138" name="TextShape 3"/>
-          <p:cNvSpPr txBox="1"/>
+          <p:cNvPr id="215" name="CustomShape 3"/>
+          <p:cNvSpPr/>
           <p:nvPr/>
         </p:nvSpPr>
         <p:spPr>
           <a:xfrm>
             <a:off x="457200" y="1371600"/>
-            <a:ext cx="8229240" cy="5028840"/>
+            <a:ext cx="8228880" cy="5028480"/>
           </a:xfrm>
           <a:prstGeom prst="rect">
             <a:avLst/>
@@ -14906,10 +18001,16 @@
             <a:noFill/>
           </a:ln>
         </p:spPr>
-        <p:txBody>
-          <a:bodyPr/>
-          <a:p>
-            <a:pPr marL="343080" indent="-342720">
+        <p:style>
+          <a:lnRef idx="0"/>
+          <a:fillRef idx="0"/>
+          <a:effectRef idx="0"/>
+          <a:fontRef idx="minor"/>
+        </p:style>
+        <p:txBody>
+          <a:bodyPr lIns="90000" rIns="90000" tIns="45000" bIns="45000"/>
+          <a:p>
+            <a:pPr marL="343080" indent="-342360">
               <a:lnSpc>
                 <a:spcPct val="100000"/>
               </a:lnSpc>
@@ -14937,7 +18038,7 @@
             <a:endParaRPr/>
           </a:p>
           <a:p>
-            <a:pPr marL="343080" indent="-342720">
+            <a:pPr marL="343080" indent="-342360">
               <a:lnSpc>
                 <a:spcPct val="100000"/>
               </a:lnSpc>
@@ -14965,7 +18066,7 @@
             <a:endParaRPr/>
           </a:p>
           <a:p>
-            <a:pPr lvl="1" marL="743040" indent="-285480">
+            <a:pPr lvl="1" marL="743040" indent="-285120">
               <a:lnSpc>
                 <a:spcPct val="100000"/>
               </a:lnSpc>
@@ -14993,7 +18094,7 @@
             <a:endParaRPr/>
           </a:p>
           <a:p>
-            <a:pPr lvl="1" marL="743040" indent="-285480">
+            <a:pPr lvl="1" marL="743040" indent="-285120">
               <a:lnSpc>
                 <a:spcPct val="100000"/>
               </a:lnSpc>
@@ -15024,14 +18125,14 @@
       </p:sp>
       <p:sp>
         <p:nvSpPr>
-          <p:cNvPr id="139" name="TextShape 4"/>
-          <p:cNvSpPr txBox="1"/>
+          <p:cNvPr id="216" name="CustomShape 4"/>
+          <p:cNvSpPr/>
           <p:nvPr/>
         </p:nvSpPr>
         <p:spPr>
           <a:xfrm>
             <a:off x="2057400" y="6477120"/>
-            <a:ext cx="5943240" cy="247320"/>
+            <a:ext cx="5942880" cy="246960"/>
           </a:xfrm>
           <a:prstGeom prst="rect">
             <a:avLst/>
@@ -15041,8 +18142,14 @@
             <a:noFill/>
           </a:ln>
         </p:spPr>
-        <p:txBody>
-          <a:bodyPr anchor="b"/>
+        <p:style>
+          <a:lnRef idx="0"/>
+          <a:fillRef idx="0"/>
+          <a:effectRef idx="0"/>
+          <a:fontRef idx="minor"/>
+        </p:style>
+        <p:txBody>
+          <a:bodyPr lIns="90000" rIns="90000" tIns="45000" bIns="45000" anchor="b"/>
           <a:p>
             <a:pPr algn="ctr">
               <a:lnSpc>
@@ -15766,4 +18873,450 @@
     </a:fmtScheme>
   </a:themeElements>
 </a:theme>
+</file>
+
+<file path=ppt/theme/theme4.xml><?xml version="1.0" encoding="utf-8"?>
+<a:theme xmlns:a="http://schemas.openxmlformats.org/drawingml/2006/main" name="Office Theme">
+  <a:themeElements>
+    <a:clrScheme name="Office">
+      <a:dk1>
+        <a:sysClr val="windowText" lastClr="000000"/>
+      </a:dk1>
+      <a:lt1>
+        <a:sysClr val="window" lastClr="FFFFFF"/>
+      </a:lt1>
+      <a:dk2>
+        <a:srgbClr val="1F497D"/>
+      </a:dk2>
+      <a:lt2>
+        <a:srgbClr val="EEECE1"/>
+      </a:lt2>
+      <a:accent1>
+        <a:srgbClr val="4F81BD"/>
+      </a:accent1>
+      <a:accent2>
+        <a:srgbClr val="C0504D"/>
+      </a:accent2>
+      <a:accent3>
+        <a:srgbClr val="9BBB59"/>
+      </a:accent3>
+      <a:accent4>
+        <a:srgbClr val="8064A2"/>
+      </a:accent4>
+      <a:accent5>
+        <a:srgbClr val="4BACC6"/>
+      </a:accent5>
+      <a:accent6>
+        <a:srgbClr val="F79646"/>
+      </a:accent6>
+      <a:hlink>
+        <a:srgbClr val="0000FF"/>
+      </a:hlink>
+      <a:folHlink>
+        <a:srgbClr val="800080"/>
+      </a:folHlink>
+    </a:clrScheme>
+    <a:fontScheme name="Office">
+      <a:majorFont>
+        <a:latin typeface="Arial"/>
+        <a:ea typeface="DejaVu Sans"/>
+        <a:cs typeface="DejaVu Sans"/>
+      </a:majorFont>
+      <a:minorFont>
+        <a:latin typeface="Arial"/>
+        <a:ea typeface="DejaVu Sans"/>
+        <a:cs typeface="DejaVu Sans"/>
+      </a:minorFont>
+    </a:fontScheme>
+    <a:fmtScheme name="Office">
+      <a:fillStyleLst>
+        <a:solidFill>
+          <a:schemeClr val="phClr"/>
+        </a:solidFill>
+        <a:gradFill rotWithShape="1">
+          <a:gsLst>
+            <a:gs pos="0">
+              <a:schemeClr val="phClr">
+                <a:tint val="50000"/>
+                <a:satMod val="300000"/>
+              </a:schemeClr>
+            </a:gs>
+            <a:gs pos="35000">
+              <a:schemeClr val="phClr">
+                <a:tint val="37000"/>
+                <a:satMod val="300000"/>
+              </a:schemeClr>
+            </a:gs>
+            <a:gs pos="100000">
+              <a:schemeClr val="phClr">
+                <a:tint val="15000"/>
+                <a:satMod val="350000"/>
+              </a:schemeClr>
+            </a:gs>
+          </a:gsLst>
+          <a:lin ang="16200000" scaled="1"/>
+        </a:gradFill>
+        <a:gradFill rotWithShape="1">
+          <a:gsLst>
+            <a:gs pos="0">
+              <a:schemeClr val="phClr">
+                <a:shade val="51000"/>
+                <a:satMod val="130000"/>
+              </a:schemeClr>
+            </a:gs>
+            <a:gs pos="80000">
+              <a:schemeClr val="phClr">
+                <a:shade val="93000"/>
+                <a:satMod val="130000"/>
+              </a:schemeClr>
+            </a:gs>
+            <a:gs pos="100000">
+              <a:schemeClr val="phClr">
+                <a:shade val="94000"/>
+                <a:satMod val="135000"/>
+              </a:schemeClr>
+            </a:gs>
+          </a:gsLst>
+          <a:lin ang="16200000" scaled="0"/>
+        </a:gradFill>
+      </a:fillStyleLst>
+      <a:lnStyleLst>
+        <a:ln w="9525" cap="flat" cmpd="sng" algn="ctr">
+          <a:solidFill>
+            <a:schemeClr val="phClr">
+              <a:shade val="95000"/>
+              <a:satMod val="105000"/>
+            </a:schemeClr>
+          </a:solidFill>
+          <a:prstDash val="solid"/>
+        </a:ln>
+        <a:ln w="25400" cap="flat" cmpd="sng" algn="ctr">
+          <a:solidFill>
+            <a:schemeClr val="phClr"/>
+          </a:solidFill>
+          <a:prstDash val="solid"/>
+        </a:ln>
+        <a:ln w="38100" cap="flat" cmpd="sng" algn="ctr">
+          <a:solidFill>
+            <a:schemeClr val="phClr"/>
+          </a:solidFill>
+          <a:prstDash val="solid"/>
+        </a:ln>
+      </a:lnStyleLst>
+      <a:effectStyleLst>
+        <a:effectStyle>
+          <a:effectLst>
+            <a:outerShdw blurRad="40000" dist="20000" dir="5400000" rotWithShape="0">
+              <a:srgbClr val="000000">
+                <a:alpha val="38000"/>
+              </a:srgbClr>
+            </a:outerShdw>
+          </a:effectLst>
+        </a:effectStyle>
+        <a:effectStyle>
+          <a:effectLst>
+            <a:outerShdw blurRad="40000" dist="23000" dir="5400000" rotWithShape="0">
+              <a:srgbClr val="000000">
+                <a:alpha val="35000"/>
+              </a:srgbClr>
+            </a:outerShdw>
+          </a:effectLst>
+        </a:effectStyle>
+        <a:effectStyle>
+          <a:effectLst>
+            <a:outerShdw blurRad="40000" dist="23000" dir="5400000" rotWithShape="0">
+              <a:srgbClr val="000000">
+                <a:alpha val="35000"/>
+              </a:srgbClr>
+            </a:outerShdw>
+          </a:effectLst>
+          <a:scene3d>
+            <a:camera prst="orthographicFront">
+              <a:rot lat="0" lon="0" rev="0"/>
+            </a:camera>
+            <a:lightRig rig="threePt" dir="t">
+              <a:rot lat="0" lon="0" rev="1200000"/>
+            </a:lightRig>
+          </a:scene3d>
+          <a:sp3d>
+            <a:bevelT w="63500" h="25400"/>
+          </a:sp3d>
+        </a:effectStyle>
+      </a:effectStyleLst>
+      <a:bgFillStyleLst>
+        <a:solidFill>
+          <a:schemeClr val="phClr"/>
+        </a:solidFill>
+        <a:gradFill rotWithShape="1">
+          <a:gsLst>
+            <a:gs pos="0">
+              <a:schemeClr val="phClr">
+                <a:tint val="40000"/>
+                <a:satMod val="350000"/>
+              </a:schemeClr>
+            </a:gs>
+            <a:gs pos="40000">
+              <a:schemeClr val="phClr">
+                <a:tint val="45000"/>
+                <a:shade val="99000"/>
+                <a:satMod val="350000"/>
+              </a:schemeClr>
+            </a:gs>
+            <a:gs pos="100000">
+              <a:schemeClr val="phClr">
+                <a:shade val="20000"/>
+                <a:satMod val="255000"/>
+              </a:schemeClr>
+            </a:gs>
+          </a:gsLst>
+          <a:path path="circle">
+            <a:fillToRect l="50000" t="-80000" r="50000" b="180000"/>
+          </a:path>
+        </a:gradFill>
+        <a:gradFill rotWithShape="1">
+          <a:gsLst>
+            <a:gs pos="0">
+              <a:schemeClr val="phClr">
+                <a:tint val="80000"/>
+                <a:satMod val="300000"/>
+              </a:schemeClr>
+            </a:gs>
+            <a:gs pos="100000">
+              <a:schemeClr val="phClr">
+                <a:shade val="30000"/>
+                <a:satMod val="200000"/>
+              </a:schemeClr>
+            </a:gs>
+          </a:gsLst>
+          <a:path path="circle">
+            <a:fillToRect l="50000" t="50000" r="50000" b="50000"/>
+          </a:path>
+        </a:gradFill>
+      </a:bgFillStyleLst>
+    </a:fmtScheme>
+  </a:themeElements>
+</a:theme>
+</file>
+
+<file path=ppt/theme/theme5.xml><?xml version="1.0" encoding="utf-8"?>
+<a:theme xmlns:a="http://schemas.openxmlformats.org/drawingml/2006/main" name="Office Theme">
+  <a:themeElements>
+    <a:clrScheme name="Office">
+      <a:dk1>
+        <a:sysClr val="windowText" lastClr="000000"/>
+      </a:dk1>
+      <a:lt1>
+        <a:sysClr val="window" lastClr="FFFFFF"/>
+      </a:lt1>
+      <a:dk2>
+        <a:srgbClr val="1F497D"/>
+      </a:dk2>
+      <a:lt2>
+        <a:srgbClr val="EEECE1"/>
+      </a:lt2>
+      <a:accent1>
+        <a:srgbClr val="4F81BD"/>
+      </a:accent1>
+      <a:accent2>
+        <a:srgbClr val="C0504D"/>
+      </a:accent2>
+      <a:accent3>
+        <a:srgbClr val="9BBB59"/>
+      </a:accent3>
+      <a:accent4>
+        <a:srgbClr val="8064A2"/>
+      </a:accent4>
+      <a:accent5>
+        <a:srgbClr val="4BACC6"/>
+      </a:accent5>
+      <a:accent6>
+        <a:srgbClr val="F79646"/>
+      </a:accent6>
+      <a:hlink>
+        <a:srgbClr val="0000FF"/>
+      </a:hlink>
+      <a:folHlink>
+        <a:srgbClr val="800080"/>
+      </a:folHlink>
+    </a:clrScheme>
+    <a:fontScheme name="Office">
+      <a:majorFont>
+        <a:latin typeface="Arial"/>
+        <a:ea typeface="DejaVu Sans"/>
+        <a:cs typeface="DejaVu Sans"/>
+      </a:majorFont>
+      <a:minorFont>
+        <a:latin typeface="Arial"/>
+        <a:ea typeface="DejaVu Sans"/>
+        <a:cs typeface="DejaVu Sans"/>
+      </a:minorFont>
+    </a:fontScheme>
+    <a:fmtScheme name="Office">
+      <a:fillStyleLst>
+        <a:solidFill>
+          <a:schemeClr val="phClr"/>
+        </a:solidFill>
+        <a:gradFill rotWithShape="1">
+          <a:gsLst>
+            <a:gs pos="0">
+              <a:schemeClr val="phClr">
+                <a:tint val="50000"/>
+                <a:satMod val="300000"/>
+              </a:schemeClr>
+            </a:gs>
+            <a:gs pos="35000">
+              <a:schemeClr val="phClr">
+                <a:tint val="37000"/>
+                <a:satMod val="300000"/>
+              </a:schemeClr>
+            </a:gs>
+            <a:gs pos="100000">
+              <a:schemeClr val="phClr">
+                <a:tint val="15000"/>
+                <a:satMod val="350000"/>
+              </a:schemeClr>
+            </a:gs>
+          </a:gsLst>
+          <a:lin ang="16200000" scaled="1"/>
+        </a:gradFill>
+        <a:gradFill rotWithShape="1">
+          <a:gsLst>
+            <a:gs pos="0">
+              <a:schemeClr val="phClr">
+                <a:shade val="51000"/>
+                <a:satMod val="130000"/>
+              </a:schemeClr>
+            </a:gs>
+            <a:gs pos="80000">
+              <a:schemeClr val="phClr">
+                <a:shade val="93000"/>
+                <a:satMod val="130000"/>
+              </a:schemeClr>
+            </a:gs>
+            <a:gs pos="100000">
+              <a:schemeClr val="phClr">
+                <a:shade val="94000"/>
+                <a:satMod val="135000"/>
+              </a:schemeClr>
+            </a:gs>
+          </a:gsLst>
+          <a:lin ang="16200000" scaled="0"/>
+        </a:gradFill>
+      </a:fillStyleLst>
+      <a:lnStyleLst>
+        <a:ln w="9525" cap="flat" cmpd="sng" algn="ctr">
+          <a:solidFill>
+            <a:schemeClr val="phClr">
+              <a:shade val="95000"/>
+              <a:satMod val="105000"/>
+            </a:schemeClr>
+          </a:solidFill>
+          <a:prstDash val="solid"/>
+        </a:ln>
+        <a:ln w="25400" cap="flat" cmpd="sng" algn="ctr">
+          <a:solidFill>
+            <a:schemeClr val="phClr"/>
+          </a:solidFill>
+          <a:prstDash val="solid"/>
+        </a:ln>
+        <a:ln w="38100" cap="flat" cmpd="sng" algn="ctr">
+          <a:solidFill>
+            <a:schemeClr val="phClr"/>
+          </a:solidFill>
+          <a:prstDash val="solid"/>
+        </a:ln>
+      </a:lnStyleLst>
+      <a:effectStyleLst>
+        <a:effectStyle>
+          <a:effectLst>
+            <a:outerShdw blurRad="40000" dist="20000" dir="5400000" rotWithShape="0">
+              <a:srgbClr val="000000">
+                <a:alpha val="38000"/>
+              </a:srgbClr>
+            </a:outerShdw>
+          </a:effectLst>
+        </a:effectStyle>
+        <a:effectStyle>
+          <a:effectLst>
+            <a:outerShdw blurRad="40000" dist="23000" dir="5400000" rotWithShape="0">
+              <a:srgbClr val="000000">
+                <a:alpha val="35000"/>
+              </a:srgbClr>
+            </a:outerShdw>
+          </a:effectLst>
+        </a:effectStyle>
+        <a:effectStyle>
+          <a:effectLst>
+            <a:outerShdw blurRad="40000" dist="23000" dir="5400000" rotWithShape="0">
+              <a:srgbClr val="000000">
+                <a:alpha val="35000"/>
+              </a:srgbClr>
+            </a:outerShdw>
+          </a:effectLst>
+          <a:scene3d>
+            <a:camera prst="orthographicFront">
+              <a:rot lat="0" lon="0" rev="0"/>
+            </a:camera>
+            <a:lightRig rig="threePt" dir="t">
+              <a:rot lat="0" lon="0" rev="1200000"/>
+            </a:lightRig>
+          </a:scene3d>
+          <a:sp3d>
+            <a:bevelT w="63500" h="25400"/>
+          </a:sp3d>
+        </a:effectStyle>
+      </a:effectStyleLst>
+      <a:bgFillStyleLst>
+        <a:solidFill>
+          <a:schemeClr val="phClr"/>
+        </a:solidFill>
+        <a:gradFill rotWithShape="1">
+          <a:gsLst>
+            <a:gs pos="0">
+              <a:schemeClr val="phClr">
+                <a:tint val="40000"/>
+                <a:satMod val="350000"/>
+              </a:schemeClr>
+            </a:gs>
+            <a:gs pos="40000">
+              <a:schemeClr val="phClr">
+                <a:tint val="45000"/>
+                <a:shade val="99000"/>
+                <a:satMod val="350000"/>
+              </a:schemeClr>
+            </a:gs>
+            <a:gs pos="100000">
+              <a:schemeClr val="phClr">
+                <a:shade val="20000"/>
+                <a:satMod val="255000"/>
+              </a:schemeClr>
+            </a:gs>
+          </a:gsLst>
+          <a:path path="circle">
+            <a:fillToRect l="50000" t="-80000" r="50000" b="180000"/>
+          </a:path>
+        </a:gradFill>
+        <a:gradFill rotWithShape="1">
+          <a:gsLst>
+            <a:gs pos="0">
+              <a:schemeClr val="phClr">
+                <a:tint val="80000"/>
+                <a:satMod val="300000"/>
+              </a:schemeClr>
+            </a:gs>
+            <a:gs pos="100000">
+              <a:schemeClr val="phClr">
+                <a:shade val="30000"/>
+                <a:satMod val="200000"/>
+              </a:schemeClr>
+            </a:gs>
+          </a:gsLst>
+          <a:path path="circle">
+            <a:fillToRect l="50000" t="50000" r="50000" b="50000"/>
+          </a:path>
+        </a:gradFill>
+      </a:bgFillStyleLst>
+    </a:fmtScheme>
+  </a:themeElements>
+</a:theme>
 </file>